--- a/Lab2/Week2_Lab_DataCleaning.pptx
+++ b/Lab2/Week2_Lab_DataCleaning.pptx
@@ -5,7 +5,7 @@
     <p:sldMasterId id="2147483660" r:id="rId1"/>
   </p:sldMasterIdLst>
   <p:notesMasterIdLst>
-    <p:notesMasterId r:id="rId57"/>
+    <p:notesMasterId r:id="rId50"/>
   </p:notesMasterIdLst>
   <p:sldIdLst>
     <p:sldId id="262" r:id="rId2"/>
@@ -53,16 +53,9 @@
     <p:sldId id="319" r:id="rId44"/>
     <p:sldId id="313" r:id="rId45"/>
     <p:sldId id="320" r:id="rId46"/>
-    <p:sldId id="267" r:id="rId47"/>
-    <p:sldId id="270" r:id="rId48"/>
-    <p:sldId id="268" r:id="rId49"/>
-    <p:sldId id="269" r:id="rId50"/>
-    <p:sldId id="275" r:id="rId51"/>
-    <p:sldId id="289" r:id="rId52"/>
-    <p:sldId id="276" r:id="rId53"/>
-    <p:sldId id="283" r:id="rId54"/>
-    <p:sldId id="286" r:id="rId55"/>
-    <p:sldId id="284" r:id="rId56"/>
+    <p:sldId id="283" r:id="rId47"/>
+    <p:sldId id="286" r:id="rId48"/>
+    <p:sldId id="284" r:id="rId49"/>
   </p:sldIdLst>
   <p:sldSz cx="9144000" cy="6858000" type="screen4x3"/>
   <p:notesSz cx="6858000" cy="9144000"/>
@@ -263,7 +256,7 @@
           <a:p>
             <a:fld id="{BED26B95-36F8-406F-876F-8042A3E7028B}" type="datetimeFigureOut">
               <a:rPr lang="en-US" smtClean="0"/>
-              <a:t>8/31/22</a:t>
+              <a:t>9/6/22</a:t>
             </a:fld>
             <a:endParaRPr lang="en-US"/>
           </a:p>
@@ -4412,7 +4405,7 @@
           <a:p>
             <a:fld id="{E6ADB4FC-15E8-4865-BBC0-F205EBB71BBD}" type="datetime1">
               <a:rPr lang="en-US" smtClean="0"/>
-              <a:t>8/31/22</a:t>
+              <a:t>9/6/22</a:t>
             </a:fld>
             <a:endParaRPr lang="en-US"/>
           </a:p>
@@ -4582,7 +4575,7 @@
           <a:p>
             <a:fld id="{9BBE504E-2FE8-40EF-8398-8CDCCFF694B8}" type="datetime1">
               <a:rPr lang="en-US" smtClean="0"/>
-              <a:t>8/31/22</a:t>
+              <a:t>9/6/22</a:t>
             </a:fld>
             <a:endParaRPr lang="en-US"/>
           </a:p>
@@ -4762,7 +4755,7 @@
           <a:p>
             <a:fld id="{BF42AA43-66CC-4B52-B6E1-17F3252CA181}" type="datetime1">
               <a:rPr lang="en-US" smtClean="0"/>
-              <a:t>8/31/22</a:t>
+              <a:t>9/6/22</a:t>
             </a:fld>
             <a:endParaRPr lang="en-US"/>
           </a:p>
@@ -4932,7 +4925,7 @@
           <a:p>
             <a:fld id="{A0166AA0-2310-47D5-8441-F5D5A15F849F}" type="datetime1">
               <a:rPr lang="en-US" smtClean="0"/>
-              <a:t>8/31/22</a:t>
+              <a:t>9/6/22</a:t>
             </a:fld>
             <a:endParaRPr lang="en-US"/>
           </a:p>
@@ -5176,7 +5169,7 @@
           <a:p>
             <a:fld id="{208E2E0F-5DF2-4E2B-955F-C0D79A73C6D9}" type="datetime1">
               <a:rPr lang="en-US" smtClean="0"/>
-              <a:t>8/31/22</a:t>
+              <a:t>9/6/22</a:t>
             </a:fld>
             <a:endParaRPr lang="en-US"/>
           </a:p>
@@ -5408,7 +5401,7 @@
           <a:p>
             <a:fld id="{64BEF670-79B3-4BF8-81E6-F6779CDAF294}" type="datetime1">
               <a:rPr lang="en-US" smtClean="0"/>
-              <a:t>8/31/22</a:t>
+              <a:t>9/6/22</a:t>
             </a:fld>
             <a:endParaRPr lang="en-US"/>
           </a:p>
@@ -5775,7 +5768,7 @@
           <a:p>
             <a:fld id="{9A31E71E-E06D-441A-8020-E59405CED8D0}" type="datetime1">
               <a:rPr lang="en-US" smtClean="0"/>
-              <a:t>8/31/22</a:t>
+              <a:t>9/6/22</a:t>
             </a:fld>
             <a:endParaRPr lang="en-US"/>
           </a:p>
@@ -5893,7 +5886,7 @@
           <a:p>
             <a:fld id="{FD0D2F7F-BE3B-473F-AD67-A290CA83A9C1}" type="datetime1">
               <a:rPr lang="en-US" smtClean="0"/>
-              <a:t>8/31/22</a:t>
+              <a:t>9/6/22</a:t>
             </a:fld>
             <a:endParaRPr lang="en-US"/>
           </a:p>
@@ -5988,7 +5981,7 @@
           <a:p>
             <a:fld id="{A4391717-D721-4572-BA5D-417306EC1380}" type="datetime1">
               <a:rPr lang="en-US" smtClean="0"/>
-              <a:t>8/31/22</a:t>
+              <a:t>9/6/22</a:t>
             </a:fld>
             <a:endParaRPr lang="en-US"/>
           </a:p>
@@ -6265,7 +6258,7 @@
           <a:p>
             <a:fld id="{91AE5C7B-9319-4F56-BE64-99CB8AC34320}" type="datetime1">
               <a:rPr lang="en-US" smtClean="0"/>
-              <a:t>8/31/22</a:t>
+              <a:t>9/6/22</a:t>
             </a:fld>
             <a:endParaRPr lang="en-US"/>
           </a:p>
@@ -6522,7 +6515,7 @@
           <a:p>
             <a:fld id="{0C4D27BB-8481-4AB7-91ED-978C1F2CFBB9}" type="datetime1">
               <a:rPr lang="en-US" smtClean="0"/>
-              <a:t>8/31/22</a:t>
+              <a:t>9/6/22</a:t>
             </a:fld>
             <a:endParaRPr lang="en-US"/>
           </a:p>
@@ -6744,7 +6737,7 @@
           <a:p>
             <a:fld id="{D2A68766-891C-419E-96DA-3EBCCD2774C0}" type="datetime1">
               <a:rPr lang="en-US" smtClean="0"/>
-              <a:t>8/31/22</a:t>
+              <a:t>9/6/22</a:t>
             </a:fld>
             <a:endParaRPr lang="en-US"/>
           </a:p>
@@ -39770,5112 +39763,6 @@
 </file>
 
 <file path=ppt/slides/slide46.xml><?xml version="1.0" encoding="utf-8"?>
-<p:sld xmlns:a="http://schemas.openxmlformats.org/drawingml/2006/main" xmlns:r="http://schemas.openxmlformats.org/officeDocument/2006/relationships" xmlns:p="http://schemas.openxmlformats.org/presentationml/2006/main" show="0">
-  <p:cSld>
-    <p:spTree>
-      <p:nvGrpSpPr>
-        <p:cNvPr id="1" name=""/>
-        <p:cNvGrpSpPr/>
-        <p:nvPr/>
-      </p:nvGrpSpPr>
-      <p:grpSpPr>
-        <a:xfrm>
-          <a:off x="0" y="0"/>
-          <a:ext cx="0" cy="0"/>
-          <a:chOff x="0" y="0"/>
-          <a:chExt cx="0" cy="0"/>
-        </a:xfrm>
-      </p:grpSpPr>
-      <p:sp>
-        <p:nvSpPr>
-          <p:cNvPr id="6" name="TextBox 5">
-            <a:extLst>
-              <a:ext uri="{FF2B5EF4-FFF2-40B4-BE49-F238E27FC236}">
-                <a16:creationId xmlns:a16="http://schemas.microsoft.com/office/drawing/2014/main" id="{7EE7DE34-0D13-44E2-947E-804DE8A9770B}"/>
-              </a:ext>
-            </a:extLst>
-          </p:cNvPr>
-          <p:cNvSpPr txBox="1"/>
-          <p:nvPr/>
-        </p:nvSpPr>
-        <p:spPr>
-          <a:xfrm>
-            <a:off x="356770" y="222432"/>
-            <a:ext cx="6385081" cy="830997"/>
-          </a:xfrm>
-          <a:prstGeom prst="rect">
-            <a:avLst/>
-          </a:prstGeom>
-          <a:noFill/>
-        </p:spPr>
-        <p:txBody>
-          <a:bodyPr wrap="none" rtlCol="0">
-            <a:spAutoFit/>
-          </a:bodyPr>
-          <a:lstStyle/>
-          <a:p>
-            <a:r>
-              <a:rPr lang="en-US" sz="4800" b="1" dirty="0">
-                <a:solidFill>
-                  <a:schemeClr val="accent2"/>
-                </a:solidFill>
-                <a:latin typeface="Arial" panose="020B0604020202020204" pitchFamily="34" charset="0"/>
-                <a:cs typeface="Arial" panose="020B0604020202020204" pitchFamily="34" charset="0"/>
-              </a:rPr>
-              <a:t>Calculating the mean</a:t>
-            </a:r>
-            <a:endParaRPr lang="en-US" sz="6600" b="1" dirty="0">
-              <a:solidFill>
-                <a:schemeClr val="accent2"/>
-              </a:solidFill>
-              <a:latin typeface="Arial" panose="020B0604020202020204" pitchFamily="34" charset="0"/>
-              <a:cs typeface="Arial" panose="020B0604020202020204" pitchFamily="34" charset="0"/>
-            </a:endParaRPr>
-          </a:p>
-        </p:txBody>
-      </p:sp>
-      <p:sp>
-        <p:nvSpPr>
-          <p:cNvPr id="12" name="Slide Number Placeholder 11">
-            <a:extLst>
-              <a:ext uri="{FF2B5EF4-FFF2-40B4-BE49-F238E27FC236}">
-                <a16:creationId xmlns:a16="http://schemas.microsoft.com/office/drawing/2014/main" id="{92E50310-2257-4A5C-93E8-3D0F3E8916DA}"/>
-              </a:ext>
-            </a:extLst>
-          </p:cNvPr>
-          <p:cNvSpPr>
-            <a:spLocks noGrp="1"/>
-          </p:cNvSpPr>
-          <p:nvPr>
-            <p:ph type="sldNum" sz="quarter" idx="12"/>
-          </p:nvPr>
-        </p:nvSpPr>
-        <p:spPr>
-          <a:xfrm>
-            <a:off x="6475367" y="6453005"/>
-            <a:ext cx="2057400" cy="365125"/>
-          </a:xfrm>
-        </p:spPr>
-        <p:txBody>
-          <a:bodyPr/>
-          <a:lstStyle/>
-          <a:p>
-            <a:fld id="{D9CFEFDB-66D6-495C-9117-3BD2D7EF3F1B}" type="slidenum">
-              <a:rPr lang="en-US" smtClean="0"/>
-              <a:t>46</a:t>
-            </a:fld>
-            <a:endParaRPr lang="en-US"/>
-          </a:p>
-        </p:txBody>
-      </p:sp>
-      <p:pic>
-        <p:nvPicPr>
-          <p:cNvPr id="1026" name="Picture 2" descr="Image result for equation for mean">
-            <a:extLst>
-              <a:ext uri="{FF2B5EF4-FFF2-40B4-BE49-F238E27FC236}">
-                <a16:creationId xmlns:a16="http://schemas.microsoft.com/office/drawing/2014/main" id="{067A2CA1-4938-4E8B-B55D-F3F1F0816B67}"/>
-              </a:ext>
-            </a:extLst>
-          </p:cNvPr>
-          <p:cNvPicPr>
-            <a:picLocks noChangeAspect="1" noChangeArrowheads="1"/>
-          </p:cNvPicPr>
-          <p:nvPr/>
-        </p:nvPicPr>
-        <p:blipFill>
-          <a:blip r:embed="rId2">
-            <a:extLst>
-              <a:ext uri="{28A0092B-C50C-407E-A947-70E740481C1C}">
-                <a14:useLocalDpi xmlns:a14="http://schemas.microsoft.com/office/drawing/2010/main" val="0"/>
-              </a:ext>
-            </a:extLst>
-          </a:blip>
-          <a:srcRect/>
-          <a:stretch>
-            <a:fillRect/>
-          </a:stretch>
-        </p:blipFill>
-        <p:spPr bwMode="auto">
-          <a:xfrm>
-            <a:off x="2062218" y="914674"/>
-            <a:ext cx="4679633" cy="2787242"/>
-          </a:xfrm>
-          <a:prstGeom prst="rect">
-            <a:avLst/>
-          </a:prstGeom>
-          <a:noFill/>
-          <a:extLst>
-            <a:ext uri="{909E8E84-426E-40DD-AFC4-6F175D3DCCD1}">
-              <a14:hiddenFill xmlns:a14="http://schemas.microsoft.com/office/drawing/2010/main">
-                <a:solidFill>
-                  <a:srgbClr val="FFFFFF"/>
-                </a:solidFill>
-              </a14:hiddenFill>
-            </a:ext>
-          </a:extLst>
-        </p:spPr>
-      </p:pic>
-      <p:sp>
-        <p:nvSpPr>
-          <p:cNvPr id="5" name="Rectangle 4">
-            <a:extLst>
-              <a:ext uri="{FF2B5EF4-FFF2-40B4-BE49-F238E27FC236}">
-                <a16:creationId xmlns:a16="http://schemas.microsoft.com/office/drawing/2014/main" id="{B9671F9B-874B-4300-B39A-AD3ACB351506}"/>
-              </a:ext>
-            </a:extLst>
-          </p:cNvPr>
-          <p:cNvSpPr/>
-          <p:nvPr/>
-        </p:nvSpPr>
-        <p:spPr>
-          <a:xfrm>
-            <a:off x="33277" y="6581423"/>
-            <a:ext cx="2026196" cy="369332"/>
-          </a:xfrm>
-          <a:prstGeom prst="rect">
-            <a:avLst/>
-          </a:prstGeom>
-        </p:spPr>
-        <p:txBody>
-          <a:bodyPr wrap="none">
-            <a:spAutoFit/>
-          </a:bodyPr>
-          <a:lstStyle/>
-          <a:p>
-            <a:r>
-              <a:rPr lang="en-US" i="1" dirty="0"/>
-              <a:t>Credit: </a:t>
-            </a:r>
-            <a:r>
-              <a:rPr lang="en-US" i="1" dirty="0" err="1"/>
-              <a:t>Bonwoo</a:t>
-            </a:r>
-            <a:r>
-              <a:rPr lang="en-US" i="1" dirty="0"/>
-              <a:t> Koo</a:t>
-            </a:r>
-          </a:p>
-        </p:txBody>
-      </p:sp>
-    </p:spTree>
-    <p:extLst>
-      <p:ext uri="{BB962C8B-B14F-4D97-AF65-F5344CB8AC3E}">
-        <p14:creationId xmlns:p14="http://schemas.microsoft.com/office/powerpoint/2010/main" val="3146833385"/>
-      </p:ext>
-    </p:extLst>
-  </p:cSld>
-  <p:clrMapOvr>
-    <a:masterClrMapping/>
-  </p:clrMapOvr>
-</p:sld>
-</file>
-
-<file path=ppt/slides/slide47.xml><?xml version="1.0" encoding="utf-8"?>
-<p:sld xmlns:a="http://schemas.openxmlformats.org/drawingml/2006/main" xmlns:r="http://schemas.openxmlformats.org/officeDocument/2006/relationships" xmlns:p="http://schemas.openxmlformats.org/presentationml/2006/main" show="0">
-  <p:cSld>
-    <p:spTree>
-      <p:nvGrpSpPr>
-        <p:cNvPr id="1" name=""/>
-        <p:cNvGrpSpPr/>
-        <p:nvPr/>
-      </p:nvGrpSpPr>
-      <p:grpSpPr>
-        <a:xfrm>
-          <a:off x="0" y="0"/>
-          <a:ext cx="0" cy="0"/>
-          <a:chOff x="0" y="0"/>
-          <a:chExt cx="0" cy="0"/>
-        </a:xfrm>
-      </p:grpSpPr>
-      <p:sp>
-        <p:nvSpPr>
-          <p:cNvPr id="6" name="TextBox 5">
-            <a:extLst>
-              <a:ext uri="{FF2B5EF4-FFF2-40B4-BE49-F238E27FC236}">
-                <a16:creationId xmlns:a16="http://schemas.microsoft.com/office/drawing/2014/main" id="{7EE7DE34-0D13-44E2-947E-804DE8A9770B}"/>
-              </a:ext>
-            </a:extLst>
-          </p:cNvPr>
-          <p:cNvSpPr txBox="1"/>
-          <p:nvPr/>
-        </p:nvSpPr>
-        <p:spPr>
-          <a:xfrm>
-            <a:off x="356770" y="222432"/>
-            <a:ext cx="6385081" cy="830997"/>
-          </a:xfrm>
-          <a:prstGeom prst="rect">
-            <a:avLst/>
-          </a:prstGeom>
-          <a:noFill/>
-        </p:spPr>
-        <p:txBody>
-          <a:bodyPr wrap="none" rtlCol="0">
-            <a:spAutoFit/>
-          </a:bodyPr>
-          <a:lstStyle/>
-          <a:p>
-            <a:r>
-              <a:rPr lang="en-US" sz="4800" b="1" dirty="0">
-                <a:solidFill>
-                  <a:schemeClr val="accent2"/>
-                </a:solidFill>
-                <a:latin typeface="Arial" panose="020B0604020202020204" pitchFamily="34" charset="0"/>
-                <a:cs typeface="Arial" panose="020B0604020202020204" pitchFamily="34" charset="0"/>
-              </a:rPr>
-              <a:t>Calculating the mean</a:t>
-            </a:r>
-            <a:endParaRPr lang="en-US" sz="6600" b="1" dirty="0">
-              <a:solidFill>
-                <a:schemeClr val="accent2"/>
-              </a:solidFill>
-              <a:latin typeface="Arial" panose="020B0604020202020204" pitchFamily="34" charset="0"/>
-              <a:cs typeface="Arial" panose="020B0604020202020204" pitchFamily="34" charset="0"/>
-            </a:endParaRPr>
-          </a:p>
-        </p:txBody>
-      </p:sp>
-      <p:sp>
-        <p:nvSpPr>
-          <p:cNvPr id="12" name="Slide Number Placeholder 11">
-            <a:extLst>
-              <a:ext uri="{FF2B5EF4-FFF2-40B4-BE49-F238E27FC236}">
-                <a16:creationId xmlns:a16="http://schemas.microsoft.com/office/drawing/2014/main" id="{92E50310-2257-4A5C-93E8-3D0F3E8916DA}"/>
-              </a:ext>
-            </a:extLst>
-          </p:cNvPr>
-          <p:cNvSpPr>
-            <a:spLocks noGrp="1"/>
-          </p:cNvSpPr>
-          <p:nvPr>
-            <p:ph type="sldNum" sz="quarter" idx="12"/>
-          </p:nvPr>
-        </p:nvSpPr>
-        <p:spPr>
-          <a:xfrm>
-            <a:off x="6475367" y="6453005"/>
-            <a:ext cx="2057400" cy="365125"/>
-          </a:xfrm>
-        </p:spPr>
-        <p:txBody>
-          <a:bodyPr/>
-          <a:lstStyle/>
-          <a:p>
-            <a:fld id="{D9CFEFDB-66D6-495C-9117-3BD2D7EF3F1B}" type="slidenum">
-              <a:rPr lang="en-US" smtClean="0"/>
-              <a:t>47</a:t>
-            </a:fld>
-            <a:endParaRPr lang="en-US"/>
-          </a:p>
-        </p:txBody>
-      </p:sp>
-      <p:pic>
-        <p:nvPicPr>
-          <p:cNvPr id="1026" name="Picture 2" descr="Image result for equation for mean">
-            <a:extLst>
-              <a:ext uri="{FF2B5EF4-FFF2-40B4-BE49-F238E27FC236}">
-                <a16:creationId xmlns:a16="http://schemas.microsoft.com/office/drawing/2014/main" id="{067A2CA1-4938-4E8B-B55D-F3F1F0816B67}"/>
-              </a:ext>
-            </a:extLst>
-          </p:cNvPr>
-          <p:cNvPicPr>
-            <a:picLocks noChangeAspect="1" noChangeArrowheads="1"/>
-          </p:cNvPicPr>
-          <p:nvPr/>
-        </p:nvPicPr>
-        <p:blipFill>
-          <a:blip r:embed="rId2">
-            <a:extLst>
-              <a:ext uri="{28A0092B-C50C-407E-A947-70E740481C1C}">
-                <a14:useLocalDpi xmlns:a14="http://schemas.microsoft.com/office/drawing/2010/main" val="0"/>
-              </a:ext>
-            </a:extLst>
-          </a:blip>
-          <a:srcRect/>
-          <a:stretch>
-            <a:fillRect/>
-          </a:stretch>
-        </p:blipFill>
-        <p:spPr bwMode="auto">
-          <a:xfrm>
-            <a:off x="2062218" y="914674"/>
-            <a:ext cx="4679633" cy="2787242"/>
-          </a:xfrm>
-          <a:prstGeom prst="rect">
-            <a:avLst/>
-          </a:prstGeom>
-          <a:noFill/>
-          <a:extLst>
-            <a:ext uri="{909E8E84-426E-40DD-AFC4-6F175D3DCCD1}">
-              <a14:hiddenFill xmlns:a14="http://schemas.microsoft.com/office/drawing/2010/main">
-                <a:solidFill>
-                  <a:srgbClr val="FFFFFF"/>
-                </a:solidFill>
-              </a14:hiddenFill>
-            </a:ext>
-          </a:extLst>
-        </p:spPr>
-      </p:pic>
-      <p:pic>
-        <p:nvPicPr>
-          <p:cNvPr id="13" name="Picture 2" descr="Image result for equation for mean">
-            <a:extLst>
-              <a:ext uri="{FF2B5EF4-FFF2-40B4-BE49-F238E27FC236}">
-                <a16:creationId xmlns:a16="http://schemas.microsoft.com/office/drawing/2014/main" id="{6E40C360-147B-4938-B31A-569969FF9775}"/>
-              </a:ext>
-            </a:extLst>
-          </p:cNvPr>
-          <p:cNvPicPr>
-            <a:picLocks noChangeAspect="1" noChangeArrowheads="1"/>
-          </p:cNvPicPr>
-          <p:nvPr/>
-        </p:nvPicPr>
-        <p:blipFill rotWithShape="1">
-          <a:blip r:embed="rId2">
-            <a:duotone>
-              <a:schemeClr val="accent5">
-                <a:shade val="45000"/>
-                <a:satMod val="135000"/>
-              </a:schemeClr>
-              <a:prstClr val="white"/>
-            </a:duotone>
-            <a:extLst>
-              <a:ext uri="{28A0092B-C50C-407E-A947-70E740481C1C}">
-                <a14:useLocalDpi xmlns:a14="http://schemas.microsoft.com/office/drawing/2010/main" val="0"/>
-              </a:ext>
-            </a:extLst>
-          </a:blip>
-          <a:srcRect l="36139" r="44693"/>
-          <a:stretch/>
-        </p:blipFill>
-        <p:spPr bwMode="auto">
-          <a:xfrm>
-            <a:off x="3751841" y="913544"/>
-            <a:ext cx="896984" cy="2787242"/>
-          </a:xfrm>
-          <a:prstGeom prst="rect">
-            <a:avLst/>
-          </a:prstGeom>
-          <a:noFill/>
-          <a:extLst>
-            <a:ext uri="{909E8E84-426E-40DD-AFC4-6F175D3DCCD1}">
-              <a14:hiddenFill xmlns:a14="http://schemas.microsoft.com/office/drawing/2010/main">
-                <a:solidFill>
-                  <a:srgbClr val="FFFFFF"/>
-                </a:solidFill>
-              </a14:hiddenFill>
-            </a:ext>
-          </a:extLst>
-        </p:spPr>
-      </p:pic>
-      <p:pic>
-        <p:nvPicPr>
-          <p:cNvPr id="14" name="Picture 13">
-            <a:extLst>
-              <a:ext uri="{FF2B5EF4-FFF2-40B4-BE49-F238E27FC236}">
-                <a16:creationId xmlns:a16="http://schemas.microsoft.com/office/drawing/2014/main" id="{32B5B07F-32CE-4531-80EF-2D350C8B9DE8}"/>
-              </a:ext>
-            </a:extLst>
-          </p:cNvPr>
-          <p:cNvPicPr>
-            <a:picLocks noChangeAspect="1"/>
-          </p:cNvPicPr>
-          <p:nvPr/>
-        </p:nvPicPr>
-        <p:blipFill rotWithShape="1">
-          <a:blip r:embed="rId3">
-            <a:duotone>
-              <a:schemeClr val="accent4">
-                <a:shade val="45000"/>
-                <a:satMod val="135000"/>
-              </a:schemeClr>
-              <a:prstClr val="white"/>
-            </a:duotone>
-          </a:blip>
-          <a:srcRect l="53162"/>
-          <a:stretch/>
-        </p:blipFill>
-        <p:spPr>
-          <a:xfrm>
-            <a:off x="4548831" y="914674"/>
-            <a:ext cx="2193021" cy="2786113"/>
-          </a:xfrm>
-          <a:prstGeom prst="rect">
-            <a:avLst/>
-          </a:prstGeom>
-        </p:spPr>
-      </p:pic>
-      <p:sp>
-        <p:nvSpPr>
-          <p:cNvPr id="7" name="Rectangle 6">
-            <a:extLst>
-              <a:ext uri="{FF2B5EF4-FFF2-40B4-BE49-F238E27FC236}">
-                <a16:creationId xmlns:a16="http://schemas.microsoft.com/office/drawing/2014/main" id="{6245A05A-4BAF-4BBC-BC42-1AF79A350B84}"/>
-              </a:ext>
-            </a:extLst>
-          </p:cNvPr>
-          <p:cNvSpPr/>
-          <p:nvPr/>
-        </p:nvSpPr>
-        <p:spPr>
-          <a:xfrm>
-            <a:off x="33277" y="6581423"/>
-            <a:ext cx="2026196" cy="369332"/>
-          </a:xfrm>
-          <a:prstGeom prst="rect">
-            <a:avLst/>
-          </a:prstGeom>
-        </p:spPr>
-        <p:txBody>
-          <a:bodyPr wrap="none">
-            <a:spAutoFit/>
-          </a:bodyPr>
-          <a:lstStyle/>
-          <a:p>
-            <a:r>
-              <a:rPr lang="en-US" i="1" dirty="0"/>
-              <a:t>Credit: </a:t>
-            </a:r>
-            <a:r>
-              <a:rPr lang="en-US" i="1" dirty="0" err="1"/>
-              <a:t>Bonwoo</a:t>
-            </a:r>
-            <a:r>
-              <a:rPr lang="en-US" i="1" dirty="0"/>
-              <a:t> Koo</a:t>
-            </a:r>
-          </a:p>
-        </p:txBody>
-      </p:sp>
-    </p:spTree>
-    <p:extLst>
-      <p:ext uri="{BB962C8B-B14F-4D97-AF65-F5344CB8AC3E}">
-        <p14:creationId xmlns:p14="http://schemas.microsoft.com/office/powerpoint/2010/main" val="1004024934"/>
-      </p:ext>
-    </p:extLst>
-  </p:cSld>
-  <p:clrMapOvr>
-    <a:masterClrMapping/>
-  </p:clrMapOvr>
-</p:sld>
-</file>
-
-<file path=ppt/slides/slide48.xml><?xml version="1.0" encoding="utf-8"?>
-<p:sld xmlns:a="http://schemas.openxmlformats.org/drawingml/2006/main" xmlns:r="http://schemas.openxmlformats.org/officeDocument/2006/relationships" xmlns:p="http://schemas.openxmlformats.org/presentationml/2006/main" show="0">
-  <p:cSld>
-    <p:spTree>
-      <p:nvGrpSpPr>
-        <p:cNvPr id="1" name=""/>
-        <p:cNvGrpSpPr/>
-        <p:nvPr/>
-      </p:nvGrpSpPr>
-      <p:grpSpPr>
-        <a:xfrm>
-          <a:off x="0" y="0"/>
-          <a:ext cx="0" cy="0"/>
-          <a:chOff x="0" y="0"/>
-          <a:chExt cx="0" cy="0"/>
-        </a:xfrm>
-      </p:grpSpPr>
-      <p:sp>
-        <p:nvSpPr>
-          <p:cNvPr id="6" name="TextBox 5">
-            <a:extLst>
-              <a:ext uri="{FF2B5EF4-FFF2-40B4-BE49-F238E27FC236}">
-                <a16:creationId xmlns:a16="http://schemas.microsoft.com/office/drawing/2014/main" id="{7EE7DE34-0D13-44E2-947E-804DE8A9770B}"/>
-              </a:ext>
-            </a:extLst>
-          </p:cNvPr>
-          <p:cNvSpPr txBox="1"/>
-          <p:nvPr/>
-        </p:nvSpPr>
-        <p:spPr>
-          <a:xfrm>
-            <a:off x="356770" y="222432"/>
-            <a:ext cx="6385081" cy="830997"/>
-          </a:xfrm>
-          <a:prstGeom prst="rect">
-            <a:avLst/>
-          </a:prstGeom>
-          <a:noFill/>
-        </p:spPr>
-        <p:txBody>
-          <a:bodyPr wrap="none" rtlCol="0">
-            <a:spAutoFit/>
-          </a:bodyPr>
-          <a:lstStyle/>
-          <a:p>
-            <a:r>
-              <a:rPr lang="en-US" sz="4800" b="1" dirty="0">
-                <a:solidFill>
-                  <a:schemeClr val="accent2"/>
-                </a:solidFill>
-                <a:latin typeface="Arial" panose="020B0604020202020204" pitchFamily="34" charset="0"/>
-                <a:cs typeface="Arial" panose="020B0604020202020204" pitchFamily="34" charset="0"/>
-              </a:rPr>
-              <a:t>Calculating the mean</a:t>
-            </a:r>
-            <a:endParaRPr lang="en-US" sz="6600" b="1" dirty="0">
-              <a:solidFill>
-                <a:schemeClr val="accent2"/>
-              </a:solidFill>
-              <a:latin typeface="Arial" panose="020B0604020202020204" pitchFamily="34" charset="0"/>
-              <a:cs typeface="Arial" panose="020B0604020202020204" pitchFamily="34" charset="0"/>
-            </a:endParaRPr>
-          </a:p>
-        </p:txBody>
-      </p:sp>
-      <p:sp>
-        <p:nvSpPr>
-          <p:cNvPr id="12" name="Slide Number Placeholder 11">
-            <a:extLst>
-              <a:ext uri="{FF2B5EF4-FFF2-40B4-BE49-F238E27FC236}">
-                <a16:creationId xmlns:a16="http://schemas.microsoft.com/office/drawing/2014/main" id="{92E50310-2257-4A5C-93E8-3D0F3E8916DA}"/>
-              </a:ext>
-            </a:extLst>
-          </p:cNvPr>
-          <p:cNvSpPr>
-            <a:spLocks noGrp="1"/>
-          </p:cNvSpPr>
-          <p:nvPr>
-            <p:ph type="sldNum" sz="quarter" idx="12"/>
-          </p:nvPr>
-        </p:nvSpPr>
-        <p:spPr>
-          <a:xfrm>
-            <a:off x="6475367" y="6453005"/>
-            <a:ext cx="2057400" cy="365125"/>
-          </a:xfrm>
-        </p:spPr>
-        <p:txBody>
-          <a:bodyPr/>
-          <a:lstStyle/>
-          <a:p>
-            <a:fld id="{D9CFEFDB-66D6-495C-9117-3BD2D7EF3F1B}" type="slidenum">
-              <a:rPr lang="en-US" smtClean="0"/>
-              <a:t>48</a:t>
-            </a:fld>
-            <a:endParaRPr lang="en-US"/>
-          </a:p>
-        </p:txBody>
-      </p:sp>
-      <p:pic>
-        <p:nvPicPr>
-          <p:cNvPr id="1026" name="Picture 2" descr="Image result for equation for mean">
-            <a:extLst>
-              <a:ext uri="{FF2B5EF4-FFF2-40B4-BE49-F238E27FC236}">
-                <a16:creationId xmlns:a16="http://schemas.microsoft.com/office/drawing/2014/main" id="{067A2CA1-4938-4E8B-B55D-F3F1F0816B67}"/>
-              </a:ext>
-            </a:extLst>
-          </p:cNvPr>
-          <p:cNvPicPr>
-            <a:picLocks noChangeAspect="1" noChangeArrowheads="1"/>
-          </p:cNvPicPr>
-          <p:nvPr/>
-        </p:nvPicPr>
-        <p:blipFill rotWithShape="1">
-          <a:blip r:embed="rId2">
-            <a:extLst>
-              <a:ext uri="{28A0092B-C50C-407E-A947-70E740481C1C}">
-                <a14:useLocalDpi xmlns:a14="http://schemas.microsoft.com/office/drawing/2010/main" val="0"/>
-              </a:ext>
-            </a:extLst>
-          </a:blip>
-          <a:srcRect r="66280"/>
-          <a:stretch/>
-        </p:blipFill>
-        <p:spPr bwMode="auto">
-          <a:xfrm>
-            <a:off x="581761" y="910925"/>
-            <a:ext cx="1577965" cy="2787242"/>
-          </a:xfrm>
-          <a:prstGeom prst="rect">
-            <a:avLst/>
-          </a:prstGeom>
-          <a:noFill/>
-          <a:extLst>
-            <a:ext uri="{909E8E84-426E-40DD-AFC4-6F175D3DCCD1}">
-              <a14:hiddenFill xmlns:a14="http://schemas.microsoft.com/office/drawing/2010/main">
-                <a:solidFill>
-                  <a:srgbClr val="FFFFFF"/>
-                </a:solidFill>
-              </a14:hiddenFill>
-            </a:ext>
-          </a:extLst>
-        </p:spPr>
-      </p:pic>
-      <p:pic>
-        <p:nvPicPr>
-          <p:cNvPr id="5" name="Picture 4">
-            <a:extLst>
-              <a:ext uri="{FF2B5EF4-FFF2-40B4-BE49-F238E27FC236}">
-                <a16:creationId xmlns:a16="http://schemas.microsoft.com/office/drawing/2014/main" id="{6145BB2C-F5CA-4BF5-A322-EE8AD95FC1F4}"/>
-              </a:ext>
-            </a:extLst>
-          </p:cNvPr>
-          <p:cNvPicPr>
-            <a:picLocks noChangeAspect="1"/>
-          </p:cNvPicPr>
-          <p:nvPr/>
-        </p:nvPicPr>
-        <p:blipFill rotWithShape="1">
-          <a:blip r:embed="rId3">
-            <a:duotone>
-              <a:schemeClr val="accent4">
-                <a:shade val="45000"/>
-                <a:satMod val="135000"/>
-              </a:schemeClr>
-              <a:prstClr val="white"/>
-            </a:duotone>
-          </a:blip>
-          <a:srcRect l="53162"/>
-          <a:stretch/>
-        </p:blipFill>
-        <p:spPr>
-          <a:xfrm>
-            <a:off x="5210682" y="910925"/>
-            <a:ext cx="2193021" cy="2786113"/>
-          </a:xfrm>
-          <a:prstGeom prst="rect">
-            <a:avLst/>
-          </a:prstGeom>
-        </p:spPr>
-      </p:pic>
-      <p:pic>
-        <p:nvPicPr>
-          <p:cNvPr id="10" name="Picture 2" descr="Image result for equation for mean">
-            <a:extLst>
-              <a:ext uri="{FF2B5EF4-FFF2-40B4-BE49-F238E27FC236}">
-                <a16:creationId xmlns:a16="http://schemas.microsoft.com/office/drawing/2014/main" id="{BEE29EA7-7907-49E8-BC1A-718F759B7FA1}"/>
-              </a:ext>
-            </a:extLst>
-          </p:cNvPr>
-          <p:cNvPicPr>
-            <a:picLocks noChangeAspect="1" noChangeArrowheads="1"/>
-          </p:cNvPicPr>
-          <p:nvPr/>
-        </p:nvPicPr>
-        <p:blipFill rotWithShape="1">
-          <a:blip r:embed="rId2">
-            <a:duotone>
-              <a:schemeClr val="accent5">
-                <a:shade val="45000"/>
-                <a:satMod val="135000"/>
-              </a:schemeClr>
-              <a:prstClr val="white"/>
-            </a:duotone>
-            <a:extLst>
-              <a:ext uri="{28A0092B-C50C-407E-A947-70E740481C1C}">
-                <a14:useLocalDpi xmlns:a14="http://schemas.microsoft.com/office/drawing/2010/main" val="0"/>
-              </a:ext>
-            </a:extLst>
-          </a:blip>
-          <a:srcRect l="36139" r="44693"/>
-          <a:stretch/>
-        </p:blipFill>
-        <p:spPr bwMode="auto">
-          <a:xfrm>
-            <a:off x="2271383" y="909795"/>
-            <a:ext cx="896984" cy="2787242"/>
-          </a:xfrm>
-          <a:prstGeom prst="rect">
-            <a:avLst/>
-          </a:prstGeom>
-          <a:noFill/>
-          <a:extLst>
-            <a:ext uri="{909E8E84-426E-40DD-AFC4-6F175D3DCCD1}">
-              <a14:hiddenFill xmlns:a14="http://schemas.microsoft.com/office/drawing/2010/main">
-                <a:solidFill>
-                  <a:srgbClr val="FFFFFF"/>
-                </a:solidFill>
-              </a14:hiddenFill>
-            </a:ext>
-          </a:extLst>
-        </p:spPr>
-      </p:pic>
-      <p:sp>
-        <p:nvSpPr>
-          <p:cNvPr id="15" name="Right Brace 14">
-            <a:extLst>
-              <a:ext uri="{FF2B5EF4-FFF2-40B4-BE49-F238E27FC236}">
-                <a16:creationId xmlns:a16="http://schemas.microsoft.com/office/drawing/2014/main" id="{DD82A3C3-6FDD-4649-B1E9-540A99ED45EA}"/>
-              </a:ext>
-            </a:extLst>
-          </p:cNvPr>
-          <p:cNvSpPr/>
-          <p:nvPr/>
-        </p:nvSpPr>
-        <p:spPr>
-          <a:xfrm rot="5400000">
-            <a:off x="6134490" y="2999048"/>
-            <a:ext cx="391886" cy="1795363"/>
-          </a:xfrm>
-          <a:prstGeom prst="rightBrace">
-            <a:avLst>
-              <a:gd name="adj1" fmla="val 61666"/>
-              <a:gd name="adj2" fmla="val 50000"/>
-            </a:avLst>
-          </a:prstGeom>
-          <a:ln w="28575">
-            <a:solidFill>
-              <a:schemeClr val="accent4">
-                <a:lumMod val="75000"/>
-              </a:schemeClr>
-            </a:solidFill>
-          </a:ln>
-        </p:spPr>
-        <p:style>
-          <a:lnRef idx="1">
-            <a:schemeClr val="accent1"/>
-          </a:lnRef>
-          <a:fillRef idx="0">
-            <a:schemeClr val="accent1"/>
-          </a:fillRef>
-          <a:effectRef idx="0">
-            <a:schemeClr val="accent1"/>
-          </a:effectRef>
-          <a:fontRef idx="minor">
-            <a:schemeClr val="tx1"/>
-          </a:fontRef>
-        </p:style>
-        <p:txBody>
-          <a:bodyPr rtlCol="0" anchor="ctr"/>
-          <a:lstStyle/>
-          <a:p>
-            <a:pPr algn="ctr"/>
-            <a:endParaRPr lang="en-US"/>
-          </a:p>
-        </p:txBody>
-      </p:sp>
-      <p:sp>
-        <p:nvSpPr>
-          <p:cNvPr id="16" name="TextBox 15">
-            <a:extLst>
-              <a:ext uri="{FF2B5EF4-FFF2-40B4-BE49-F238E27FC236}">
-                <a16:creationId xmlns:a16="http://schemas.microsoft.com/office/drawing/2014/main" id="{6C4AEF70-4578-4598-A9F5-46B4E9A7DBC4}"/>
-              </a:ext>
-            </a:extLst>
-          </p:cNvPr>
-          <p:cNvSpPr txBox="1"/>
-          <p:nvPr/>
-        </p:nvSpPr>
-        <p:spPr>
-          <a:xfrm>
-            <a:off x="5063886" y="4258492"/>
-            <a:ext cx="2736647" cy="369332"/>
-          </a:xfrm>
-          <a:prstGeom prst="rect">
-            <a:avLst/>
-          </a:prstGeom>
-          <a:noFill/>
-        </p:spPr>
-        <p:txBody>
-          <a:bodyPr wrap="none" rtlCol="0">
-            <a:spAutoFit/>
-          </a:bodyPr>
-          <a:lstStyle/>
-          <a:p>
-            <a:r>
-              <a:rPr lang="en-US" i="1" dirty="0">
-                <a:solidFill>
-                  <a:schemeClr val="accent4">
-                    <a:lumMod val="75000"/>
-                  </a:schemeClr>
-                </a:solidFill>
-                <a:latin typeface="Arial" panose="020B0604020202020204" pitchFamily="34" charset="0"/>
-                <a:cs typeface="Arial" panose="020B0604020202020204" pitchFamily="34" charset="0"/>
-              </a:rPr>
-              <a:t>Sum up all elements in X</a:t>
-            </a:r>
-          </a:p>
-        </p:txBody>
-      </p:sp>
-      <p:sp>
-        <p:nvSpPr>
-          <p:cNvPr id="17" name="Right Brace 16">
-            <a:extLst>
-              <a:ext uri="{FF2B5EF4-FFF2-40B4-BE49-F238E27FC236}">
-                <a16:creationId xmlns:a16="http://schemas.microsoft.com/office/drawing/2014/main" id="{5A1D877E-1C16-4DBC-842E-BCAB19A19F41}"/>
-              </a:ext>
-            </a:extLst>
-          </p:cNvPr>
-          <p:cNvSpPr/>
-          <p:nvPr/>
-        </p:nvSpPr>
-        <p:spPr>
-          <a:xfrm rot="5400000">
-            <a:off x="2523932" y="2880360"/>
-            <a:ext cx="391886" cy="896984"/>
-          </a:xfrm>
-          <a:prstGeom prst="rightBrace">
-            <a:avLst>
-              <a:gd name="adj1" fmla="val 61666"/>
-              <a:gd name="adj2" fmla="val 50000"/>
-            </a:avLst>
-          </a:prstGeom>
-          <a:ln w="28575">
-            <a:solidFill>
-              <a:srgbClr val="0070C0"/>
-            </a:solidFill>
-          </a:ln>
-        </p:spPr>
-        <p:style>
-          <a:lnRef idx="1">
-            <a:schemeClr val="accent1"/>
-          </a:lnRef>
-          <a:fillRef idx="0">
-            <a:schemeClr val="accent1"/>
-          </a:fillRef>
-          <a:effectRef idx="0">
-            <a:schemeClr val="accent1"/>
-          </a:effectRef>
-          <a:fontRef idx="minor">
-            <a:schemeClr val="tx1"/>
-          </a:fontRef>
-        </p:style>
-        <p:txBody>
-          <a:bodyPr rtlCol="0" anchor="ctr"/>
-          <a:lstStyle/>
-          <a:p>
-            <a:pPr algn="ctr"/>
-            <a:endParaRPr lang="en-US"/>
-          </a:p>
-        </p:txBody>
-      </p:sp>
-      <mc:AlternateContent xmlns:mc="http://schemas.openxmlformats.org/markup-compatibility/2006" xmlns:a14="http://schemas.microsoft.com/office/drawing/2010/main">
-        <mc:Choice Requires="a14">
-          <p:sp>
-            <p:nvSpPr>
-              <p:cNvPr id="18" name="TextBox 17">
-                <a:extLst>
-                  <a:ext uri="{FF2B5EF4-FFF2-40B4-BE49-F238E27FC236}">
-                    <a16:creationId xmlns:a16="http://schemas.microsoft.com/office/drawing/2014/main" id="{41FC9325-A6EB-43DF-AA21-16A4B3DF44E2}"/>
-                  </a:ext>
-                </a:extLst>
-              </p:cNvPr>
-              <p:cNvSpPr txBox="1"/>
-              <p:nvPr/>
-            </p:nvSpPr>
-            <p:spPr>
-              <a:xfrm>
-                <a:off x="1534556" y="3407941"/>
-                <a:ext cx="2321789" cy="790345"/>
-              </a:xfrm>
-              <a:prstGeom prst="rect">
-                <a:avLst/>
-              </a:prstGeom>
-              <a:noFill/>
-            </p:spPr>
-            <p:txBody>
-              <a:bodyPr wrap="none" rtlCol="0">
-                <a:spAutoFit/>
-              </a:bodyPr>
-              <a:lstStyle/>
-              <a:p>
-                <a:r>
-                  <a:rPr lang="en-US" sz="2000" i="1" dirty="0">
-                    <a:solidFill>
-                      <a:srgbClr val="0070C0"/>
-                    </a:solidFill>
-                    <a:latin typeface="Arial" panose="020B0604020202020204" pitchFamily="34" charset="0"/>
-                    <a:cs typeface="Arial" panose="020B0604020202020204" pitchFamily="34" charset="0"/>
-                  </a:rPr>
-                  <a:t>Multiply </a:t>
-                </a:r>
-                <a:r>
-                  <a:rPr lang="en-US" sz="2000" i="1" u="sng" dirty="0">
-                    <a:solidFill>
-                      <a:srgbClr val="0070C0"/>
-                    </a:solidFill>
-                    <a:latin typeface="Arial" panose="020B0604020202020204" pitchFamily="34" charset="0"/>
-                    <a:cs typeface="Arial" panose="020B0604020202020204" pitchFamily="34" charset="0"/>
-                  </a:rPr>
-                  <a:t>this</a:t>
-                </a:r>
-                <a:r>
-                  <a:rPr lang="en-US" sz="2000" i="1" dirty="0">
-                    <a:solidFill>
-                      <a:srgbClr val="0070C0"/>
-                    </a:solidFill>
-                    <a:latin typeface="Arial" panose="020B0604020202020204" pitchFamily="34" charset="0"/>
-                    <a:cs typeface="Arial" panose="020B0604020202020204" pitchFamily="34" charset="0"/>
-                  </a:rPr>
-                  <a:t> with </a:t>
-                </a:r>
-                <a14:m>
-                  <m:oMath xmlns:m="http://schemas.openxmlformats.org/officeDocument/2006/math">
-                    <m:f>
-                      <m:fPr>
-                        <m:ctrlPr>
-                          <a:rPr lang="en-US" sz="3200" b="0" i="1" smtClean="0">
-                            <a:solidFill>
-                              <a:srgbClr val="0070C0"/>
-                            </a:solidFill>
-                            <a:latin typeface="Cambria Math" panose="02040503050406030204" pitchFamily="18" charset="0"/>
-                            <a:cs typeface="Arial" panose="020B0604020202020204" pitchFamily="34" charset="0"/>
-                          </a:rPr>
-                        </m:ctrlPr>
-                      </m:fPr>
-                      <m:num>
-                        <m:r>
-                          <a:rPr lang="en-US" sz="3200" b="0" i="1" smtClean="0">
-                            <a:solidFill>
-                              <a:srgbClr val="0070C0"/>
-                            </a:solidFill>
-                            <a:latin typeface="Cambria Math" panose="02040503050406030204" pitchFamily="18" charset="0"/>
-                            <a:cs typeface="Arial" panose="020B0604020202020204" pitchFamily="34" charset="0"/>
-                          </a:rPr>
-                          <m:t>1</m:t>
-                        </m:r>
-                      </m:num>
-                      <m:den>
-                        <m:r>
-                          <a:rPr lang="en-US" sz="3200" b="0" i="1" smtClean="0">
-                            <a:solidFill>
-                              <a:srgbClr val="0070C0"/>
-                            </a:solidFill>
-                            <a:latin typeface="Cambria Math" panose="02040503050406030204" pitchFamily="18" charset="0"/>
-                            <a:cs typeface="Arial" panose="020B0604020202020204" pitchFamily="34" charset="0"/>
-                          </a:rPr>
-                          <m:t>𝑛</m:t>
-                        </m:r>
-                      </m:den>
-                    </m:f>
-                  </m:oMath>
-                </a14:m>
-                <a:endParaRPr lang="en-US" sz="2000" b="1" i="1" dirty="0">
-                  <a:solidFill>
-                    <a:srgbClr val="0070C0"/>
-                  </a:solidFill>
-                  <a:latin typeface="Arial" panose="020B0604020202020204" pitchFamily="34" charset="0"/>
-                  <a:cs typeface="Arial" panose="020B0604020202020204" pitchFamily="34" charset="0"/>
-                </a:endParaRPr>
-              </a:p>
-            </p:txBody>
-          </p:sp>
-        </mc:Choice>
-        <mc:Fallback xmlns="">
-          <p:sp>
-            <p:nvSpPr>
-              <p:cNvPr id="18" name="TextBox 17">
-                <a:extLst>
-                  <a:ext uri="{FF2B5EF4-FFF2-40B4-BE49-F238E27FC236}">
-                    <a16:creationId xmlns:a16="http://schemas.microsoft.com/office/drawing/2014/main" id="{41FC9325-A6EB-43DF-AA21-16A4B3DF44E2}"/>
-                  </a:ext>
-                </a:extLst>
-              </p:cNvPr>
-              <p:cNvSpPr txBox="1">
-                <a:spLocks noRot="1" noChangeAspect="1" noMove="1" noResize="1" noEditPoints="1" noAdjustHandles="1" noChangeArrowheads="1" noChangeShapeType="1" noTextEdit="1"/>
-              </p:cNvSpPr>
-              <p:nvPr/>
-            </p:nvSpPr>
-            <p:spPr>
-              <a:xfrm>
-                <a:off x="1534556" y="3407941"/>
-                <a:ext cx="2321789" cy="790345"/>
-              </a:xfrm>
-              <a:prstGeom prst="rect">
-                <a:avLst/>
-              </a:prstGeom>
-              <a:blipFill>
-                <a:blip r:embed="rId4"/>
-                <a:stretch>
-                  <a:fillRect l="-2887"/>
-                </a:stretch>
-              </a:blipFill>
-            </p:spPr>
-            <p:txBody>
-              <a:bodyPr/>
-              <a:lstStyle/>
-              <a:p>
-                <a:r>
-                  <a:rPr lang="en-US">
-                    <a:noFill/>
-                  </a:rPr>
-                  <a:t> </a:t>
-                </a:r>
-              </a:p>
-            </p:txBody>
-          </p:sp>
-        </mc:Fallback>
-      </mc:AlternateContent>
-      <p:sp>
-        <p:nvSpPr>
-          <p:cNvPr id="19" name="Freeform: Shape 18">
-            <a:extLst>
-              <a:ext uri="{FF2B5EF4-FFF2-40B4-BE49-F238E27FC236}">
-                <a16:creationId xmlns:a16="http://schemas.microsoft.com/office/drawing/2014/main" id="{68090A9F-555B-41CD-83EC-A9EC18568297}"/>
-              </a:ext>
-            </a:extLst>
-          </p:cNvPr>
-          <p:cNvSpPr/>
-          <p:nvPr/>
-        </p:nvSpPr>
-        <p:spPr>
-          <a:xfrm>
-            <a:off x="2760617" y="2854590"/>
-            <a:ext cx="2238103" cy="1470327"/>
-          </a:xfrm>
-          <a:custGeom>
-            <a:avLst/>
-            <a:gdLst>
-              <a:gd name="connsiteX0" fmla="*/ 0 w 2238103"/>
-              <a:gd name="connsiteY0" fmla="*/ 1140823 h 1470327"/>
-              <a:gd name="connsiteX1" fmla="*/ 470263 w 2238103"/>
-              <a:gd name="connsiteY1" fmla="*/ 1428206 h 1470327"/>
-              <a:gd name="connsiteX2" fmla="*/ 1236617 w 2238103"/>
-              <a:gd name="connsiteY2" fmla="*/ 1428206 h 1470327"/>
-              <a:gd name="connsiteX3" fmla="*/ 1828800 w 2238103"/>
-              <a:gd name="connsiteY3" fmla="*/ 1045029 h 1470327"/>
-              <a:gd name="connsiteX4" fmla="*/ 2046514 w 2238103"/>
-              <a:gd name="connsiteY4" fmla="*/ 217714 h 1470327"/>
-              <a:gd name="connsiteX5" fmla="*/ 2238103 w 2238103"/>
-              <a:gd name="connsiteY5" fmla="*/ 0 h 1470327"/>
-            </a:gdLst>
-            <a:ahLst/>
-            <a:cxnLst>
-              <a:cxn ang="0">
-                <a:pos x="connsiteX0" y="connsiteY0"/>
-              </a:cxn>
-              <a:cxn ang="0">
-                <a:pos x="connsiteX1" y="connsiteY1"/>
-              </a:cxn>
-              <a:cxn ang="0">
-                <a:pos x="connsiteX2" y="connsiteY2"/>
-              </a:cxn>
-              <a:cxn ang="0">
-                <a:pos x="connsiteX3" y="connsiteY3"/>
-              </a:cxn>
-              <a:cxn ang="0">
-                <a:pos x="connsiteX4" y="connsiteY4"/>
-              </a:cxn>
-              <a:cxn ang="0">
-                <a:pos x="connsiteX5" y="connsiteY5"/>
-              </a:cxn>
-            </a:cxnLst>
-            <a:rect l="l" t="t" r="r" b="b"/>
-            <a:pathLst>
-              <a:path w="2238103" h="1470327">
-                <a:moveTo>
-                  <a:pt x="0" y="1140823"/>
-                </a:moveTo>
-                <a:cubicBezTo>
-                  <a:pt x="132080" y="1260566"/>
-                  <a:pt x="264160" y="1380309"/>
-                  <a:pt x="470263" y="1428206"/>
-                </a:cubicBezTo>
-                <a:cubicBezTo>
-                  <a:pt x="676366" y="1476103"/>
-                  <a:pt x="1010194" y="1492069"/>
-                  <a:pt x="1236617" y="1428206"/>
-                </a:cubicBezTo>
-                <a:cubicBezTo>
-                  <a:pt x="1463040" y="1364343"/>
-                  <a:pt x="1693817" y="1246778"/>
-                  <a:pt x="1828800" y="1045029"/>
-                </a:cubicBezTo>
-                <a:cubicBezTo>
-                  <a:pt x="1963783" y="843280"/>
-                  <a:pt x="1978297" y="391885"/>
-                  <a:pt x="2046514" y="217714"/>
-                </a:cubicBezTo>
-                <a:cubicBezTo>
-                  <a:pt x="2114731" y="43543"/>
-                  <a:pt x="2176417" y="21771"/>
-                  <a:pt x="2238103" y="0"/>
-                </a:cubicBezTo>
-              </a:path>
-            </a:pathLst>
-          </a:custGeom>
-          <a:noFill/>
-          <a:ln w="19050">
-            <a:solidFill>
-              <a:srgbClr val="0070C0"/>
-            </a:solidFill>
-            <a:headEnd type="none" w="med" len="med"/>
-            <a:tailEnd type="triangle" w="med" len="med"/>
-          </a:ln>
-        </p:spPr>
-        <p:style>
-          <a:lnRef idx="2">
-            <a:schemeClr val="accent1">
-              <a:shade val="50000"/>
-            </a:schemeClr>
-          </a:lnRef>
-          <a:fillRef idx="1">
-            <a:schemeClr val="accent1"/>
-          </a:fillRef>
-          <a:effectRef idx="0">
-            <a:schemeClr val="accent1"/>
-          </a:effectRef>
-          <a:fontRef idx="minor">
-            <a:schemeClr val="lt1"/>
-          </a:fontRef>
-        </p:style>
-        <p:txBody>
-          <a:bodyPr rtlCol="0" anchor="ctr"/>
-          <a:lstStyle/>
-          <a:p>
-            <a:pPr algn="ctr"/>
-            <a:endParaRPr lang="en-US"/>
-          </a:p>
-        </p:txBody>
-      </p:sp>
-      <p:sp>
-        <p:nvSpPr>
-          <p:cNvPr id="2" name="TextBox 1">
-            <a:extLst>
-              <a:ext uri="{FF2B5EF4-FFF2-40B4-BE49-F238E27FC236}">
-                <a16:creationId xmlns:a16="http://schemas.microsoft.com/office/drawing/2014/main" id="{0C0A324E-0ABA-4B93-A8BA-FF3CE4779A7D}"/>
-              </a:ext>
-            </a:extLst>
-          </p:cNvPr>
-          <p:cNvSpPr txBox="1"/>
-          <p:nvPr/>
-        </p:nvSpPr>
-        <p:spPr>
-          <a:xfrm>
-            <a:off x="4053722" y="1547964"/>
-            <a:ext cx="271604" cy="1107996"/>
-          </a:xfrm>
-          <a:prstGeom prst="rect">
-            <a:avLst/>
-          </a:prstGeom>
-          <a:noFill/>
-        </p:spPr>
-        <p:txBody>
-          <a:bodyPr wrap="square" rtlCol="0">
-            <a:spAutoFit/>
-          </a:bodyPr>
-          <a:lstStyle/>
-          <a:p>
-            <a:r>
-              <a:rPr lang="en-US" sz="6600" dirty="0"/>
-              <a:t>x</a:t>
-            </a:r>
-          </a:p>
-        </p:txBody>
-      </p:sp>
-      <p:sp>
-        <p:nvSpPr>
-          <p:cNvPr id="13" name="Rectangle 12">
-            <a:extLst>
-              <a:ext uri="{FF2B5EF4-FFF2-40B4-BE49-F238E27FC236}">
-                <a16:creationId xmlns:a16="http://schemas.microsoft.com/office/drawing/2014/main" id="{D2364E76-946D-4A6C-A435-3BB531F2C15D}"/>
-              </a:ext>
-            </a:extLst>
-          </p:cNvPr>
-          <p:cNvSpPr/>
-          <p:nvPr/>
-        </p:nvSpPr>
-        <p:spPr>
-          <a:xfrm>
-            <a:off x="33277" y="6581423"/>
-            <a:ext cx="2026196" cy="369332"/>
-          </a:xfrm>
-          <a:prstGeom prst="rect">
-            <a:avLst/>
-          </a:prstGeom>
-        </p:spPr>
-        <p:txBody>
-          <a:bodyPr wrap="none">
-            <a:spAutoFit/>
-          </a:bodyPr>
-          <a:lstStyle/>
-          <a:p>
-            <a:r>
-              <a:rPr lang="en-US" i="1" dirty="0"/>
-              <a:t>Credit: </a:t>
-            </a:r>
-            <a:r>
-              <a:rPr lang="en-US" i="1" dirty="0" err="1"/>
-              <a:t>Bonwoo</a:t>
-            </a:r>
-            <a:r>
-              <a:rPr lang="en-US" i="1" dirty="0"/>
-              <a:t> Koo</a:t>
-            </a:r>
-          </a:p>
-        </p:txBody>
-      </p:sp>
-    </p:spTree>
-    <p:extLst>
-      <p:ext uri="{BB962C8B-B14F-4D97-AF65-F5344CB8AC3E}">
-        <p14:creationId xmlns:p14="http://schemas.microsoft.com/office/powerpoint/2010/main" val="1823862400"/>
-      </p:ext>
-    </p:extLst>
-  </p:cSld>
-  <p:clrMapOvr>
-    <a:masterClrMapping/>
-  </p:clrMapOvr>
-</p:sld>
-</file>
-
-<file path=ppt/slides/slide49.xml><?xml version="1.0" encoding="utf-8"?>
-<p:sld xmlns:a="http://schemas.openxmlformats.org/drawingml/2006/main" xmlns:r="http://schemas.openxmlformats.org/officeDocument/2006/relationships" xmlns:p="http://schemas.openxmlformats.org/presentationml/2006/main" show="0">
-  <p:cSld>
-    <p:spTree>
-      <p:nvGrpSpPr>
-        <p:cNvPr id="1" name=""/>
-        <p:cNvGrpSpPr/>
-        <p:nvPr/>
-      </p:nvGrpSpPr>
-      <p:grpSpPr>
-        <a:xfrm>
-          <a:off x="0" y="0"/>
-          <a:ext cx="0" cy="0"/>
-          <a:chOff x="0" y="0"/>
-          <a:chExt cx="0" cy="0"/>
-        </a:xfrm>
-      </p:grpSpPr>
-      <p:sp>
-        <p:nvSpPr>
-          <p:cNvPr id="6" name="TextBox 5">
-            <a:extLst>
-              <a:ext uri="{FF2B5EF4-FFF2-40B4-BE49-F238E27FC236}">
-                <a16:creationId xmlns:a16="http://schemas.microsoft.com/office/drawing/2014/main" id="{7EE7DE34-0D13-44E2-947E-804DE8A9770B}"/>
-              </a:ext>
-            </a:extLst>
-          </p:cNvPr>
-          <p:cNvSpPr txBox="1"/>
-          <p:nvPr/>
-        </p:nvSpPr>
-        <p:spPr>
-          <a:xfrm>
-            <a:off x="356770" y="222432"/>
-            <a:ext cx="6385081" cy="830997"/>
-          </a:xfrm>
-          <a:prstGeom prst="rect">
-            <a:avLst/>
-          </a:prstGeom>
-          <a:noFill/>
-        </p:spPr>
-        <p:txBody>
-          <a:bodyPr wrap="none" rtlCol="0">
-            <a:spAutoFit/>
-          </a:bodyPr>
-          <a:lstStyle/>
-          <a:p>
-            <a:r>
-              <a:rPr lang="en-US" sz="4800" b="1" dirty="0">
-                <a:solidFill>
-                  <a:schemeClr val="accent2"/>
-                </a:solidFill>
-                <a:latin typeface="Arial" panose="020B0604020202020204" pitchFamily="34" charset="0"/>
-                <a:cs typeface="Arial" panose="020B0604020202020204" pitchFamily="34" charset="0"/>
-              </a:rPr>
-              <a:t>Calculating the mean</a:t>
-            </a:r>
-            <a:endParaRPr lang="en-US" sz="6600" b="1" dirty="0">
-              <a:solidFill>
-                <a:schemeClr val="accent2"/>
-              </a:solidFill>
-              <a:latin typeface="Arial" panose="020B0604020202020204" pitchFamily="34" charset="0"/>
-              <a:cs typeface="Arial" panose="020B0604020202020204" pitchFamily="34" charset="0"/>
-            </a:endParaRPr>
-          </a:p>
-        </p:txBody>
-      </p:sp>
-      <p:sp>
-        <p:nvSpPr>
-          <p:cNvPr id="12" name="Slide Number Placeholder 11">
-            <a:extLst>
-              <a:ext uri="{FF2B5EF4-FFF2-40B4-BE49-F238E27FC236}">
-                <a16:creationId xmlns:a16="http://schemas.microsoft.com/office/drawing/2014/main" id="{92E50310-2257-4A5C-93E8-3D0F3E8916DA}"/>
-              </a:ext>
-            </a:extLst>
-          </p:cNvPr>
-          <p:cNvSpPr>
-            <a:spLocks noGrp="1"/>
-          </p:cNvSpPr>
-          <p:nvPr>
-            <p:ph type="sldNum" sz="quarter" idx="12"/>
-          </p:nvPr>
-        </p:nvSpPr>
-        <p:spPr>
-          <a:xfrm>
-            <a:off x="6475367" y="6453005"/>
-            <a:ext cx="2057400" cy="365125"/>
-          </a:xfrm>
-        </p:spPr>
-        <p:txBody>
-          <a:bodyPr/>
-          <a:lstStyle/>
-          <a:p>
-            <a:fld id="{D9CFEFDB-66D6-495C-9117-3BD2D7EF3F1B}" type="slidenum">
-              <a:rPr lang="en-US" smtClean="0"/>
-              <a:t>49</a:t>
-            </a:fld>
-            <a:endParaRPr lang="en-US"/>
-          </a:p>
-        </p:txBody>
-      </p:sp>
-      <p:pic>
-        <p:nvPicPr>
-          <p:cNvPr id="1026" name="Picture 2" descr="Image result for equation for mean">
-            <a:extLst>
-              <a:ext uri="{FF2B5EF4-FFF2-40B4-BE49-F238E27FC236}">
-                <a16:creationId xmlns:a16="http://schemas.microsoft.com/office/drawing/2014/main" id="{067A2CA1-4938-4E8B-B55D-F3F1F0816B67}"/>
-              </a:ext>
-            </a:extLst>
-          </p:cNvPr>
-          <p:cNvPicPr>
-            <a:picLocks noChangeAspect="1" noChangeArrowheads="1"/>
-          </p:cNvPicPr>
-          <p:nvPr/>
-        </p:nvPicPr>
-        <p:blipFill rotWithShape="1">
-          <a:blip r:embed="rId2">
-            <a:extLst>
-              <a:ext uri="{28A0092B-C50C-407E-A947-70E740481C1C}">
-                <a14:useLocalDpi xmlns:a14="http://schemas.microsoft.com/office/drawing/2010/main" val="0"/>
-              </a:ext>
-            </a:extLst>
-          </a:blip>
-          <a:srcRect r="66280"/>
-          <a:stretch/>
-        </p:blipFill>
-        <p:spPr bwMode="auto">
-          <a:xfrm>
-            <a:off x="581761" y="914674"/>
-            <a:ext cx="1577965" cy="2787242"/>
-          </a:xfrm>
-          <a:prstGeom prst="rect">
-            <a:avLst/>
-          </a:prstGeom>
-          <a:noFill/>
-          <a:extLst>
-            <a:ext uri="{909E8E84-426E-40DD-AFC4-6F175D3DCCD1}">
-              <a14:hiddenFill xmlns:a14="http://schemas.microsoft.com/office/drawing/2010/main">
-                <a:solidFill>
-                  <a:srgbClr val="FFFFFF"/>
-                </a:solidFill>
-              </a14:hiddenFill>
-            </a:ext>
-          </a:extLst>
-        </p:spPr>
-      </p:pic>
-      <p:pic>
-        <p:nvPicPr>
-          <p:cNvPr id="5" name="Picture 4">
-            <a:extLst>
-              <a:ext uri="{FF2B5EF4-FFF2-40B4-BE49-F238E27FC236}">
-                <a16:creationId xmlns:a16="http://schemas.microsoft.com/office/drawing/2014/main" id="{6145BB2C-F5CA-4BF5-A322-EE8AD95FC1F4}"/>
-              </a:ext>
-            </a:extLst>
-          </p:cNvPr>
-          <p:cNvPicPr>
-            <a:picLocks noChangeAspect="1"/>
-          </p:cNvPicPr>
-          <p:nvPr/>
-        </p:nvPicPr>
-        <p:blipFill rotWithShape="1">
-          <a:blip r:embed="rId3">
-            <a:duotone>
-              <a:schemeClr val="accent4">
-                <a:shade val="45000"/>
-                <a:satMod val="135000"/>
-              </a:schemeClr>
-              <a:prstClr val="white"/>
-            </a:duotone>
-          </a:blip>
-          <a:srcRect l="53162"/>
-          <a:stretch/>
-        </p:blipFill>
-        <p:spPr>
-          <a:xfrm>
-            <a:off x="5210682" y="914674"/>
-            <a:ext cx="2193021" cy="2786113"/>
-          </a:xfrm>
-          <a:prstGeom prst="rect">
-            <a:avLst/>
-          </a:prstGeom>
-        </p:spPr>
-      </p:pic>
-      <p:pic>
-        <p:nvPicPr>
-          <p:cNvPr id="10" name="Picture 2" descr="Image result for equation for mean">
-            <a:extLst>
-              <a:ext uri="{FF2B5EF4-FFF2-40B4-BE49-F238E27FC236}">
-                <a16:creationId xmlns:a16="http://schemas.microsoft.com/office/drawing/2014/main" id="{BEE29EA7-7907-49E8-BC1A-718F759B7FA1}"/>
-              </a:ext>
-            </a:extLst>
-          </p:cNvPr>
-          <p:cNvPicPr>
-            <a:picLocks noChangeAspect="1" noChangeArrowheads="1"/>
-          </p:cNvPicPr>
-          <p:nvPr/>
-        </p:nvPicPr>
-        <p:blipFill rotWithShape="1">
-          <a:blip r:embed="rId2">
-            <a:duotone>
-              <a:schemeClr val="accent5">
-                <a:shade val="45000"/>
-                <a:satMod val="135000"/>
-              </a:schemeClr>
-              <a:prstClr val="white"/>
-            </a:duotone>
-            <a:extLst>
-              <a:ext uri="{28A0092B-C50C-407E-A947-70E740481C1C}">
-                <a14:useLocalDpi xmlns:a14="http://schemas.microsoft.com/office/drawing/2010/main" val="0"/>
-              </a:ext>
-            </a:extLst>
-          </a:blip>
-          <a:srcRect l="36139" r="44693"/>
-          <a:stretch/>
-        </p:blipFill>
-        <p:spPr bwMode="auto">
-          <a:xfrm>
-            <a:off x="2271383" y="913544"/>
-            <a:ext cx="896984" cy="2787242"/>
-          </a:xfrm>
-          <a:prstGeom prst="rect">
-            <a:avLst/>
-          </a:prstGeom>
-          <a:noFill/>
-          <a:extLst>
-            <a:ext uri="{909E8E84-426E-40DD-AFC4-6F175D3DCCD1}">
-              <a14:hiddenFill xmlns:a14="http://schemas.microsoft.com/office/drawing/2010/main">
-                <a:solidFill>
-                  <a:srgbClr val="FFFFFF"/>
-                </a:solidFill>
-              </a14:hiddenFill>
-            </a:ext>
-          </a:extLst>
-        </p:spPr>
-      </p:pic>
-      <p:sp>
-        <p:nvSpPr>
-          <p:cNvPr id="2" name="Right Brace 1">
-            <a:extLst>
-              <a:ext uri="{FF2B5EF4-FFF2-40B4-BE49-F238E27FC236}">
-                <a16:creationId xmlns:a16="http://schemas.microsoft.com/office/drawing/2014/main" id="{709BF877-892B-4BB7-82C9-03AF8BBFF1EF}"/>
-              </a:ext>
-            </a:extLst>
-          </p:cNvPr>
-          <p:cNvSpPr/>
-          <p:nvPr/>
-        </p:nvSpPr>
-        <p:spPr>
-          <a:xfrm rot="5400000">
-            <a:off x="6134490" y="2999048"/>
-            <a:ext cx="391886" cy="1795363"/>
-          </a:xfrm>
-          <a:prstGeom prst="rightBrace">
-            <a:avLst>
-              <a:gd name="adj1" fmla="val 61666"/>
-              <a:gd name="adj2" fmla="val 50000"/>
-            </a:avLst>
-          </a:prstGeom>
-          <a:ln w="28575">
-            <a:solidFill>
-              <a:schemeClr val="accent4">
-                <a:lumMod val="75000"/>
-              </a:schemeClr>
-            </a:solidFill>
-          </a:ln>
-        </p:spPr>
-        <p:style>
-          <a:lnRef idx="1">
-            <a:schemeClr val="accent1"/>
-          </a:lnRef>
-          <a:fillRef idx="0">
-            <a:schemeClr val="accent1"/>
-          </a:fillRef>
-          <a:effectRef idx="0">
-            <a:schemeClr val="accent1"/>
-          </a:effectRef>
-          <a:fontRef idx="minor">
-            <a:schemeClr val="tx1"/>
-          </a:fontRef>
-        </p:style>
-        <p:txBody>
-          <a:bodyPr rtlCol="0" anchor="ctr"/>
-          <a:lstStyle/>
-          <a:p>
-            <a:pPr algn="ctr"/>
-            <a:endParaRPr lang="en-US"/>
-          </a:p>
-        </p:txBody>
-      </p:sp>
-      <p:sp>
-        <p:nvSpPr>
-          <p:cNvPr id="3" name="TextBox 2">
-            <a:extLst>
-              <a:ext uri="{FF2B5EF4-FFF2-40B4-BE49-F238E27FC236}">
-                <a16:creationId xmlns:a16="http://schemas.microsoft.com/office/drawing/2014/main" id="{5611E678-29E1-477A-AE2F-C75837C15270}"/>
-              </a:ext>
-            </a:extLst>
-          </p:cNvPr>
-          <p:cNvSpPr txBox="1"/>
-          <p:nvPr/>
-        </p:nvSpPr>
-        <p:spPr>
-          <a:xfrm>
-            <a:off x="5063886" y="4258492"/>
-            <a:ext cx="2736647" cy="369332"/>
-          </a:xfrm>
-          <a:prstGeom prst="rect">
-            <a:avLst/>
-          </a:prstGeom>
-          <a:noFill/>
-        </p:spPr>
-        <p:txBody>
-          <a:bodyPr wrap="none" rtlCol="0">
-            <a:spAutoFit/>
-          </a:bodyPr>
-          <a:lstStyle/>
-          <a:p>
-            <a:r>
-              <a:rPr lang="en-US" i="1" dirty="0">
-                <a:solidFill>
-                  <a:schemeClr val="accent4">
-                    <a:lumMod val="75000"/>
-                  </a:schemeClr>
-                </a:solidFill>
-                <a:latin typeface="Arial" panose="020B0604020202020204" pitchFamily="34" charset="0"/>
-                <a:cs typeface="Arial" panose="020B0604020202020204" pitchFamily="34" charset="0"/>
-              </a:rPr>
-              <a:t>Sum up all elements in X</a:t>
-            </a:r>
-          </a:p>
-        </p:txBody>
-      </p:sp>
-      <p:sp>
-        <p:nvSpPr>
-          <p:cNvPr id="9" name="Right Brace 8">
-            <a:extLst>
-              <a:ext uri="{FF2B5EF4-FFF2-40B4-BE49-F238E27FC236}">
-                <a16:creationId xmlns:a16="http://schemas.microsoft.com/office/drawing/2014/main" id="{FE831F86-7367-46AD-BB12-25ECD0EB0CD6}"/>
-              </a:ext>
-            </a:extLst>
-          </p:cNvPr>
-          <p:cNvSpPr/>
-          <p:nvPr/>
-        </p:nvSpPr>
-        <p:spPr>
-          <a:xfrm rot="5400000">
-            <a:off x="2523932" y="2880360"/>
-            <a:ext cx="391886" cy="896984"/>
-          </a:xfrm>
-          <a:prstGeom prst="rightBrace">
-            <a:avLst>
-              <a:gd name="adj1" fmla="val 61666"/>
-              <a:gd name="adj2" fmla="val 50000"/>
-            </a:avLst>
-          </a:prstGeom>
-          <a:ln w="28575">
-            <a:solidFill>
-              <a:srgbClr val="0070C0"/>
-            </a:solidFill>
-          </a:ln>
-        </p:spPr>
-        <p:style>
-          <a:lnRef idx="1">
-            <a:schemeClr val="accent1"/>
-          </a:lnRef>
-          <a:fillRef idx="0">
-            <a:schemeClr val="accent1"/>
-          </a:fillRef>
-          <a:effectRef idx="0">
-            <a:schemeClr val="accent1"/>
-          </a:effectRef>
-          <a:fontRef idx="minor">
-            <a:schemeClr val="tx1"/>
-          </a:fontRef>
-        </p:style>
-        <p:txBody>
-          <a:bodyPr rtlCol="0" anchor="ctr"/>
-          <a:lstStyle/>
-          <a:p>
-            <a:pPr algn="ctr"/>
-            <a:endParaRPr lang="en-US"/>
-          </a:p>
-        </p:txBody>
-      </p:sp>
-      <mc:AlternateContent xmlns:mc="http://schemas.openxmlformats.org/markup-compatibility/2006" xmlns:a14="http://schemas.microsoft.com/office/drawing/2010/main">
-        <mc:Choice Requires="a14">
-          <p:sp>
-            <p:nvSpPr>
-              <p:cNvPr id="11" name="TextBox 10">
-                <a:extLst>
-                  <a:ext uri="{FF2B5EF4-FFF2-40B4-BE49-F238E27FC236}">
-                    <a16:creationId xmlns:a16="http://schemas.microsoft.com/office/drawing/2014/main" id="{AB6EF9CE-A2BA-42BA-9DFE-1072080D50BB}"/>
-                  </a:ext>
-                </a:extLst>
-              </p:cNvPr>
-              <p:cNvSpPr txBox="1"/>
-              <p:nvPr/>
-            </p:nvSpPr>
-            <p:spPr>
-              <a:xfrm>
-                <a:off x="1534556" y="3407941"/>
-                <a:ext cx="2321789" cy="790345"/>
-              </a:xfrm>
-              <a:prstGeom prst="rect">
-                <a:avLst/>
-              </a:prstGeom>
-              <a:noFill/>
-            </p:spPr>
-            <p:txBody>
-              <a:bodyPr wrap="none" rtlCol="0">
-                <a:spAutoFit/>
-              </a:bodyPr>
-              <a:lstStyle/>
-              <a:p>
-                <a:r>
-                  <a:rPr lang="en-US" sz="2000" i="1" dirty="0">
-                    <a:solidFill>
-                      <a:srgbClr val="0070C0"/>
-                    </a:solidFill>
-                    <a:latin typeface="Arial" panose="020B0604020202020204" pitchFamily="34" charset="0"/>
-                    <a:cs typeface="Arial" panose="020B0604020202020204" pitchFamily="34" charset="0"/>
-                  </a:rPr>
-                  <a:t>Multiply </a:t>
-                </a:r>
-                <a:r>
-                  <a:rPr lang="en-US" sz="2000" i="1" u="sng" dirty="0">
-                    <a:solidFill>
-                      <a:srgbClr val="0070C0"/>
-                    </a:solidFill>
-                    <a:latin typeface="Arial" panose="020B0604020202020204" pitchFamily="34" charset="0"/>
-                    <a:cs typeface="Arial" panose="020B0604020202020204" pitchFamily="34" charset="0"/>
-                  </a:rPr>
-                  <a:t>this</a:t>
-                </a:r>
-                <a:r>
-                  <a:rPr lang="en-US" sz="2000" i="1" dirty="0">
-                    <a:solidFill>
-                      <a:srgbClr val="0070C0"/>
-                    </a:solidFill>
-                    <a:latin typeface="Arial" panose="020B0604020202020204" pitchFamily="34" charset="0"/>
-                    <a:cs typeface="Arial" panose="020B0604020202020204" pitchFamily="34" charset="0"/>
-                  </a:rPr>
-                  <a:t> with </a:t>
-                </a:r>
-                <a14:m>
-                  <m:oMath xmlns:m="http://schemas.openxmlformats.org/officeDocument/2006/math">
-                    <m:f>
-                      <m:fPr>
-                        <m:ctrlPr>
-                          <a:rPr lang="en-US" sz="3200" b="0" i="1" smtClean="0">
-                            <a:solidFill>
-                              <a:srgbClr val="0070C0"/>
-                            </a:solidFill>
-                            <a:latin typeface="Cambria Math" panose="02040503050406030204" pitchFamily="18" charset="0"/>
-                            <a:cs typeface="Arial" panose="020B0604020202020204" pitchFamily="34" charset="0"/>
-                          </a:rPr>
-                        </m:ctrlPr>
-                      </m:fPr>
-                      <m:num>
-                        <m:r>
-                          <a:rPr lang="en-US" sz="3200" b="0" i="1" smtClean="0">
-                            <a:solidFill>
-                              <a:srgbClr val="0070C0"/>
-                            </a:solidFill>
-                            <a:latin typeface="Cambria Math" panose="02040503050406030204" pitchFamily="18" charset="0"/>
-                            <a:cs typeface="Arial" panose="020B0604020202020204" pitchFamily="34" charset="0"/>
-                          </a:rPr>
-                          <m:t>1</m:t>
-                        </m:r>
-                      </m:num>
-                      <m:den>
-                        <m:r>
-                          <a:rPr lang="en-US" sz="3200" b="0" i="1" smtClean="0">
-                            <a:solidFill>
-                              <a:srgbClr val="0070C0"/>
-                            </a:solidFill>
-                            <a:latin typeface="Cambria Math" panose="02040503050406030204" pitchFamily="18" charset="0"/>
-                            <a:cs typeface="Arial" panose="020B0604020202020204" pitchFamily="34" charset="0"/>
-                          </a:rPr>
-                          <m:t>𝑛</m:t>
-                        </m:r>
-                      </m:den>
-                    </m:f>
-                  </m:oMath>
-                </a14:m>
-                <a:endParaRPr lang="en-US" sz="2000" b="1" i="1" dirty="0">
-                  <a:solidFill>
-                    <a:srgbClr val="0070C0"/>
-                  </a:solidFill>
-                  <a:latin typeface="Arial" panose="020B0604020202020204" pitchFamily="34" charset="0"/>
-                  <a:cs typeface="Arial" panose="020B0604020202020204" pitchFamily="34" charset="0"/>
-                </a:endParaRPr>
-              </a:p>
-            </p:txBody>
-          </p:sp>
-        </mc:Choice>
-        <mc:Fallback xmlns="">
-          <p:sp>
-            <p:nvSpPr>
-              <p:cNvPr id="11" name="TextBox 10">
-                <a:extLst>
-                  <a:ext uri="{FF2B5EF4-FFF2-40B4-BE49-F238E27FC236}">
-                    <a16:creationId xmlns:a16="http://schemas.microsoft.com/office/drawing/2014/main" id="{AB6EF9CE-A2BA-42BA-9DFE-1072080D50BB}"/>
-                  </a:ext>
-                </a:extLst>
-              </p:cNvPr>
-              <p:cNvSpPr txBox="1">
-                <a:spLocks noRot="1" noChangeAspect="1" noMove="1" noResize="1" noEditPoints="1" noAdjustHandles="1" noChangeArrowheads="1" noChangeShapeType="1" noTextEdit="1"/>
-              </p:cNvSpPr>
-              <p:nvPr/>
-            </p:nvSpPr>
-            <p:spPr>
-              <a:xfrm>
-                <a:off x="1534556" y="3407941"/>
-                <a:ext cx="2321789" cy="790345"/>
-              </a:xfrm>
-              <a:prstGeom prst="rect">
-                <a:avLst/>
-              </a:prstGeom>
-              <a:blipFill>
-                <a:blip r:embed="rId4"/>
-                <a:stretch>
-                  <a:fillRect l="-2887"/>
-                </a:stretch>
-              </a:blipFill>
-            </p:spPr>
-            <p:txBody>
-              <a:bodyPr/>
-              <a:lstStyle/>
-              <a:p>
-                <a:r>
-                  <a:rPr lang="en-US">
-                    <a:noFill/>
-                  </a:rPr>
-                  <a:t> </a:t>
-                </a:r>
-              </a:p>
-            </p:txBody>
-          </p:sp>
-        </mc:Fallback>
-      </mc:AlternateContent>
-      <p:sp>
-        <p:nvSpPr>
-          <p:cNvPr id="4" name="Freeform: Shape 3">
-            <a:extLst>
-              <a:ext uri="{FF2B5EF4-FFF2-40B4-BE49-F238E27FC236}">
-                <a16:creationId xmlns:a16="http://schemas.microsoft.com/office/drawing/2014/main" id="{AE6E35FE-48A1-46E7-8E9F-47F5DE05607A}"/>
-              </a:ext>
-            </a:extLst>
-          </p:cNvPr>
-          <p:cNvSpPr/>
-          <p:nvPr/>
-        </p:nvSpPr>
-        <p:spPr>
-          <a:xfrm>
-            <a:off x="2760617" y="2854590"/>
-            <a:ext cx="2238103" cy="1470327"/>
-          </a:xfrm>
-          <a:custGeom>
-            <a:avLst/>
-            <a:gdLst>
-              <a:gd name="connsiteX0" fmla="*/ 0 w 2238103"/>
-              <a:gd name="connsiteY0" fmla="*/ 1140823 h 1470327"/>
-              <a:gd name="connsiteX1" fmla="*/ 470263 w 2238103"/>
-              <a:gd name="connsiteY1" fmla="*/ 1428206 h 1470327"/>
-              <a:gd name="connsiteX2" fmla="*/ 1236617 w 2238103"/>
-              <a:gd name="connsiteY2" fmla="*/ 1428206 h 1470327"/>
-              <a:gd name="connsiteX3" fmla="*/ 1828800 w 2238103"/>
-              <a:gd name="connsiteY3" fmla="*/ 1045029 h 1470327"/>
-              <a:gd name="connsiteX4" fmla="*/ 2046514 w 2238103"/>
-              <a:gd name="connsiteY4" fmla="*/ 217714 h 1470327"/>
-              <a:gd name="connsiteX5" fmla="*/ 2238103 w 2238103"/>
-              <a:gd name="connsiteY5" fmla="*/ 0 h 1470327"/>
-            </a:gdLst>
-            <a:ahLst/>
-            <a:cxnLst>
-              <a:cxn ang="0">
-                <a:pos x="connsiteX0" y="connsiteY0"/>
-              </a:cxn>
-              <a:cxn ang="0">
-                <a:pos x="connsiteX1" y="connsiteY1"/>
-              </a:cxn>
-              <a:cxn ang="0">
-                <a:pos x="connsiteX2" y="connsiteY2"/>
-              </a:cxn>
-              <a:cxn ang="0">
-                <a:pos x="connsiteX3" y="connsiteY3"/>
-              </a:cxn>
-              <a:cxn ang="0">
-                <a:pos x="connsiteX4" y="connsiteY4"/>
-              </a:cxn>
-              <a:cxn ang="0">
-                <a:pos x="connsiteX5" y="connsiteY5"/>
-              </a:cxn>
-            </a:cxnLst>
-            <a:rect l="l" t="t" r="r" b="b"/>
-            <a:pathLst>
-              <a:path w="2238103" h="1470327">
-                <a:moveTo>
-                  <a:pt x="0" y="1140823"/>
-                </a:moveTo>
-                <a:cubicBezTo>
-                  <a:pt x="132080" y="1260566"/>
-                  <a:pt x="264160" y="1380309"/>
-                  <a:pt x="470263" y="1428206"/>
-                </a:cubicBezTo>
-                <a:cubicBezTo>
-                  <a:pt x="676366" y="1476103"/>
-                  <a:pt x="1010194" y="1492069"/>
-                  <a:pt x="1236617" y="1428206"/>
-                </a:cubicBezTo>
-                <a:cubicBezTo>
-                  <a:pt x="1463040" y="1364343"/>
-                  <a:pt x="1693817" y="1246778"/>
-                  <a:pt x="1828800" y="1045029"/>
-                </a:cubicBezTo>
-                <a:cubicBezTo>
-                  <a:pt x="1963783" y="843280"/>
-                  <a:pt x="1978297" y="391885"/>
-                  <a:pt x="2046514" y="217714"/>
-                </a:cubicBezTo>
-                <a:cubicBezTo>
-                  <a:pt x="2114731" y="43543"/>
-                  <a:pt x="2176417" y="21771"/>
-                  <a:pt x="2238103" y="0"/>
-                </a:cubicBezTo>
-              </a:path>
-            </a:pathLst>
-          </a:custGeom>
-          <a:noFill/>
-          <a:ln w="19050">
-            <a:solidFill>
-              <a:srgbClr val="0070C0"/>
-            </a:solidFill>
-            <a:headEnd type="none" w="med" len="med"/>
-            <a:tailEnd type="triangle" w="med" len="med"/>
-          </a:ln>
-        </p:spPr>
-        <p:style>
-          <a:lnRef idx="2">
-            <a:schemeClr val="accent1">
-              <a:shade val="50000"/>
-            </a:schemeClr>
-          </a:lnRef>
-          <a:fillRef idx="1">
-            <a:schemeClr val="accent1"/>
-          </a:fillRef>
-          <a:effectRef idx="0">
-            <a:schemeClr val="accent1"/>
-          </a:effectRef>
-          <a:fontRef idx="minor">
-            <a:schemeClr val="lt1"/>
-          </a:fontRef>
-        </p:style>
-        <p:txBody>
-          <a:bodyPr rtlCol="0" anchor="ctr"/>
-          <a:lstStyle/>
-          <a:p>
-            <a:pPr algn="ctr"/>
-            <a:endParaRPr lang="en-US"/>
-          </a:p>
-        </p:txBody>
-      </p:sp>
-      <p:sp>
-        <p:nvSpPr>
-          <p:cNvPr id="13" name="TextBox 12">
-            <a:extLst>
-              <a:ext uri="{FF2B5EF4-FFF2-40B4-BE49-F238E27FC236}">
-                <a16:creationId xmlns:a16="http://schemas.microsoft.com/office/drawing/2014/main" id="{4B3F0A3A-4E7D-4842-8C48-0852761FAAB3}"/>
-              </a:ext>
-            </a:extLst>
-          </p:cNvPr>
-          <p:cNvSpPr txBox="1"/>
-          <p:nvPr/>
-        </p:nvSpPr>
-        <p:spPr>
-          <a:xfrm>
-            <a:off x="5555206" y="4762486"/>
-            <a:ext cx="1754006" cy="707886"/>
-          </a:xfrm>
-          <a:prstGeom prst="rect">
-            <a:avLst/>
-          </a:prstGeom>
-          <a:noFill/>
-        </p:spPr>
-        <p:txBody>
-          <a:bodyPr wrap="none" rtlCol="0">
-            <a:spAutoFit/>
-          </a:bodyPr>
-          <a:lstStyle/>
-          <a:p>
-            <a:r>
-              <a:rPr lang="en-US" sz="4000" i="1" dirty="0">
-                <a:solidFill>
-                  <a:schemeClr val="accent4">
-                    <a:lumMod val="75000"/>
-                  </a:schemeClr>
-                </a:solidFill>
-                <a:latin typeface="Arial" panose="020B0604020202020204" pitchFamily="34" charset="0"/>
-                <a:cs typeface="Arial" panose="020B0604020202020204" pitchFamily="34" charset="0"/>
-              </a:rPr>
-              <a:t>sum(x)</a:t>
-            </a:r>
-          </a:p>
-        </p:txBody>
-      </p:sp>
-      <p:sp>
-        <p:nvSpPr>
-          <p:cNvPr id="14" name="TextBox 13">
-            <a:extLst>
-              <a:ext uri="{FF2B5EF4-FFF2-40B4-BE49-F238E27FC236}">
-                <a16:creationId xmlns:a16="http://schemas.microsoft.com/office/drawing/2014/main" id="{F8EDBBFA-593C-4C52-A561-9F034F28FBB4}"/>
-              </a:ext>
-            </a:extLst>
-          </p:cNvPr>
-          <p:cNvSpPr txBox="1"/>
-          <p:nvPr/>
-        </p:nvSpPr>
-        <p:spPr>
-          <a:xfrm>
-            <a:off x="4053722" y="1547964"/>
-            <a:ext cx="271604" cy="1107996"/>
-          </a:xfrm>
-          <a:prstGeom prst="rect">
-            <a:avLst/>
-          </a:prstGeom>
-          <a:noFill/>
-        </p:spPr>
-        <p:txBody>
-          <a:bodyPr wrap="square" rtlCol="0">
-            <a:spAutoFit/>
-          </a:bodyPr>
-          <a:lstStyle/>
-          <a:p>
-            <a:r>
-              <a:rPr lang="en-US" sz="6600" dirty="0"/>
-              <a:t>x</a:t>
-            </a:r>
-          </a:p>
-        </p:txBody>
-      </p:sp>
-      <p:sp>
-        <p:nvSpPr>
-          <p:cNvPr id="15" name="Rectangle 14">
-            <a:extLst>
-              <a:ext uri="{FF2B5EF4-FFF2-40B4-BE49-F238E27FC236}">
-                <a16:creationId xmlns:a16="http://schemas.microsoft.com/office/drawing/2014/main" id="{1A54A21D-28EF-4F80-B2FD-1C835BD882A7}"/>
-              </a:ext>
-            </a:extLst>
-          </p:cNvPr>
-          <p:cNvSpPr/>
-          <p:nvPr/>
-        </p:nvSpPr>
-        <p:spPr>
-          <a:xfrm>
-            <a:off x="33277" y="6581423"/>
-            <a:ext cx="2026196" cy="369332"/>
-          </a:xfrm>
-          <a:prstGeom prst="rect">
-            <a:avLst/>
-          </a:prstGeom>
-        </p:spPr>
-        <p:txBody>
-          <a:bodyPr wrap="none">
-            <a:spAutoFit/>
-          </a:bodyPr>
-          <a:lstStyle/>
-          <a:p>
-            <a:r>
-              <a:rPr lang="en-US" i="1" dirty="0"/>
-              <a:t>Credit: </a:t>
-            </a:r>
-            <a:r>
-              <a:rPr lang="en-US" i="1" dirty="0" err="1"/>
-              <a:t>Bonwoo</a:t>
-            </a:r>
-            <a:r>
-              <a:rPr lang="en-US" i="1" dirty="0"/>
-              <a:t> Koo</a:t>
-            </a:r>
-          </a:p>
-        </p:txBody>
-      </p:sp>
-    </p:spTree>
-    <p:extLst>
-      <p:ext uri="{BB962C8B-B14F-4D97-AF65-F5344CB8AC3E}">
-        <p14:creationId xmlns:p14="http://schemas.microsoft.com/office/powerpoint/2010/main" val="164324938"/>
-      </p:ext>
-    </p:extLst>
-  </p:cSld>
-  <p:clrMapOvr>
-    <a:masterClrMapping/>
-  </p:clrMapOvr>
-</p:sld>
-</file>
-
-<file path=ppt/slides/slide5.xml><?xml version="1.0" encoding="utf-8"?>
-<p:sld xmlns:a="http://schemas.openxmlformats.org/drawingml/2006/main" xmlns:r="http://schemas.openxmlformats.org/officeDocument/2006/relationships" xmlns:p="http://schemas.openxmlformats.org/presentationml/2006/main">
-  <p:cSld>
-    <p:spTree>
-      <p:nvGrpSpPr>
-        <p:cNvPr id="1" name=""/>
-        <p:cNvGrpSpPr/>
-        <p:nvPr/>
-      </p:nvGrpSpPr>
-      <p:grpSpPr>
-        <a:xfrm>
-          <a:off x="0" y="0"/>
-          <a:ext cx="0" cy="0"/>
-          <a:chOff x="0" y="0"/>
-          <a:chExt cx="0" cy="0"/>
-        </a:xfrm>
-      </p:grpSpPr>
-      <p:sp>
-        <p:nvSpPr>
-          <p:cNvPr id="5" name="TextBox 4">
-            <a:extLst>
-              <a:ext uri="{FF2B5EF4-FFF2-40B4-BE49-F238E27FC236}">
-                <a16:creationId xmlns:a16="http://schemas.microsoft.com/office/drawing/2014/main" id="{F7E8FE75-80B8-4996-8E5B-7D46A9968B83}"/>
-              </a:ext>
-            </a:extLst>
-          </p:cNvPr>
-          <p:cNvSpPr txBox="1"/>
-          <p:nvPr/>
-        </p:nvSpPr>
-        <p:spPr>
-          <a:xfrm>
-            <a:off x="281072" y="1251941"/>
-            <a:ext cx="8862928" cy="6001643"/>
-          </a:xfrm>
-          <a:prstGeom prst="rect">
-            <a:avLst/>
-          </a:prstGeom>
-          <a:noFill/>
-        </p:spPr>
-        <p:txBody>
-          <a:bodyPr wrap="square" rtlCol="0">
-            <a:spAutoFit/>
-          </a:bodyPr>
-          <a:lstStyle/>
-          <a:p>
-            <a:pPr marL="342900" indent="-342900">
-              <a:spcAft>
-                <a:spcPts val="2400"/>
-              </a:spcAft>
-              <a:buFont typeface="Wingdings" panose="05000000000000000000" pitchFamily="2" charset="2"/>
-              <a:buChar char="§"/>
-            </a:pPr>
-            <a:r>
-              <a:rPr lang="en-US" sz="2400" b="1" dirty="0">
-                <a:latin typeface="Arial" panose="020B0604020202020204" pitchFamily="34" charset="0"/>
-                <a:cs typeface="Arial" panose="020B0604020202020204" pitchFamily="34" charset="0"/>
-              </a:rPr>
-              <a:t>1 Lab = 1 document</a:t>
-            </a:r>
-            <a:r>
-              <a:rPr lang="zh-CN" altLang="en-US" sz="2400" b="1" dirty="0">
-                <a:latin typeface="Arial" panose="020B0604020202020204" pitchFamily="34" charset="0"/>
-                <a:cs typeface="Arial" panose="020B0604020202020204" pitchFamily="34" charset="0"/>
-              </a:rPr>
-              <a:t> </a:t>
-            </a:r>
-            <a:r>
-              <a:rPr lang="en-US" altLang="zh-CN" sz="2400" b="1" dirty="0">
-                <a:latin typeface="Arial" panose="020B0604020202020204" pitchFamily="34" charset="0"/>
-                <a:cs typeface="Arial" panose="020B0604020202020204" pitchFamily="34" charset="0"/>
-              </a:rPr>
-              <a:t>(R</a:t>
-            </a:r>
-            <a:r>
-              <a:rPr lang="zh-CN" altLang="en-US" sz="2400" b="1" dirty="0">
-                <a:latin typeface="Arial" panose="020B0604020202020204" pitchFamily="34" charset="0"/>
-                <a:cs typeface="Arial" panose="020B0604020202020204" pitchFamily="34" charset="0"/>
-              </a:rPr>
-              <a:t> </a:t>
-            </a:r>
-            <a:r>
-              <a:rPr lang="en-US" altLang="zh-CN" sz="2400" b="1" dirty="0">
-                <a:latin typeface="Arial" panose="020B0604020202020204" pitchFamily="34" charset="0"/>
-                <a:cs typeface="Arial" panose="020B0604020202020204" pitchFamily="34" charset="0"/>
-              </a:rPr>
-              <a:t>markdown</a:t>
-            </a:r>
-            <a:r>
-              <a:rPr lang="zh-CN" altLang="en-US" sz="2400" b="1" dirty="0">
-                <a:latin typeface="Arial" panose="020B0604020202020204" pitchFamily="34" charset="0"/>
-                <a:cs typeface="Arial" panose="020B0604020202020204" pitchFamily="34" charset="0"/>
-              </a:rPr>
-              <a:t> </a:t>
-            </a:r>
-            <a:r>
-              <a:rPr lang="en-US" altLang="zh-CN" sz="2400" b="1" dirty="0">
-                <a:latin typeface="Arial" panose="020B0604020202020204" pitchFamily="34" charset="0"/>
-                <a:cs typeface="Arial" panose="020B0604020202020204" pitchFamily="34" charset="0"/>
-              </a:rPr>
-              <a:t>or</a:t>
-            </a:r>
-            <a:r>
-              <a:rPr lang="zh-CN" altLang="en-US" sz="2400" b="1" dirty="0">
-                <a:latin typeface="Arial" panose="020B0604020202020204" pitchFamily="34" charset="0"/>
-                <a:cs typeface="Arial" panose="020B0604020202020204" pitchFamily="34" charset="0"/>
-              </a:rPr>
-              <a:t> </a:t>
-            </a:r>
-            <a:r>
-              <a:rPr lang="en-US" altLang="zh-CN" sz="2400" b="1" dirty="0">
-                <a:latin typeface="Arial" panose="020B0604020202020204" pitchFamily="34" charset="0"/>
-                <a:cs typeface="Arial" panose="020B0604020202020204" pitchFamily="34" charset="0"/>
-              </a:rPr>
-              <a:t>html)</a:t>
-            </a:r>
-            <a:r>
-              <a:rPr lang="en-US" sz="2400" b="1" dirty="0">
-                <a:latin typeface="Arial" panose="020B0604020202020204" pitchFamily="34" charset="0"/>
-                <a:cs typeface="Arial" panose="020B0604020202020204" pitchFamily="34" charset="0"/>
-              </a:rPr>
-              <a:t> + 1 slide </a:t>
-            </a:r>
-          </a:p>
-          <a:p>
-            <a:pPr marL="342900" indent="-342900">
-              <a:spcAft>
-                <a:spcPts val="2400"/>
-              </a:spcAft>
-              <a:buFont typeface="Wingdings" panose="05000000000000000000" pitchFamily="2" charset="2"/>
-              <a:buChar char="§"/>
-            </a:pPr>
-            <a:r>
-              <a:rPr lang="en-US" sz="2400" dirty="0">
-                <a:solidFill>
-                  <a:srgbClr val="EE7D30"/>
-                </a:solidFill>
-                <a:latin typeface="Arial" panose="020B0604020202020204" pitchFamily="34" charset="0"/>
-                <a:cs typeface="Arial" panose="020B0604020202020204" pitchFamily="34" charset="0"/>
-              </a:rPr>
-              <a:t>Document</a:t>
-            </a:r>
-            <a:r>
-              <a:rPr lang="en-US" sz="2400" dirty="0">
-                <a:latin typeface="Arial" panose="020B0604020202020204" pitchFamily="34" charset="0"/>
-                <a:cs typeface="Arial" panose="020B0604020202020204" pitchFamily="34" charset="0"/>
-              </a:rPr>
-              <a:t> contains the complete material prepared for the lab</a:t>
-            </a:r>
-            <a:r>
-              <a:rPr lang="en-US" altLang="zh-CN" sz="2400" dirty="0">
-                <a:latin typeface="Arial" panose="020B0604020202020204" pitchFamily="34" charset="0"/>
-                <a:cs typeface="Arial" panose="020B0604020202020204" pitchFamily="34" charset="0"/>
-              </a:rPr>
-              <a:t>,</a:t>
-            </a:r>
-            <a:r>
-              <a:rPr lang="zh-CN" altLang="en-US" sz="2400" dirty="0">
-                <a:latin typeface="Arial" panose="020B0604020202020204" pitchFamily="34" charset="0"/>
-                <a:cs typeface="Arial" panose="020B0604020202020204" pitchFamily="34" charset="0"/>
-              </a:rPr>
-              <a:t> </a:t>
-            </a:r>
-            <a:r>
-              <a:rPr lang="en-US" altLang="zh-CN" sz="2400" dirty="0">
-                <a:latin typeface="Arial" panose="020B0604020202020204" pitchFamily="34" charset="0"/>
-                <a:cs typeface="Arial" panose="020B0604020202020204" pitchFamily="34" charset="0"/>
-              </a:rPr>
-              <a:t>mostly</a:t>
-            </a:r>
-            <a:r>
-              <a:rPr lang="en-US" sz="2400" dirty="0">
-                <a:latin typeface="Arial" panose="020B0604020202020204" pitchFamily="34" charset="0"/>
-                <a:cs typeface="Arial" panose="020B0604020202020204" pitchFamily="34" charset="0"/>
-              </a:rPr>
-              <a:t> by </a:t>
-            </a:r>
-            <a:r>
-              <a:rPr lang="en-US" sz="2400" dirty="0" err="1">
-                <a:latin typeface="Arial" panose="020B0604020202020204" pitchFamily="34" charset="0"/>
-                <a:cs typeface="Arial" panose="020B0604020202020204" pitchFamily="34" charset="0"/>
-              </a:rPr>
-              <a:t>Bonwoo</a:t>
-            </a:r>
-            <a:r>
-              <a:rPr lang="en-US" sz="2400" dirty="0">
-                <a:latin typeface="Arial" panose="020B0604020202020204" pitchFamily="34" charset="0"/>
-                <a:cs typeface="Arial" panose="020B0604020202020204" pitchFamily="34" charset="0"/>
-              </a:rPr>
-              <a:t> Koo.</a:t>
-            </a:r>
-          </a:p>
-          <a:p>
-            <a:pPr marL="342900" indent="-342900">
-              <a:spcAft>
-                <a:spcPts val="2400"/>
-              </a:spcAft>
-              <a:buFont typeface="Wingdings" panose="05000000000000000000" pitchFamily="2" charset="2"/>
-              <a:buChar char="§"/>
-            </a:pPr>
-            <a:r>
-              <a:rPr lang="en-US" sz="2400" dirty="0">
-                <a:solidFill>
-                  <a:srgbClr val="EE7D30"/>
-                </a:solidFill>
-                <a:latin typeface="Arial" panose="020B0604020202020204" pitchFamily="34" charset="0"/>
-                <a:cs typeface="Arial" panose="020B0604020202020204" pitchFamily="34" charset="0"/>
-              </a:rPr>
-              <a:t>Slide</a:t>
-            </a:r>
-            <a:r>
-              <a:rPr lang="en-US" sz="2400" dirty="0">
-                <a:latin typeface="Arial" panose="020B0604020202020204" pitchFamily="34" charset="0"/>
-                <a:cs typeface="Arial" panose="020B0604020202020204" pitchFamily="34" charset="0"/>
-              </a:rPr>
-              <a:t> explains parts of the document that I think are important or can be confusing.</a:t>
-            </a:r>
-          </a:p>
-          <a:p>
-            <a:pPr marL="342900" indent="-342900">
-              <a:spcAft>
-                <a:spcPts val="2400"/>
-              </a:spcAft>
-              <a:buFont typeface="Wingdings" panose="05000000000000000000" pitchFamily="2" charset="2"/>
-              <a:buChar char="§"/>
-            </a:pPr>
-            <a:r>
-              <a:rPr lang="en-US" sz="2400" dirty="0">
-                <a:solidFill>
-                  <a:srgbClr val="EE7D30"/>
-                </a:solidFill>
-                <a:latin typeface="Arial" panose="020B0604020202020204" pitchFamily="34" charset="0"/>
-                <a:cs typeface="Arial" panose="020B0604020202020204" pitchFamily="34" charset="0"/>
-              </a:rPr>
-              <a:t>I will go over the slide first. </a:t>
-            </a:r>
-            <a:r>
-              <a:rPr lang="en-US" sz="2400" dirty="0">
-                <a:latin typeface="Arial" panose="020B0604020202020204" pitchFamily="34" charset="0"/>
-                <a:cs typeface="Arial" panose="020B0604020202020204" pitchFamily="34" charset="0"/>
-              </a:rPr>
-              <a:t>Then, you will have time to read and replicate the document.</a:t>
-            </a:r>
-            <a:r>
-              <a:rPr lang="zh-CN" altLang="en-US" sz="2400" dirty="0">
-                <a:latin typeface="Arial" panose="020B0604020202020204" pitchFamily="34" charset="0"/>
-                <a:cs typeface="Arial" panose="020B0604020202020204" pitchFamily="34" charset="0"/>
-              </a:rPr>
-              <a:t> </a:t>
-            </a:r>
-            <a:r>
-              <a:rPr lang="en-US" sz="2400" dirty="0">
-                <a:latin typeface="Arial" panose="020B0604020202020204" pitchFamily="34" charset="0"/>
-                <a:cs typeface="Arial" panose="020B0604020202020204" pitchFamily="34" charset="0"/>
-              </a:rPr>
-              <a:t>Once you are done with the document, you can leave!</a:t>
-            </a:r>
-          </a:p>
-          <a:p>
-            <a:pPr marL="342900" indent="-342900">
-              <a:spcAft>
-                <a:spcPts val="2400"/>
-              </a:spcAft>
-              <a:buFont typeface="Wingdings" panose="05000000000000000000" pitchFamily="2" charset="2"/>
-              <a:buChar char="§"/>
-            </a:pPr>
-            <a:r>
-              <a:rPr lang="en-US" sz="2400" dirty="0">
-                <a:latin typeface="Arial" panose="020B0604020202020204" pitchFamily="34" charset="0"/>
-                <a:cs typeface="Arial" panose="020B0604020202020204" pitchFamily="34" charset="0"/>
-                <a:hlinkClick r:id="rId2"/>
-              </a:rPr>
-              <a:t>Google Doc</a:t>
-            </a:r>
-            <a:r>
-              <a:rPr lang="zh-CN" altLang="en-US" sz="2400" dirty="0">
-                <a:latin typeface="Arial" panose="020B0604020202020204" pitchFamily="34" charset="0"/>
-                <a:cs typeface="Arial" panose="020B0604020202020204" pitchFamily="34" charset="0"/>
-                <a:hlinkClick r:id="rId2"/>
-              </a:rPr>
-              <a:t> </a:t>
-            </a:r>
-            <a:r>
-              <a:rPr lang="en-US" altLang="zh-CN" sz="2400" dirty="0">
-                <a:latin typeface="Arial" panose="020B0604020202020204" pitchFamily="34" charset="0"/>
-                <a:cs typeface="Arial" panose="020B0604020202020204" pitchFamily="34" charset="0"/>
-                <a:hlinkClick r:id="rId2"/>
-              </a:rPr>
-              <a:t>Queue</a:t>
-            </a:r>
-            <a:r>
-              <a:rPr lang="zh-CN" altLang="en-US" sz="2400" dirty="0">
-                <a:latin typeface="Arial" panose="020B0604020202020204" pitchFamily="34" charset="0"/>
-                <a:cs typeface="Arial" panose="020B0604020202020204" pitchFamily="34" charset="0"/>
-              </a:rPr>
-              <a:t> </a:t>
-            </a:r>
-            <a:r>
-              <a:rPr lang="en-US" altLang="zh-CN" sz="2400" dirty="0">
-                <a:latin typeface="Arial" panose="020B0604020202020204" pitchFamily="34" charset="0"/>
-                <a:cs typeface="Arial" panose="020B0604020202020204" pitchFamily="34" charset="0"/>
-              </a:rPr>
-              <a:t>for</a:t>
-            </a:r>
-            <a:r>
-              <a:rPr lang="zh-CN" altLang="en-US" sz="2400" dirty="0">
-                <a:latin typeface="Arial" panose="020B0604020202020204" pitchFamily="34" charset="0"/>
-                <a:cs typeface="Arial" panose="020B0604020202020204" pitchFamily="34" charset="0"/>
-              </a:rPr>
-              <a:t> </a:t>
-            </a:r>
-            <a:r>
-              <a:rPr lang="en-US" altLang="zh-CN" sz="2400" dirty="0">
-                <a:latin typeface="Arial" panose="020B0604020202020204" pitchFamily="34" charset="0"/>
-                <a:cs typeface="Arial" panose="020B0604020202020204" pitchFamily="34" charset="0"/>
-              </a:rPr>
-              <a:t>Q</a:t>
-            </a:r>
-            <a:r>
-              <a:rPr lang="zh-CN" altLang="en-US" sz="2400" dirty="0">
-                <a:latin typeface="Arial" panose="020B0604020202020204" pitchFamily="34" charset="0"/>
-                <a:cs typeface="Arial" panose="020B0604020202020204" pitchFamily="34" charset="0"/>
-              </a:rPr>
-              <a:t> </a:t>
-            </a:r>
-            <a:r>
-              <a:rPr lang="en-US" altLang="zh-CN" sz="2400" dirty="0">
-                <a:latin typeface="Arial" panose="020B0604020202020204" pitchFamily="34" charset="0"/>
-                <a:cs typeface="Arial" panose="020B0604020202020204" pitchFamily="34" charset="0"/>
-              </a:rPr>
-              <a:t>&amp;</a:t>
-            </a:r>
-            <a:r>
-              <a:rPr lang="zh-CN" altLang="en-US" sz="2400" dirty="0">
-                <a:latin typeface="Arial" panose="020B0604020202020204" pitchFamily="34" charset="0"/>
-                <a:cs typeface="Arial" panose="020B0604020202020204" pitchFamily="34" charset="0"/>
-              </a:rPr>
-              <a:t> </a:t>
-            </a:r>
-            <a:r>
-              <a:rPr lang="en-US" altLang="zh-CN" sz="2400" dirty="0">
-                <a:latin typeface="Arial" panose="020B0604020202020204" pitchFamily="34" charset="0"/>
-                <a:cs typeface="Arial" panose="020B0604020202020204" pitchFamily="34" charset="0"/>
-              </a:rPr>
-              <a:t>A</a:t>
-            </a:r>
-            <a:r>
-              <a:rPr lang="zh-CN" altLang="en-US" sz="2400" dirty="0">
-                <a:latin typeface="Arial" panose="020B0604020202020204" pitchFamily="34" charset="0"/>
-                <a:cs typeface="Arial" panose="020B0604020202020204" pitchFamily="34" charset="0"/>
-              </a:rPr>
-              <a:t> </a:t>
-            </a:r>
-            <a:r>
-              <a:rPr lang="en-US" altLang="zh-CN" sz="2400" dirty="0">
-                <a:latin typeface="Arial" panose="020B0604020202020204" pitchFamily="34" charset="0"/>
-                <a:cs typeface="Arial" panose="020B0604020202020204" pitchFamily="34" charset="0"/>
-              </a:rPr>
-              <a:t>during</a:t>
-            </a:r>
-            <a:r>
-              <a:rPr lang="zh-CN" altLang="en-US" sz="2400" dirty="0">
-                <a:latin typeface="Arial" panose="020B0604020202020204" pitchFamily="34" charset="0"/>
-                <a:cs typeface="Arial" panose="020B0604020202020204" pitchFamily="34" charset="0"/>
-              </a:rPr>
-              <a:t> </a:t>
-            </a:r>
-            <a:r>
-              <a:rPr lang="en-US" altLang="zh-CN" sz="2400" dirty="0">
-                <a:latin typeface="Arial" panose="020B0604020202020204" pitchFamily="34" charset="0"/>
-                <a:cs typeface="Arial" panose="020B0604020202020204" pitchFamily="34" charset="0"/>
-              </a:rPr>
-              <a:t>hands-on</a:t>
-            </a:r>
-          </a:p>
-          <a:p>
-            <a:pPr marL="342900" indent="-342900">
-              <a:spcAft>
-                <a:spcPts val="2400"/>
-              </a:spcAft>
-              <a:buFont typeface="Wingdings" panose="05000000000000000000" pitchFamily="2" charset="2"/>
-              <a:buChar char="§"/>
-            </a:pPr>
-            <a:r>
-              <a:rPr lang="en-US" altLang="zh-CN" sz="2400" b="1" dirty="0">
-                <a:solidFill>
-                  <a:srgbClr val="EE7D30"/>
-                </a:solidFill>
-                <a:latin typeface="Arial" panose="020B0604020202020204" pitchFamily="34" charset="0"/>
-                <a:cs typeface="Arial" panose="020B0604020202020204" pitchFamily="34" charset="0"/>
-              </a:rPr>
-              <a:t>3:00-3:30pm</a:t>
-            </a:r>
-            <a:r>
-              <a:rPr lang="zh-CN" altLang="en-US" sz="2400" b="1" dirty="0">
-                <a:solidFill>
-                  <a:srgbClr val="EE7D30"/>
-                </a:solidFill>
-                <a:latin typeface="Arial" panose="020B0604020202020204" pitchFamily="34" charset="0"/>
-                <a:cs typeface="Arial" panose="020B0604020202020204" pitchFamily="34" charset="0"/>
-              </a:rPr>
-              <a:t> </a:t>
-            </a:r>
-            <a:r>
-              <a:rPr lang="en-US" altLang="zh-CN" sz="2400" b="1" dirty="0">
-                <a:solidFill>
-                  <a:srgbClr val="EE7D30"/>
-                </a:solidFill>
-                <a:latin typeface="Arial" panose="020B0604020202020204" pitchFamily="34" charset="0"/>
-                <a:cs typeface="Arial" panose="020B0604020202020204" pitchFamily="34" charset="0"/>
-              </a:rPr>
-              <a:t>is</a:t>
-            </a:r>
-            <a:r>
-              <a:rPr lang="zh-CN" altLang="en-US" sz="2400" b="1" dirty="0">
-                <a:solidFill>
-                  <a:srgbClr val="EE7D30"/>
-                </a:solidFill>
-                <a:latin typeface="Arial" panose="020B0604020202020204" pitchFamily="34" charset="0"/>
-                <a:cs typeface="Arial" panose="020B0604020202020204" pitchFamily="34" charset="0"/>
-              </a:rPr>
-              <a:t> </a:t>
-            </a:r>
-            <a:r>
-              <a:rPr lang="en-US" altLang="zh-CN" sz="2400" b="1" dirty="0">
-                <a:solidFill>
-                  <a:srgbClr val="EE7D30"/>
-                </a:solidFill>
-                <a:latin typeface="Arial" panose="020B0604020202020204" pitchFamily="34" charset="0"/>
-                <a:cs typeface="Arial" panose="020B0604020202020204" pitchFamily="34" charset="0"/>
-              </a:rPr>
-              <a:t>chill</a:t>
-            </a:r>
-            <a:r>
-              <a:rPr lang="zh-CN" altLang="en-US" sz="2400" b="1" dirty="0">
-                <a:solidFill>
-                  <a:srgbClr val="EE7D30"/>
-                </a:solidFill>
-                <a:latin typeface="Arial" panose="020B0604020202020204" pitchFamily="34" charset="0"/>
-                <a:cs typeface="Arial" panose="020B0604020202020204" pitchFamily="34" charset="0"/>
-              </a:rPr>
-              <a:t> </a:t>
-            </a:r>
-            <a:r>
-              <a:rPr lang="en-US" altLang="zh-CN" sz="2400" b="1" dirty="0">
-                <a:solidFill>
-                  <a:srgbClr val="EE7D30"/>
-                </a:solidFill>
-                <a:latin typeface="Arial" panose="020B0604020202020204" pitchFamily="34" charset="0"/>
-                <a:cs typeface="Arial" panose="020B0604020202020204" pitchFamily="34" charset="0"/>
-              </a:rPr>
-              <a:t>time</a:t>
-            </a:r>
-            <a:r>
-              <a:rPr lang="zh-CN" altLang="en-US" sz="2400" b="1" dirty="0">
-                <a:solidFill>
-                  <a:srgbClr val="EE7D30"/>
-                </a:solidFill>
-                <a:latin typeface="Arial" panose="020B0604020202020204" pitchFamily="34" charset="0"/>
-                <a:cs typeface="Arial" panose="020B0604020202020204" pitchFamily="34" charset="0"/>
-              </a:rPr>
-              <a:t> </a:t>
-            </a:r>
-            <a:r>
-              <a:rPr lang="en-US" altLang="zh-CN" sz="2400" b="1" dirty="0">
-                <a:solidFill>
-                  <a:srgbClr val="EE7D30"/>
-                </a:solidFill>
-                <a:latin typeface="Arial" panose="020B0604020202020204" pitchFamily="34" charset="0"/>
-                <a:cs typeface="Arial" panose="020B0604020202020204" pitchFamily="34" charset="0"/>
-              </a:rPr>
-              <a:t>–</a:t>
-            </a:r>
-            <a:r>
-              <a:rPr lang="zh-CN" altLang="en-US" sz="2400" b="1" dirty="0">
-                <a:solidFill>
-                  <a:srgbClr val="EE7D30"/>
-                </a:solidFill>
-                <a:latin typeface="Arial" panose="020B0604020202020204" pitchFamily="34" charset="0"/>
-                <a:cs typeface="Arial" panose="020B0604020202020204" pitchFamily="34" charset="0"/>
-              </a:rPr>
-              <a:t> </a:t>
-            </a:r>
-            <a:r>
-              <a:rPr lang="en-US" altLang="zh-CN" sz="2400" b="1" dirty="0">
-                <a:solidFill>
-                  <a:srgbClr val="EE7D30"/>
-                </a:solidFill>
-                <a:latin typeface="Arial" panose="020B0604020202020204" pitchFamily="34" charset="0"/>
-                <a:cs typeface="Arial" panose="020B0604020202020204" pitchFamily="34" charset="0"/>
-              </a:rPr>
-              <a:t>I</a:t>
-            </a:r>
-            <a:r>
-              <a:rPr lang="zh-CN" altLang="en-US" sz="2400" b="1" dirty="0">
-                <a:solidFill>
-                  <a:srgbClr val="EE7D30"/>
-                </a:solidFill>
-                <a:latin typeface="Arial" panose="020B0604020202020204" pitchFamily="34" charset="0"/>
-                <a:cs typeface="Arial" panose="020B0604020202020204" pitchFamily="34" charset="0"/>
-              </a:rPr>
-              <a:t> </a:t>
-            </a:r>
-            <a:r>
-              <a:rPr lang="en-US" altLang="zh-CN" sz="2400" b="1" dirty="0">
-                <a:solidFill>
-                  <a:srgbClr val="EE7D30"/>
-                </a:solidFill>
-                <a:latin typeface="Arial" panose="020B0604020202020204" pitchFamily="34" charset="0"/>
-                <a:cs typeface="Arial" panose="020B0604020202020204" pitchFamily="34" charset="0"/>
-              </a:rPr>
-              <a:t>will</a:t>
-            </a:r>
-            <a:r>
-              <a:rPr lang="zh-CN" altLang="en-US" sz="2400" b="1" dirty="0">
-                <a:solidFill>
-                  <a:srgbClr val="EE7D30"/>
-                </a:solidFill>
-                <a:latin typeface="Arial" panose="020B0604020202020204" pitchFamily="34" charset="0"/>
-                <a:cs typeface="Arial" panose="020B0604020202020204" pitchFamily="34" charset="0"/>
-              </a:rPr>
-              <a:t> </a:t>
-            </a:r>
-            <a:r>
-              <a:rPr lang="en-US" altLang="zh-CN" sz="2400" b="1" dirty="0">
-                <a:solidFill>
-                  <a:srgbClr val="EE7D30"/>
-                </a:solidFill>
-                <a:latin typeface="Arial" panose="020B0604020202020204" pitchFamily="34" charset="0"/>
-                <a:cs typeface="Arial" panose="020B0604020202020204" pitchFamily="34" charset="0"/>
-              </a:rPr>
-              <a:t>sit</a:t>
-            </a:r>
-            <a:r>
-              <a:rPr lang="zh-CN" altLang="en-US" sz="2400" b="1" dirty="0">
-                <a:solidFill>
-                  <a:srgbClr val="EE7D30"/>
-                </a:solidFill>
-                <a:latin typeface="Arial" panose="020B0604020202020204" pitchFamily="34" charset="0"/>
-                <a:cs typeface="Arial" panose="020B0604020202020204" pitchFamily="34" charset="0"/>
-              </a:rPr>
-              <a:t> </a:t>
-            </a:r>
-            <a:r>
-              <a:rPr lang="en-US" altLang="zh-CN" sz="2400" b="1" dirty="0">
-                <a:solidFill>
-                  <a:srgbClr val="EE7D30"/>
-                </a:solidFill>
-                <a:latin typeface="Arial" panose="020B0604020202020204" pitchFamily="34" charset="0"/>
-                <a:cs typeface="Arial" panose="020B0604020202020204" pitchFamily="34" charset="0"/>
-              </a:rPr>
-              <a:t>outside,</a:t>
-            </a:r>
-            <a:r>
-              <a:rPr lang="zh-CN" altLang="en-US" sz="2400" b="1" dirty="0">
-                <a:solidFill>
-                  <a:srgbClr val="EE7D30"/>
-                </a:solidFill>
-                <a:latin typeface="Arial" panose="020B0604020202020204" pitchFamily="34" charset="0"/>
-                <a:cs typeface="Arial" panose="020B0604020202020204" pitchFamily="34" charset="0"/>
-              </a:rPr>
-              <a:t> </a:t>
-            </a:r>
-            <a:r>
-              <a:rPr lang="en-US" altLang="zh-CN" sz="2400" b="1" dirty="0">
-                <a:solidFill>
-                  <a:srgbClr val="EE7D30"/>
-                </a:solidFill>
-                <a:latin typeface="Arial" panose="020B0604020202020204" pitchFamily="34" charset="0"/>
-                <a:cs typeface="Arial" panose="020B0604020202020204" pitchFamily="34" charset="0"/>
-              </a:rPr>
-              <a:t>come</a:t>
-            </a:r>
-            <a:r>
-              <a:rPr lang="zh-CN" altLang="en-US" sz="2400" b="1" dirty="0">
-                <a:solidFill>
-                  <a:srgbClr val="EE7D30"/>
-                </a:solidFill>
-                <a:latin typeface="Arial" panose="020B0604020202020204" pitchFamily="34" charset="0"/>
-                <a:cs typeface="Arial" panose="020B0604020202020204" pitchFamily="34" charset="0"/>
-              </a:rPr>
-              <a:t> </a:t>
-            </a:r>
-            <a:r>
-              <a:rPr lang="en-US" altLang="zh-CN" sz="2400" b="1" dirty="0">
-                <a:solidFill>
-                  <a:srgbClr val="EE7D30"/>
-                </a:solidFill>
-                <a:latin typeface="Arial" panose="020B0604020202020204" pitchFamily="34" charset="0"/>
-                <a:cs typeface="Arial" panose="020B0604020202020204" pitchFamily="34" charset="0"/>
-              </a:rPr>
-              <a:t>chat</a:t>
-            </a:r>
-            <a:r>
-              <a:rPr lang="zh-CN" altLang="en-US" sz="2400" b="1" dirty="0">
-                <a:solidFill>
-                  <a:srgbClr val="EE7D30"/>
-                </a:solidFill>
-                <a:latin typeface="Arial" panose="020B0604020202020204" pitchFamily="34" charset="0"/>
-                <a:cs typeface="Arial" panose="020B0604020202020204" pitchFamily="34" charset="0"/>
-              </a:rPr>
-              <a:t> </a:t>
-            </a:r>
-            <a:endParaRPr lang="en-US" altLang="zh-CN" sz="2400" b="1" dirty="0">
-              <a:solidFill>
-                <a:srgbClr val="EE7D30"/>
-              </a:solidFill>
-              <a:latin typeface="Arial" panose="020B0604020202020204" pitchFamily="34" charset="0"/>
-              <a:cs typeface="Arial" panose="020B0604020202020204" pitchFamily="34" charset="0"/>
-            </a:endParaRPr>
-          </a:p>
-          <a:p>
-            <a:pPr marL="342900" indent="-342900">
-              <a:spcAft>
-                <a:spcPts val="2400"/>
-              </a:spcAft>
-              <a:buFont typeface="Wingdings" panose="05000000000000000000" pitchFamily="2" charset="2"/>
-              <a:buChar char="§"/>
-            </a:pPr>
-            <a:endParaRPr lang="en-US" sz="2400" dirty="0">
-              <a:latin typeface="Arial" panose="020B0604020202020204" pitchFamily="34" charset="0"/>
-              <a:cs typeface="Arial" panose="020B0604020202020204" pitchFamily="34" charset="0"/>
-            </a:endParaRPr>
-          </a:p>
-        </p:txBody>
-      </p:sp>
-      <p:sp>
-        <p:nvSpPr>
-          <p:cNvPr id="6" name="TextBox 5">
-            <a:extLst>
-              <a:ext uri="{FF2B5EF4-FFF2-40B4-BE49-F238E27FC236}">
-                <a16:creationId xmlns:a16="http://schemas.microsoft.com/office/drawing/2014/main" id="{7EE7DE34-0D13-44E2-947E-804DE8A9770B}"/>
-              </a:ext>
-            </a:extLst>
-          </p:cNvPr>
-          <p:cNvSpPr txBox="1"/>
-          <p:nvPr/>
-        </p:nvSpPr>
-        <p:spPr>
-          <a:xfrm>
-            <a:off x="356770" y="222432"/>
-            <a:ext cx="3083023" cy="830997"/>
-          </a:xfrm>
-          <a:prstGeom prst="rect">
-            <a:avLst/>
-          </a:prstGeom>
-          <a:noFill/>
-        </p:spPr>
-        <p:txBody>
-          <a:bodyPr wrap="none" rtlCol="0">
-            <a:spAutoFit/>
-          </a:bodyPr>
-          <a:lstStyle/>
-          <a:p>
-            <a:r>
-              <a:rPr lang="en-US" sz="4800" b="1" dirty="0">
-                <a:solidFill>
-                  <a:schemeClr val="accent2"/>
-                </a:solidFill>
-                <a:latin typeface="Arial" panose="020B0604020202020204" pitchFamily="34" charset="0"/>
-                <a:cs typeface="Arial" panose="020B0604020202020204" pitchFamily="34" charset="0"/>
-              </a:rPr>
-              <a:t>Welcome!</a:t>
-            </a:r>
-            <a:endParaRPr lang="en-US" sz="6600" b="1" dirty="0">
-              <a:solidFill>
-                <a:schemeClr val="accent2"/>
-              </a:solidFill>
-              <a:latin typeface="Arial" panose="020B0604020202020204" pitchFamily="34" charset="0"/>
-              <a:cs typeface="Arial" panose="020B0604020202020204" pitchFamily="34" charset="0"/>
-            </a:endParaRPr>
-          </a:p>
-        </p:txBody>
-      </p:sp>
-      <p:sp>
-        <p:nvSpPr>
-          <p:cNvPr id="10" name="Slide Number Placeholder 9">
-            <a:extLst>
-              <a:ext uri="{FF2B5EF4-FFF2-40B4-BE49-F238E27FC236}">
-                <a16:creationId xmlns:a16="http://schemas.microsoft.com/office/drawing/2014/main" id="{86DE51FC-CEE9-4460-A866-C6BDEE9CAC7E}"/>
-              </a:ext>
-            </a:extLst>
-          </p:cNvPr>
-          <p:cNvSpPr>
-            <a:spLocks noGrp="1"/>
-          </p:cNvSpPr>
-          <p:nvPr>
-            <p:ph type="sldNum" sz="quarter" idx="12"/>
-          </p:nvPr>
-        </p:nvSpPr>
-        <p:spPr>
-          <a:xfrm>
-            <a:off x="6457950" y="6440260"/>
-            <a:ext cx="2057400" cy="365125"/>
-          </a:xfrm>
-        </p:spPr>
-        <p:txBody>
-          <a:bodyPr/>
-          <a:lstStyle/>
-          <a:p>
-            <a:fld id="{D9CFEFDB-66D6-495C-9117-3BD2D7EF3F1B}" type="slidenum">
-              <a:rPr lang="en-US" smtClean="0"/>
-              <a:t>5</a:t>
-            </a:fld>
-            <a:endParaRPr lang="en-US"/>
-          </a:p>
-        </p:txBody>
-      </p:sp>
-      <p:sp>
-        <p:nvSpPr>
-          <p:cNvPr id="2" name="Rectangle 1">
-            <a:extLst>
-              <a:ext uri="{FF2B5EF4-FFF2-40B4-BE49-F238E27FC236}">
-                <a16:creationId xmlns:a16="http://schemas.microsoft.com/office/drawing/2014/main" id="{4A761016-44B6-4731-BD11-BE8863AE01AC}"/>
-              </a:ext>
-            </a:extLst>
-          </p:cNvPr>
-          <p:cNvSpPr/>
-          <p:nvPr/>
-        </p:nvSpPr>
-        <p:spPr>
-          <a:xfrm>
-            <a:off x="-1" y="6567283"/>
-            <a:ext cx="2436829" cy="369332"/>
-          </a:xfrm>
-          <a:prstGeom prst="rect">
-            <a:avLst/>
-          </a:prstGeom>
-        </p:spPr>
-        <p:txBody>
-          <a:bodyPr wrap="square">
-            <a:spAutoFit/>
-          </a:bodyPr>
-          <a:lstStyle/>
-          <a:p>
-            <a:r>
-              <a:rPr lang="en-US" i="1" dirty="0"/>
-              <a:t>Credit: </a:t>
-            </a:r>
-            <a:r>
-              <a:rPr lang="en-US" i="1" dirty="0" err="1"/>
-              <a:t>Bonwoo</a:t>
-            </a:r>
-            <a:r>
-              <a:rPr lang="en-US" i="1" dirty="0"/>
-              <a:t> Koo</a:t>
-            </a:r>
-          </a:p>
-        </p:txBody>
-      </p:sp>
-    </p:spTree>
-    <p:extLst>
-      <p:ext uri="{BB962C8B-B14F-4D97-AF65-F5344CB8AC3E}">
-        <p14:creationId xmlns:p14="http://schemas.microsoft.com/office/powerpoint/2010/main" val="2223856174"/>
-      </p:ext>
-    </p:extLst>
-  </p:cSld>
-  <p:clrMapOvr>
-    <a:masterClrMapping/>
-  </p:clrMapOvr>
-</p:sld>
-</file>
-
-<file path=ppt/slides/slide50.xml><?xml version="1.0" encoding="utf-8"?>
-<p:sld xmlns:a="http://schemas.openxmlformats.org/drawingml/2006/main" xmlns:r="http://schemas.openxmlformats.org/officeDocument/2006/relationships" xmlns:p="http://schemas.openxmlformats.org/presentationml/2006/main" show="0">
-  <p:cSld>
-    <p:spTree>
-      <p:nvGrpSpPr>
-        <p:cNvPr id="1" name=""/>
-        <p:cNvGrpSpPr/>
-        <p:nvPr/>
-      </p:nvGrpSpPr>
-      <p:grpSpPr>
-        <a:xfrm>
-          <a:off x="0" y="0"/>
-          <a:ext cx="0" cy="0"/>
-          <a:chOff x="0" y="0"/>
-          <a:chExt cx="0" cy="0"/>
-        </a:xfrm>
-      </p:grpSpPr>
-      <p:sp>
-        <p:nvSpPr>
-          <p:cNvPr id="6" name="TextBox 5">
-            <a:extLst>
-              <a:ext uri="{FF2B5EF4-FFF2-40B4-BE49-F238E27FC236}">
-                <a16:creationId xmlns:a16="http://schemas.microsoft.com/office/drawing/2014/main" id="{7EE7DE34-0D13-44E2-947E-804DE8A9770B}"/>
-              </a:ext>
-            </a:extLst>
-          </p:cNvPr>
-          <p:cNvSpPr txBox="1"/>
-          <p:nvPr/>
-        </p:nvSpPr>
-        <p:spPr>
-          <a:xfrm>
-            <a:off x="356770" y="222432"/>
-            <a:ext cx="6385081" cy="830997"/>
-          </a:xfrm>
-          <a:prstGeom prst="rect">
-            <a:avLst/>
-          </a:prstGeom>
-          <a:noFill/>
-        </p:spPr>
-        <p:txBody>
-          <a:bodyPr wrap="none" rtlCol="0">
-            <a:spAutoFit/>
-          </a:bodyPr>
-          <a:lstStyle/>
-          <a:p>
-            <a:r>
-              <a:rPr lang="en-US" sz="4800" b="1" dirty="0">
-                <a:solidFill>
-                  <a:schemeClr val="accent2"/>
-                </a:solidFill>
-                <a:latin typeface="Arial" panose="020B0604020202020204" pitchFamily="34" charset="0"/>
-                <a:cs typeface="Arial" panose="020B0604020202020204" pitchFamily="34" charset="0"/>
-              </a:rPr>
-              <a:t>Calculating the mean</a:t>
-            </a:r>
-            <a:endParaRPr lang="en-US" sz="6600" b="1" dirty="0">
-              <a:solidFill>
-                <a:schemeClr val="accent2"/>
-              </a:solidFill>
-              <a:latin typeface="Arial" panose="020B0604020202020204" pitchFamily="34" charset="0"/>
-              <a:cs typeface="Arial" panose="020B0604020202020204" pitchFamily="34" charset="0"/>
-            </a:endParaRPr>
-          </a:p>
-        </p:txBody>
-      </p:sp>
-      <p:sp>
-        <p:nvSpPr>
-          <p:cNvPr id="12" name="Slide Number Placeholder 11">
-            <a:extLst>
-              <a:ext uri="{FF2B5EF4-FFF2-40B4-BE49-F238E27FC236}">
-                <a16:creationId xmlns:a16="http://schemas.microsoft.com/office/drawing/2014/main" id="{92E50310-2257-4A5C-93E8-3D0F3E8916DA}"/>
-              </a:ext>
-            </a:extLst>
-          </p:cNvPr>
-          <p:cNvSpPr>
-            <a:spLocks noGrp="1"/>
-          </p:cNvSpPr>
-          <p:nvPr>
-            <p:ph type="sldNum" sz="quarter" idx="12"/>
-          </p:nvPr>
-        </p:nvSpPr>
-        <p:spPr>
-          <a:xfrm>
-            <a:off x="6475367" y="6453005"/>
-            <a:ext cx="2057400" cy="365125"/>
-          </a:xfrm>
-        </p:spPr>
-        <p:txBody>
-          <a:bodyPr/>
-          <a:lstStyle/>
-          <a:p>
-            <a:fld id="{D9CFEFDB-66D6-495C-9117-3BD2D7EF3F1B}" type="slidenum">
-              <a:rPr lang="en-US" smtClean="0"/>
-              <a:t>50</a:t>
-            </a:fld>
-            <a:endParaRPr lang="en-US"/>
-          </a:p>
-        </p:txBody>
-      </p:sp>
-      <p:pic>
-        <p:nvPicPr>
-          <p:cNvPr id="1026" name="Picture 2" descr="Image result for equation for mean">
-            <a:extLst>
-              <a:ext uri="{FF2B5EF4-FFF2-40B4-BE49-F238E27FC236}">
-                <a16:creationId xmlns:a16="http://schemas.microsoft.com/office/drawing/2014/main" id="{067A2CA1-4938-4E8B-B55D-F3F1F0816B67}"/>
-              </a:ext>
-            </a:extLst>
-          </p:cNvPr>
-          <p:cNvPicPr>
-            <a:picLocks noChangeAspect="1" noChangeArrowheads="1"/>
-          </p:cNvPicPr>
-          <p:nvPr/>
-        </p:nvPicPr>
-        <p:blipFill rotWithShape="1">
-          <a:blip r:embed="rId2">
-            <a:extLst>
-              <a:ext uri="{28A0092B-C50C-407E-A947-70E740481C1C}">
-                <a14:useLocalDpi xmlns:a14="http://schemas.microsoft.com/office/drawing/2010/main" val="0"/>
-              </a:ext>
-            </a:extLst>
-          </a:blip>
-          <a:srcRect r="66280"/>
-          <a:stretch/>
-        </p:blipFill>
-        <p:spPr bwMode="auto">
-          <a:xfrm>
-            <a:off x="581761" y="914674"/>
-            <a:ext cx="1577965" cy="2787242"/>
-          </a:xfrm>
-          <a:prstGeom prst="rect">
-            <a:avLst/>
-          </a:prstGeom>
-          <a:noFill/>
-          <a:extLst>
-            <a:ext uri="{909E8E84-426E-40DD-AFC4-6F175D3DCCD1}">
-              <a14:hiddenFill xmlns:a14="http://schemas.microsoft.com/office/drawing/2010/main">
-                <a:solidFill>
-                  <a:srgbClr val="FFFFFF"/>
-                </a:solidFill>
-              </a14:hiddenFill>
-            </a:ext>
-          </a:extLst>
-        </p:spPr>
-      </p:pic>
-      <p:pic>
-        <p:nvPicPr>
-          <p:cNvPr id="5" name="Picture 4">
-            <a:extLst>
-              <a:ext uri="{FF2B5EF4-FFF2-40B4-BE49-F238E27FC236}">
-                <a16:creationId xmlns:a16="http://schemas.microsoft.com/office/drawing/2014/main" id="{6145BB2C-F5CA-4BF5-A322-EE8AD95FC1F4}"/>
-              </a:ext>
-            </a:extLst>
-          </p:cNvPr>
-          <p:cNvPicPr>
-            <a:picLocks noChangeAspect="1"/>
-          </p:cNvPicPr>
-          <p:nvPr/>
-        </p:nvPicPr>
-        <p:blipFill rotWithShape="1">
-          <a:blip r:embed="rId3">
-            <a:duotone>
-              <a:schemeClr val="accent4">
-                <a:shade val="45000"/>
-                <a:satMod val="135000"/>
-              </a:schemeClr>
-              <a:prstClr val="white"/>
-            </a:duotone>
-          </a:blip>
-          <a:srcRect l="53162"/>
-          <a:stretch/>
-        </p:blipFill>
-        <p:spPr>
-          <a:xfrm>
-            <a:off x="5210682" y="914674"/>
-            <a:ext cx="2193021" cy="2786113"/>
-          </a:xfrm>
-          <a:prstGeom prst="rect">
-            <a:avLst/>
-          </a:prstGeom>
-        </p:spPr>
-      </p:pic>
-      <p:pic>
-        <p:nvPicPr>
-          <p:cNvPr id="10" name="Picture 2" descr="Image result for equation for mean">
-            <a:extLst>
-              <a:ext uri="{FF2B5EF4-FFF2-40B4-BE49-F238E27FC236}">
-                <a16:creationId xmlns:a16="http://schemas.microsoft.com/office/drawing/2014/main" id="{BEE29EA7-7907-49E8-BC1A-718F759B7FA1}"/>
-              </a:ext>
-            </a:extLst>
-          </p:cNvPr>
-          <p:cNvPicPr>
-            <a:picLocks noChangeAspect="1" noChangeArrowheads="1"/>
-          </p:cNvPicPr>
-          <p:nvPr/>
-        </p:nvPicPr>
-        <p:blipFill rotWithShape="1">
-          <a:blip r:embed="rId2">
-            <a:duotone>
-              <a:schemeClr val="accent5">
-                <a:shade val="45000"/>
-                <a:satMod val="135000"/>
-              </a:schemeClr>
-              <a:prstClr val="white"/>
-            </a:duotone>
-            <a:extLst>
-              <a:ext uri="{28A0092B-C50C-407E-A947-70E740481C1C}">
-                <a14:useLocalDpi xmlns:a14="http://schemas.microsoft.com/office/drawing/2010/main" val="0"/>
-              </a:ext>
-            </a:extLst>
-          </a:blip>
-          <a:srcRect l="36139" r="44693"/>
-          <a:stretch/>
-        </p:blipFill>
-        <p:spPr bwMode="auto">
-          <a:xfrm>
-            <a:off x="2271383" y="913544"/>
-            <a:ext cx="896984" cy="2787242"/>
-          </a:xfrm>
-          <a:prstGeom prst="rect">
-            <a:avLst/>
-          </a:prstGeom>
-          <a:noFill/>
-          <a:extLst>
-            <a:ext uri="{909E8E84-426E-40DD-AFC4-6F175D3DCCD1}">
-              <a14:hiddenFill xmlns:a14="http://schemas.microsoft.com/office/drawing/2010/main">
-                <a:solidFill>
-                  <a:srgbClr val="FFFFFF"/>
-                </a:solidFill>
-              </a14:hiddenFill>
-            </a:ext>
-          </a:extLst>
-        </p:spPr>
-      </p:pic>
-      <p:sp>
-        <p:nvSpPr>
-          <p:cNvPr id="2" name="Right Brace 1">
-            <a:extLst>
-              <a:ext uri="{FF2B5EF4-FFF2-40B4-BE49-F238E27FC236}">
-                <a16:creationId xmlns:a16="http://schemas.microsoft.com/office/drawing/2014/main" id="{709BF877-892B-4BB7-82C9-03AF8BBFF1EF}"/>
-              </a:ext>
-            </a:extLst>
-          </p:cNvPr>
-          <p:cNvSpPr/>
-          <p:nvPr/>
-        </p:nvSpPr>
-        <p:spPr>
-          <a:xfrm rot="5400000">
-            <a:off x="6134490" y="2999048"/>
-            <a:ext cx="391886" cy="1795363"/>
-          </a:xfrm>
-          <a:prstGeom prst="rightBrace">
-            <a:avLst>
-              <a:gd name="adj1" fmla="val 61666"/>
-              <a:gd name="adj2" fmla="val 50000"/>
-            </a:avLst>
-          </a:prstGeom>
-          <a:ln w="28575">
-            <a:solidFill>
-              <a:schemeClr val="accent4">
-                <a:lumMod val="75000"/>
-              </a:schemeClr>
-            </a:solidFill>
-          </a:ln>
-        </p:spPr>
-        <p:style>
-          <a:lnRef idx="1">
-            <a:schemeClr val="accent1"/>
-          </a:lnRef>
-          <a:fillRef idx="0">
-            <a:schemeClr val="accent1"/>
-          </a:fillRef>
-          <a:effectRef idx="0">
-            <a:schemeClr val="accent1"/>
-          </a:effectRef>
-          <a:fontRef idx="minor">
-            <a:schemeClr val="tx1"/>
-          </a:fontRef>
-        </p:style>
-        <p:txBody>
-          <a:bodyPr rtlCol="0" anchor="ctr"/>
-          <a:lstStyle/>
-          <a:p>
-            <a:pPr algn="ctr"/>
-            <a:endParaRPr lang="en-US"/>
-          </a:p>
-        </p:txBody>
-      </p:sp>
-      <p:sp>
-        <p:nvSpPr>
-          <p:cNvPr id="3" name="TextBox 2">
-            <a:extLst>
-              <a:ext uri="{FF2B5EF4-FFF2-40B4-BE49-F238E27FC236}">
-                <a16:creationId xmlns:a16="http://schemas.microsoft.com/office/drawing/2014/main" id="{5611E678-29E1-477A-AE2F-C75837C15270}"/>
-              </a:ext>
-            </a:extLst>
-          </p:cNvPr>
-          <p:cNvSpPr txBox="1"/>
-          <p:nvPr/>
-        </p:nvSpPr>
-        <p:spPr>
-          <a:xfrm>
-            <a:off x="5063886" y="4258492"/>
-            <a:ext cx="2736647" cy="369332"/>
-          </a:xfrm>
-          <a:prstGeom prst="rect">
-            <a:avLst/>
-          </a:prstGeom>
-          <a:noFill/>
-        </p:spPr>
-        <p:txBody>
-          <a:bodyPr wrap="none" rtlCol="0">
-            <a:spAutoFit/>
-          </a:bodyPr>
-          <a:lstStyle/>
-          <a:p>
-            <a:r>
-              <a:rPr lang="en-US" i="1" dirty="0">
-                <a:solidFill>
-                  <a:schemeClr val="accent4">
-                    <a:lumMod val="75000"/>
-                  </a:schemeClr>
-                </a:solidFill>
-                <a:latin typeface="Arial" panose="020B0604020202020204" pitchFamily="34" charset="0"/>
-                <a:cs typeface="Arial" panose="020B0604020202020204" pitchFamily="34" charset="0"/>
-              </a:rPr>
-              <a:t>Sum up all elements in X</a:t>
-            </a:r>
-          </a:p>
-        </p:txBody>
-      </p:sp>
-      <p:sp>
-        <p:nvSpPr>
-          <p:cNvPr id="9" name="Right Brace 8">
-            <a:extLst>
-              <a:ext uri="{FF2B5EF4-FFF2-40B4-BE49-F238E27FC236}">
-                <a16:creationId xmlns:a16="http://schemas.microsoft.com/office/drawing/2014/main" id="{FE831F86-7367-46AD-BB12-25ECD0EB0CD6}"/>
-              </a:ext>
-            </a:extLst>
-          </p:cNvPr>
-          <p:cNvSpPr/>
-          <p:nvPr/>
-        </p:nvSpPr>
-        <p:spPr>
-          <a:xfrm rot="5400000">
-            <a:off x="2523932" y="2880360"/>
-            <a:ext cx="391886" cy="896984"/>
-          </a:xfrm>
-          <a:prstGeom prst="rightBrace">
-            <a:avLst>
-              <a:gd name="adj1" fmla="val 61666"/>
-              <a:gd name="adj2" fmla="val 50000"/>
-            </a:avLst>
-          </a:prstGeom>
-          <a:ln w="28575">
-            <a:solidFill>
-              <a:srgbClr val="0070C0"/>
-            </a:solidFill>
-          </a:ln>
-        </p:spPr>
-        <p:style>
-          <a:lnRef idx="1">
-            <a:schemeClr val="accent1"/>
-          </a:lnRef>
-          <a:fillRef idx="0">
-            <a:schemeClr val="accent1"/>
-          </a:fillRef>
-          <a:effectRef idx="0">
-            <a:schemeClr val="accent1"/>
-          </a:effectRef>
-          <a:fontRef idx="minor">
-            <a:schemeClr val="tx1"/>
-          </a:fontRef>
-        </p:style>
-        <p:txBody>
-          <a:bodyPr rtlCol="0" anchor="ctr"/>
-          <a:lstStyle/>
-          <a:p>
-            <a:pPr algn="ctr"/>
-            <a:endParaRPr lang="en-US"/>
-          </a:p>
-        </p:txBody>
-      </p:sp>
-      <mc:AlternateContent xmlns:mc="http://schemas.openxmlformats.org/markup-compatibility/2006" xmlns:a14="http://schemas.microsoft.com/office/drawing/2010/main">
-        <mc:Choice Requires="a14">
-          <p:sp>
-            <p:nvSpPr>
-              <p:cNvPr id="11" name="TextBox 10">
-                <a:extLst>
-                  <a:ext uri="{FF2B5EF4-FFF2-40B4-BE49-F238E27FC236}">
-                    <a16:creationId xmlns:a16="http://schemas.microsoft.com/office/drawing/2014/main" id="{AB6EF9CE-A2BA-42BA-9DFE-1072080D50BB}"/>
-                  </a:ext>
-                </a:extLst>
-              </p:cNvPr>
-              <p:cNvSpPr txBox="1"/>
-              <p:nvPr/>
-            </p:nvSpPr>
-            <p:spPr>
-              <a:xfrm>
-                <a:off x="1534556" y="3407941"/>
-                <a:ext cx="2321789" cy="790345"/>
-              </a:xfrm>
-              <a:prstGeom prst="rect">
-                <a:avLst/>
-              </a:prstGeom>
-              <a:noFill/>
-            </p:spPr>
-            <p:txBody>
-              <a:bodyPr wrap="none" rtlCol="0">
-                <a:spAutoFit/>
-              </a:bodyPr>
-              <a:lstStyle/>
-              <a:p>
-                <a:r>
-                  <a:rPr lang="en-US" sz="2000" i="1" dirty="0">
-                    <a:solidFill>
-                      <a:srgbClr val="0070C0"/>
-                    </a:solidFill>
-                    <a:latin typeface="Arial" panose="020B0604020202020204" pitchFamily="34" charset="0"/>
-                    <a:cs typeface="Arial" panose="020B0604020202020204" pitchFamily="34" charset="0"/>
-                  </a:rPr>
-                  <a:t>Multiply </a:t>
-                </a:r>
-                <a:r>
-                  <a:rPr lang="en-US" sz="2000" i="1" u="sng" dirty="0">
-                    <a:solidFill>
-                      <a:srgbClr val="0070C0"/>
-                    </a:solidFill>
-                    <a:latin typeface="Arial" panose="020B0604020202020204" pitchFamily="34" charset="0"/>
-                    <a:cs typeface="Arial" panose="020B0604020202020204" pitchFamily="34" charset="0"/>
-                  </a:rPr>
-                  <a:t>this</a:t>
-                </a:r>
-                <a:r>
-                  <a:rPr lang="en-US" sz="2000" i="1" dirty="0">
-                    <a:solidFill>
-                      <a:srgbClr val="0070C0"/>
-                    </a:solidFill>
-                    <a:latin typeface="Arial" panose="020B0604020202020204" pitchFamily="34" charset="0"/>
-                    <a:cs typeface="Arial" panose="020B0604020202020204" pitchFamily="34" charset="0"/>
-                  </a:rPr>
-                  <a:t> with </a:t>
-                </a:r>
-                <a14:m>
-                  <m:oMath xmlns:m="http://schemas.openxmlformats.org/officeDocument/2006/math">
-                    <m:f>
-                      <m:fPr>
-                        <m:ctrlPr>
-                          <a:rPr lang="en-US" sz="3200" b="0" i="1" smtClean="0">
-                            <a:solidFill>
-                              <a:srgbClr val="0070C0"/>
-                            </a:solidFill>
-                            <a:latin typeface="Cambria Math" panose="02040503050406030204" pitchFamily="18" charset="0"/>
-                            <a:cs typeface="Arial" panose="020B0604020202020204" pitchFamily="34" charset="0"/>
-                          </a:rPr>
-                        </m:ctrlPr>
-                      </m:fPr>
-                      <m:num>
-                        <m:r>
-                          <a:rPr lang="en-US" sz="3200" b="0" i="1" smtClean="0">
-                            <a:solidFill>
-                              <a:srgbClr val="0070C0"/>
-                            </a:solidFill>
-                            <a:latin typeface="Cambria Math" panose="02040503050406030204" pitchFamily="18" charset="0"/>
-                            <a:cs typeface="Arial" panose="020B0604020202020204" pitchFamily="34" charset="0"/>
-                          </a:rPr>
-                          <m:t>1</m:t>
-                        </m:r>
-                      </m:num>
-                      <m:den>
-                        <m:r>
-                          <a:rPr lang="en-US" sz="3200" b="0" i="1" smtClean="0">
-                            <a:solidFill>
-                              <a:srgbClr val="0070C0"/>
-                            </a:solidFill>
-                            <a:latin typeface="Cambria Math" panose="02040503050406030204" pitchFamily="18" charset="0"/>
-                            <a:cs typeface="Arial" panose="020B0604020202020204" pitchFamily="34" charset="0"/>
-                          </a:rPr>
-                          <m:t>𝑛</m:t>
-                        </m:r>
-                      </m:den>
-                    </m:f>
-                  </m:oMath>
-                </a14:m>
-                <a:endParaRPr lang="en-US" sz="2000" b="1" i="1" dirty="0">
-                  <a:solidFill>
-                    <a:srgbClr val="0070C0"/>
-                  </a:solidFill>
-                  <a:latin typeface="Arial" panose="020B0604020202020204" pitchFamily="34" charset="0"/>
-                  <a:cs typeface="Arial" panose="020B0604020202020204" pitchFamily="34" charset="0"/>
-                </a:endParaRPr>
-              </a:p>
-            </p:txBody>
-          </p:sp>
-        </mc:Choice>
-        <mc:Fallback xmlns="">
-          <p:sp>
-            <p:nvSpPr>
-              <p:cNvPr id="11" name="TextBox 10">
-                <a:extLst>
-                  <a:ext uri="{FF2B5EF4-FFF2-40B4-BE49-F238E27FC236}">
-                    <a16:creationId xmlns:a16="http://schemas.microsoft.com/office/drawing/2014/main" id="{AB6EF9CE-A2BA-42BA-9DFE-1072080D50BB}"/>
-                  </a:ext>
-                </a:extLst>
-              </p:cNvPr>
-              <p:cNvSpPr txBox="1">
-                <a:spLocks noRot="1" noChangeAspect="1" noMove="1" noResize="1" noEditPoints="1" noAdjustHandles="1" noChangeArrowheads="1" noChangeShapeType="1" noTextEdit="1"/>
-              </p:cNvSpPr>
-              <p:nvPr/>
-            </p:nvSpPr>
-            <p:spPr>
-              <a:xfrm>
-                <a:off x="1534556" y="3407941"/>
-                <a:ext cx="2321789" cy="790345"/>
-              </a:xfrm>
-              <a:prstGeom prst="rect">
-                <a:avLst/>
-              </a:prstGeom>
-              <a:blipFill>
-                <a:blip r:embed="rId4"/>
-                <a:stretch>
-                  <a:fillRect l="-2887"/>
-                </a:stretch>
-              </a:blipFill>
-            </p:spPr>
-            <p:txBody>
-              <a:bodyPr/>
-              <a:lstStyle/>
-              <a:p>
-                <a:r>
-                  <a:rPr lang="en-US">
-                    <a:noFill/>
-                  </a:rPr>
-                  <a:t> </a:t>
-                </a:r>
-              </a:p>
-            </p:txBody>
-          </p:sp>
-        </mc:Fallback>
-      </mc:AlternateContent>
-      <p:sp>
-        <p:nvSpPr>
-          <p:cNvPr id="4" name="Freeform: Shape 3">
-            <a:extLst>
-              <a:ext uri="{FF2B5EF4-FFF2-40B4-BE49-F238E27FC236}">
-                <a16:creationId xmlns:a16="http://schemas.microsoft.com/office/drawing/2014/main" id="{AE6E35FE-48A1-46E7-8E9F-47F5DE05607A}"/>
-              </a:ext>
-            </a:extLst>
-          </p:cNvPr>
-          <p:cNvSpPr/>
-          <p:nvPr/>
-        </p:nvSpPr>
-        <p:spPr>
-          <a:xfrm>
-            <a:off x="2760617" y="2854590"/>
-            <a:ext cx="2238103" cy="1470327"/>
-          </a:xfrm>
-          <a:custGeom>
-            <a:avLst/>
-            <a:gdLst>
-              <a:gd name="connsiteX0" fmla="*/ 0 w 2238103"/>
-              <a:gd name="connsiteY0" fmla="*/ 1140823 h 1470327"/>
-              <a:gd name="connsiteX1" fmla="*/ 470263 w 2238103"/>
-              <a:gd name="connsiteY1" fmla="*/ 1428206 h 1470327"/>
-              <a:gd name="connsiteX2" fmla="*/ 1236617 w 2238103"/>
-              <a:gd name="connsiteY2" fmla="*/ 1428206 h 1470327"/>
-              <a:gd name="connsiteX3" fmla="*/ 1828800 w 2238103"/>
-              <a:gd name="connsiteY3" fmla="*/ 1045029 h 1470327"/>
-              <a:gd name="connsiteX4" fmla="*/ 2046514 w 2238103"/>
-              <a:gd name="connsiteY4" fmla="*/ 217714 h 1470327"/>
-              <a:gd name="connsiteX5" fmla="*/ 2238103 w 2238103"/>
-              <a:gd name="connsiteY5" fmla="*/ 0 h 1470327"/>
-            </a:gdLst>
-            <a:ahLst/>
-            <a:cxnLst>
-              <a:cxn ang="0">
-                <a:pos x="connsiteX0" y="connsiteY0"/>
-              </a:cxn>
-              <a:cxn ang="0">
-                <a:pos x="connsiteX1" y="connsiteY1"/>
-              </a:cxn>
-              <a:cxn ang="0">
-                <a:pos x="connsiteX2" y="connsiteY2"/>
-              </a:cxn>
-              <a:cxn ang="0">
-                <a:pos x="connsiteX3" y="connsiteY3"/>
-              </a:cxn>
-              <a:cxn ang="0">
-                <a:pos x="connsiteX4" y="connsiteY4"/>
-              </a:cxn>
-              <a:cxn ang="0">
-                <a:pos x="connsiteX5" y="connsiteY5"/>
-              </a:cxn>
-            </a:cxnLst>
-            <a:rect l="l" t="t" r="r" b="b"/>
-            <a:pathLst>
-              <a:path w="2238103" h="1470327">
-                <a:moveTo>
-                  <a:pt x="0" y="1140823"/>
-                </a:moveTo>
-                <a:cubicBezTo>
-                  <a:pt x="132080" y="1260566"/>
-                  <a:pt x="264160" y="1380309"/>
-                  <a:pt x="470263" y="1428206"/>
-                </a:cubicBezTo>
-                <a:cubicBezTo>
-                  <a:pt x="676366" y="1476103"/>
-                  <a:pt x="1010194" y="1492069"/>
-                  <a:pt x="1236617" y="1428206"/>
-                </a:cubicBezTo>
-                <a:cubicBezTo>
-                  <a:pt x="1463040" y="1364343"/>
-                  <a:pt x="1693817" y="1246778"/>
-                  <a:pt x="1828800" y="1045029"/>
-                </a:cubicBezTo>
-                <a:cubicBezTo>
-                  <a:pt x="1963783" y="843280"/>
-                  <a:pt x="1978297" y="391885"/>
-                  <a:pt x="2046514" y="217714"/>
-                </a:cubicBezTo>
-                <a:cubicBezTo>
-                  <a:pt x="2114731" y="43543"/>
-                  <a:pt x="2176417" y="21771"/>
-                  <a:pt x="2238103" y="0"/>
-                </a:cubicBezTo>
-              </a:path>
-            </a:pathLst>
-          </a:custGeom>
-          <a:noFill/>
-          <a:ln w="19050">
-            <a:solidFill>
-              <a:srgbClr val="0070C0"/>
-            </a:solidFill>
-            <a:headEnd type="none" w="med" len="med"/>
-            <a:tailEnd type="triangle" w="med" len="med"/>
-          </a:ln>
-        </p:spPr>
-        <p:style>
-          <a:lnRef idx="2">
-            <a:schemeClr val="accent1">
-              <a:shade val="50000"/>
-            </a:schemeClr>
-          </a:lnRef>
-          <a:fillRef idx="1">
-            <a:schemeClr val="accent1"/>
-          </a:fillRef>
-          <a:effectRef idx="0">
-            <a:schemeClr val="accent1"/>
-          </a:effectRef>
-          <a:fontRef idx="minor">
-            <a:schemeClr val="lt1"/>
-          </a:fontRef>
-        </p:style>
-        <p:txBody>
-          <a:bodyPr rtlCol="0" anchor="ctr"/>
-          <a:lstStyle/>
-          <a:p>
-            <a:pPr algn="ctr"/>
-            <a:endParaRPr lang="en-US"/>
-          </a:p>
-        </p:txBody>
-      </p:sp>
-      <p:sp>
-        <p:nvSpPr>
-          <p:cNvPr id="13" name="TextBox 12">
-            <a:extLst>
-              <a:ext uri="{FF2B5EF4-FFF2-40B4-BE49-F238E27FC236}">
-                <a16:creationId xmlns:a16="http://schemas.microsoft.com/office/drawing/2014/main" id="{4B3F0A3A-4E7D-4842-8C48-0852761FAAB3}"/>
-              </a:ext>
-            </a:extLst>
-          </p:cNvPr>
-          <p:cNvSpPr txBox="1"/>
-          <p:nvPr/>
-        </p:nvSpPr>
-        <p:spPr>
-          <a:xfrm>
-            <a:off x="5555206" y="4762486"/>
-            <a:ext cx="1754006" cy="707886"/>
-          </a:xfrm>
-          <a:prstGeom prst="rect">
-            <a:avLst/>
-          </a:prstGeom>
-          <a:noFill/>
-        </p:spPr>
-        <p:txBody>
-          <a:bodyPr wrap="none" rtlCol="0">
-            <a:spAutoFit/>
-          </a:bodyPr>
-          <a:lstStyle/>
-          <a:p>
-            <a:r>
-              <a:rPr lang="en-US" sz="4000" i="1" dirty="0">
-                <a:solidFill>
-                  <a:schemeClr val="accent4">
-                    <a:lumMod val="75000"/>
-                  </a:schemeClr>
-                </a:solidFill>
-                <a:latin typeface="Arial" panose="020B0604020202020204" pitchFamily="34" charset="0"/>
-                <a:cs typeface="Arial" panose="020B0604020202020204" pitchFamily="34" charset="0"/>
-              </a:rPr>
-              <a:t>sum(x)</a:t>
-            </a:r>
-          </a:p>
-        </p:txBody>
-      </p:sp>
-      <p:sp>
-        <p:nvSpPr>
-          <p:cNvPr id="17" name="TextBox 16">
-            <a:extLst>
-              <a:ext uri="{FF2B5EF4-FFF2-40B4-BE49-F238E27FC236}">
-                <a16:creationId xmlns:a16="http://schemas.microsoft.com/office/drawing/2014/main" id="{28A3F18D-D11B-4CD4-B9C6-6C9C9130EAC8}"/>
-              </a:ext>
-            </a:extLst>
-          </p:cNvPr>
-          <p:cNvSpPr txBox="1"/>
-          <p:nvPr/>
-        </p:nvSpPr>
-        <p:spPr>
-          <a:xfrm>
-            <a:off x="1102150" y="4762486"/>
-            <a:ext cx="2895344" cy="707886"/>
-          </a:xfrm>
-          <a:prstGeom prst="rect">
-            <a:avLst/>
-          </a:prstGeom>
-          <a:noFill/>
-        </p:spPr>
-        <p:txBody>
-          <a:bodyPr wrap="none" rtlCol="0">
-            <a:spAutoFit/>
-          </a:bodyPr>
-          <a:lstStyle/>
-          <a:p>
-            <a:r>
-              <a:rPr lang="en-US" sz="4000" i="1" dirty="0">
-                <a:solidFill>
-                  <a:srgbClr val="0070C0"/>
-                </a:solidFill>
-                <a:latin typeface="Arial" panose="020B0604020202020204" pitchFamily="34" charset="0"/>
-                <a:cs typeface="Arial" panose="020B0604020202020204" pitchFamily="34" charset="0"/>
-              </a:rPr>
-              <a:t>1 / length(x)</a:t>
-            </a:r>
-          </a:p>
-        </p:txBody>
-      </p:sp>
-      <p:sp>
-        <p:nvSpPr>
-          <p:cNvPr id="7" name="TextBox 6">
-            <a:extLst>
-              <a:ext uri="{FF2B5EF4-FFF2-40B4-BE49-F238E27FC236}">
-                <a16:creationId xmlns:a16="http://schemas.microsoft.com/office/drawing/2014/main" id="{BDC64414-7528-44B5-8721-A11BF815B8EF}"/>
-              </a:ext>
-            </a:extLst>
-          </p:cNvPr>
-          <p:cNvSpPr txBox="1"/>
-          <p:nvPr/>
-        </p:nvSpPr>
-        <p:spPr>
-          <a:xfrm>
-            <a:off x="4556578" y="4877442"/>
-            <a:ext cx="439544" cy="707886"/>
-          </a:xfrm>
-          <a:prstGeom prst="rect">
-            <a:avLst/>
-          </a:prstGeom>
-          <a:noFill/>
-        </p:spPr>
-        <p:txBody>
-          <a:bodyPr wrap="none" rtlCol="0">
-            <a:spAutoFit/>
-          </a:bodyPr>
-          <a:lstStyle/>
-          <a:p>
-            <a:r>
-              <a:rPr lang="en-US" sz="4000" dirty="0"/>
-              <a:t>*</a:t>
-            </a:r>
-          </a:p>
-        </p:txBody>
-      </p:sp>
-      <p:sp>
-        <p:nvSpPr>
-          <p:cNvPr id="15" name="TextBox 14">
-            <a:extLst>
-              <a:ext uri="{FF2B5EF4-FFF2-40B4-BE49-F238E27FC236}">
-                <a16:creationId xmlns:a16="http://schemas.microsoft.com/office/drawing/2014/main" id="{4DD21FC6-B968-4232-9529-B7D9C349E80F}"/>
-              </a:ext>
-            </a:extLst>
-          </p:cNvPr>
-          <p:cNvSpPr txBox="1"/>
-          <p:nvPr/>
-        </p:nvSpPr>
-        <p:spPr>
-          <a:xfrm>
-            <a:off x="4053722" y="1547964"/>
-            <a:ext cx="271604" cy="1107996"/>
-          </a:xfrm>
-          <a:prstGeom prst="rect">
-            <a:avLst/>
-          </a:prstGeom>
-          <a:noFill/>
-        </p:spPr>
-        <p:txBody>
-          <a:bodyPr wrap="square" rtlCol="0">
-            <a:spAutoFit/>
-          </a:bodyPr>
-          <a:lstStyle/>
-          <a:p>
-            <a:r>
-              <a:rPr lang="en-US" sz="6600" dirty="0"/>
-              <a:t>x</a:t>
-            </a:r>
-          </a:p>
-        </p:txBody>
-      </p:sp>
-      <p:sp>
-        <p:nvSpPr>
-          <p:cNvPr id="16" name="Rectangle 15">
-            <a:extLst>
-              <a:ext uri="{FF2B5EF4-FFF2-40B4-BE49-F238E27FC236}">
-                <a16:creationId xmlns:a16="http://schemas.microsoft.com/office/drawing/2014/main" id="{02ACF5CD-E439-4CB8-8506-92DFD6F9ED20}"/>
-              </a:ext>
-            </a:extLst>
-          </p:cNvPr>
-          <p:cNvSpPr/>
-          <p:nvPr/>
-        </p:nvSpPr>
-        <p:spPr>
-          <a:xfrm>
-            <a:off x="33277" y="6581423"/>
-            <a:ext cx="2026196" cy="369332"/>
-          </a:xfrm>
-          <a:prstGeom prst="rect">
-            <a:avLst/>
-          </a:prstGeom>
-        </p:spPr>
-        <p:txBody>
-          <a:bodyPr wrap="none">
-            <a:spAutoFit/>
-          </a:bodyPr>
-          <a:lstStyle/>
-          <a:p>
-            <a:r>
-              <a:rPr lang="en-US" i="1" dirty="0"/>
-              <a:t>Credit: </a:t>
-            </a:r>
-            <a:r>
-              <a:rPr lang="en-US" i="1" dirty="0" err="1"/>
-              <a:t>Bonwoo</a:t>
-            </a:r>
-            <a:r>
-              <a:rPr lang="en-US" i="1" dirty="0"/>
-              <a:t> Koo</a:t>
-            </a:r>
-          </a:p>
-        </p:txBody>
-      </p:sp>
-    </p:spTree>
-    <p:extLst>
-      <p:ext uri="{BB962C8B-B14F-4D97-AF65-F5344CB8AC3E}">
-        <p14:creationId xmlns:p14="http://schemas.microsoft.com/office/powerpoint/2010/main" val="2016578323"/>
-      </p:ext>
-    </p:extLst>
-  </p:cSld>
-  <p:clrMapOvr>
-    <a:masterClrMapping/>
-  </p:clrMapOvr>
-</p:sld>
-</file>
-
-<file path=ppt/slides/slide51.xml><?xml version="1.0" encoding="utf-8"?>
-<p:sld xmlns:a="http://schemas.openxmlformats.org/drawingml/2006/main" xmlns:r="http://schemas.openxmlformats.org/officeDocument/2006/relationships" xmlns:p="http://schemas.openxmlformats.org/presentationml/2006/main" show="0">
-  <p:cSld>
-    <p:spTree>
-      <p:nvGrpSpPr>
-        <p:cNvPr id="1" name=""/>
-        <p:cNvGrpSpPr/>
-        <p:nvPr/>
-      </p:nvGrpSpPr>
-      <p:grpSpPr>
-        <a:xfrm>
-          <a:off x="0" y="0"/>
-          <a:ext cx="0" cy="0"/>
-          <a:chOff x="0" y="0"/>
-          <a:chExt cx="0" cy="0"/>
-        </a:xfrm>
-      </p:grpSpPr>
-      <p:sp>
-        <p:nvSpPr>
-          <p:cNvPr id="6" name="TextBox 5">
-            <a:extLst>
-              <a:ext uri="{FF2B5EF4-FFF2-40B4-BE49-F238E27FC236}">
-                <a16:creationId xmlns:a16="http://schemas.microsoft.com/office/drawing/2014/main" id="{7EE7DE34-0D13-44E2-947E-804DE8A9770B}"/>
-              </a:ext>
-            </a:extLst>
-          </p:cNvPr>
-          <p:cNvSpPr txBox="1"/>
-          <p:nvPr/>
-        </p:nvSpPr>
-        <p:spPr>
-          <a:xfrm>
-            <a:off x="356770" y="222432"/>
-            <a:ext cx="6385081" cy="830997"/>
-          </a:xfrm>
-          <a:prstGeom prst="rect">
-            <a:avLst/>
-          </a:prstGeom>
-          <a:noFill/>
-        </p:spPr>
-        <p:txBody>
-          <a:bodyPr wrap="none" rtlCol="0">
-            <a:spAutoFit/>
-          </a:bodyPr>
-          <a:lstStyle/>
-          <a:p>
-            <a:r>
-              <a:rPr lang="en-US" sz="4800" b="1" dirty="0">
-                <a:solidFill>
-                  <a:schemeClr val="accent2"/>
-                </a:solidFill>
-                <a:latin typeface="Arial" panose="020B0604020202020204" pitchFamily="34" charset="0"/>
-                <a:cs typeface="Arial" panose="020B0604020202020204" pitchFamily="34" charset="0"/>
-              </a:rPr>
-              <a:t>Calculating the mean</a:t>
-            </a:r>
-            <a:endParaRPr lang="en-US" sz="6600" b="1" dirty="0">
-              <a:solidFill>
-                <a:schemeClr val="accent2"/>
-              </a:solidFill>
-              <a:latin typeface="Arial" panose="020B0604020202020204" pitchFamily="34" charset="0"/>
-              <a:cs typeface="Arial" panose="020B0604020202020204" pitchFamily="34" charset="0"/>
-            </a:endParaRPr>
-          </a:p>
-        </p:txBody>
-      </p:sp>
-      <p:sp>
-        <p:nvSpPr>
-          <p:cNvPr id="12" name="Slide Number Placeholder 11">
-            <a:extLst>
-              <a:ext uri="{FF2B5EF4-FFF2-40B4-BE49-F238E27FC236}">
-                <a16:creationId xmlns:a16="http://schemas.microsoft.com/office/drawing/2014/main" id="{92E50310-2257-4A5C-93E8-3D0F3E8916DA}"/>
-              </a:ext>
-            </a:extLst>
-          </p:cNvPr>
-          <p:cNvSpPr>
-            <a:spLocks noGrp="1"/>
-          </p:cNvSpPr>
-          <p:nvPr>
-            <p:ph type="sldNum" sz="quarter" idx="12"/>
-          </p:nvPr>
-        </p:nvSpPr>
-        <p:spPr>
-          <a:xfrm>
-            <a:off x="6475367" y="6453005"/>
-            <a:ext cx="2057400" cy="365125"/>
-          </a:xfrm>
-        </p:spPr>
-        <p:txBody>
-          <a:bodyPr/>
-          <a:lstStyle/>
-          <a:p>
-            <a:fld id="{D9CFEFDB-66D6-495C-9117-3BD2D7EF3F1B}" type="slidenum">
-              <a:rPr lang="en-US" smtClean="0"/>
-              <a:t>51</a:t>
-            </a:fld>
-            <a:endParaRPr lang="en-US"/>
-          </a:p>
-        </p:txBody>
-      </p:sp>
-      <p:pic>
-        <p:nvPicPr>
-          <p:cNvPr id="1026" name="Picture 2" descr="Image result for equation for mean">
-            <a:extLst>
-              <a:ext uri="{FF2B5EF4-FFF2-40B4-BE49-F238E27FC236}">
-                <a16:creationId xmlns:a16="http://schemas.microsoft.com/office/drawing/2014/main" id="{067A2CA1-4938-4E8B-B55D-F3F1F0816B67}"/>
-              </a:ext>
-            </a:extLst>
-          </p:cNvPr>
-          <p:cNvPicPr>
-            <a:picLocks noChangeAspect="1" noChangeArrowheads="1"/>
-          </p:cNvPicPr>
-          <p:nvPr/>
-        </p:nvPicPr>
-        <p:blipFill rotWithShape="1">
-          <a:blip r:embed="rId2">
-            <a:extLst>
-              <a:ext uri="{28A0092B-C50C-407E-A947-70E740481C1C}">
-                <a14:useLocalDpi xmlns:a14="http://schemas.microsoft.com/office/drawing/2010/main" val="0"/>
-              </a:ext>
-            </a:extLst>
-          </a:blip>
-          <a:srcRect r="66280"/>
-          <a:stretch/>
-        </p:blipFill>
-        <p:spPr bwMode="auto">
-          <a:xfrm>
-            <a:off x="581761" y="914674"/>
-            <a:ext cx="1577965" cy="2787242"/>
-          </a:xfrm>
-          <a:prstGeom prst="rect">
-            <a:avLst/>
-          </a:prstGeom>
-          <a:noFill/>
-          <a:extLst>
-            <a:ext uri="{909E8E84-426E-40DD-AFC4-6F175D3DCCD1}">
-              <a14:hiddenFill xmlns:a14="http://schemas.microsoft.com/office/drawing/2010/main">
-                <a:solidFill>
-                  <a:srgbClr val="FFFFFF"/>
-                </a:solidFill>
-              </a14:hiddenFill>
-            </a:ext>
-          </a:extLst>
-        </p:spPr>
-      </p:pic>
-      <p:pic>
-        <p:nvPicPr>
-          <p:cNvPr id="5" name="Picture 4">
-            <a:extLst>
-              <a:ext uri="{FF2B5EF4-FFF2-40B4-BE49-F238E27FC236}">
-                <a16:creationId xmlns:a16="http://schemas.microsoft.com/office/drawing/2014/main" id="{6145BB2C-F5CA-4BF5-A322-EE8AD95FC1F4}"/>
-              </a:ext>
-            </a:extLst>
-          </p:cNvPr>
-          <p:cNvPicPr>
-            <a:picLocks noChangeAspect="1"/>
-          </p:cNvPicPr>
-          <p:nvPr/>
-        </p:nvPicPr>
-        <p:blipFill rotWithShape="1">
-          <a:blip r:embed="rId3">
-            <a:duotone>
-              <a:schemeClr val="accent4">
-                <a:shade val="45000"/>
-                <a:satMod val="135000"/>
-              </a:schemeClr>
-              <a:prstClr val="white"/>
-            </a:duotone>
-          </a:blip>
-          <a:srcRect l="53162"/>
-          <a:stretch/>
-        </p:blipFill>
-        <p:spPr>
-          <a:xfrm>
-            <a:off x="5210682" y="914674"/>
-            <a:ext cx="2193021" cy="2786113"/>
-          </a:xfrm>
-          <a:prstGeom prst="rect">
-            <a:avLst/>
-          </a:prstGeom>
-        </p:spPr>
-      </p:pic>
-      <p:pic>
-        <p:nvPicPr>
-          <p:cNvPr id="10" name="Picture 2" descr="Image result for equation for mean">
-            <a:extLst>
-              <a:ext uri="{FF2B5EF4-FFF2-40B4-BE49-F238E27FC236}">
-                <a16:creationId xmlns:a16="http://schemas.microsoft.com/office/drawing/2014/main" id="{BEE29EA7-7907-49E8-BC1A-718F759B7FA1}"/>
-              </a:ext>
-            </a:extLst>
-          </p:cNvPr>
-          <p:cNvPicPr>
-            <a:picLocks noChangeAspect="1" noChangeArrowheads="1"/>
-          </p:cNvPicPr>
-          <p:nvPr/>
-        </p:nvPicPr>
-        <p:blipFill rotWithShape="1">
-          <a:blip r:embed="rId2">
-            <a:duotone>
-              <a:schemeClr val="accent5">
-                <a:shade val="45000"/>
-                <a:satMod val="135000"/>
-              </a:schemeClr>
-              <a:prstClr val="white"/>
-            </a:duotone>
-            <a:extLst>
-              <a:ext uri="{28A0092B-C50C-407E-A947-70E740481C1C}">
-                <a14:useLocalDpi xmlns:a14="http://schemas.microsoft.com/office/drawing/2010/main" val="0"/>
-              </a:ext>
-            </a:extLst>
-          </a:blip>
-          <a:srcRect l="36139" r="44693"/>
-          <a:stretch/>
-        </p:blipFill>
-        <p:spPr bwMode="auto">
-          <a:xfrm>
-            <a:off x="2271383" y="913544"/>
-            <a:ext cx="896984" cy="2787242"/>
-          </a:xfrm>
-          <a:prstGeom prst="rect">
-            <a:avLst/>
-          </a:prstGeom>
-          <a:noFill/>
-          <a:extLst>
-            <a:ext uri="{909E8E84-426E-40DD-AFC4-6F175D3DCCD1}">
-              <a14:hiddenFill xmlns:a14="http://schemas.microsoft.com/office/drawing/2010/main">
-                <a:solidFill>
-                  <a:srgbClr val="FFFFFF"/>
-                </a:solidFill>
-              </a14:hiddenFill>
-            </a:ext>
-          </a:extLst>
-        </p:spPr>
-      </p:pic>
-      <p:sp>
-        <p:nvSpPr>
-          <p:cNvPr id="2" name="Right Brace 1">
-            <a:extLst>
-              <a:ext uri="{FF2B5EF4-FFF2-40B4-BE49-F238E27FC236}">
-                <a16:creationId xmlns:a16="http://schemas.microsoft.com/office/drawing/2014/main" id="{709BF877-892B-4BB7-82C9-03AF8BBFF1EF}"/>
-              </a:ext>
-            </a:extLst>
-          </p:cNvPr>
-          <p:cNvSpPr/>
-          <p:nvPr/>
-        </p:nvSpPr>
-        <p:spPr>
-          <a:xfrm rot="5400000">
-            <a:off x="6134490" y="2999048"/>
-            <a:ext cx="391886" cy="1795363"/>
-          </a:xfrm>
-          <a:prstGeom prst="rightBrace">
-            <a:avLst>
-              <a:gd name="adj1" fmla="val 61666"/>
-              <a:gd name="adj2" fmla="val 50000"/>
-            </a:avLst>
-          </a:prstGeom>
-          <a:ln w="28575">
-            <a:solidFill>
-              <a:schemeClr val="accent4">
-                <a:lumMod val="75000"/>
-              </a:schemeClr>
-            </a:solidFill>
-          </a:ln>
-        </p:spPr>
-        <p:style>
-          <a:lnRef idx="1">
-            <a:schemeClr val="accent1"/>
-          </a:lnRef>
-          <a:fillRef idx="0">
-            <a:schemeClr val="accent1"/>
-          </a:fillRef>
-          <a:effectRef idx="0">
-            <a:schemeClr val="accent1"/>
-          </a:effectRef>
-          <a:fontRef idx="minor">
-            <a:schemeClr val="tx1"/>
-          </a:fontRef>
-        </p:style>
-        <p:txBody>
-          <a:bodyPr rtlCol="0" anchor="ctr"/>
-          <a:lstStyle/>
-          <a:p>
-            <a:pPr algn="ctr"/>
-            <a:endParaRPr lang="en-US"/>
-          </a:p>
-        </p:txBody>
-      </p:sp>
-      <p:sp>
-        <p:nvSpPr>
-          <p:cNvPr id="3" name="TextBox 2">
-            <a:extLst>
-              <a:ext uri="{FF2B5EF4-FFF2-40B4-BE49-F238E27FC236}">
-                <a16:creationId xmlns:a16="http://schemas.microsoft.com/office/drawing/2014/main" id="{5611E678-29E1-477A-AE2F-C75837C15270}"/>
-              </a:ext>
-            </a:extLst>
-          </p:cNvPr>
-          <p:cNvSpPr txBox="1"/>
-          <p:nvPr/>
-        </p:nvSpPr>
-        <p:spPr>
-          <a:xfrm>
-            <a:off x="5063886" y="4258492"/>
-            <a:ext cx="2736647" cy="369332"/>
-          </a:xfrm>
-          <a:prstGeom prst="rect">
-            <a:avLst/>
-          </a:prstGeom>
-          <a:noFill/>
-        </p:spPr>
-        <p:txBody>
-          <a:bodyPr wrap="none" rtlCol="0">
-            <a:spAutoFit/>
-          </a:bodyPr>
-          <a:lstStyle/>
-          <a:p>
-            <a:r>
-              <a:rPr lang="en-US" i="1" dirty="0">
-                <a:solidFill>
-                  <a:schemeClr val="accent4">
-                    <a:lumMod val="75000"/>
-                  </a:schemeClr>
-                </a:solidFill>
-                <a:latin typeface="Arial" panose="020B0604020202020204" pitchFamily="34" charset="0"/>
-                <a:cs typeface="Arial" panose="020B0604020202020204" pitchFamily="34" charset="0"/>
-              </a:rPr>
-              <a:t>Sum up all elements in X</a:t>
-            </a:r>
-          </a:p>
-        </p:txBody>
-      </p:sp>
-      <p:sp>
-        <p:nvSpPr>
-          <p:cNvPr id="9" name="Right Brace 8">
-            <a:extLst>
-              <a:ext uri="{FF2B5EF4-FFF2-40B4-BE49-F238E27FC236}">
-                <a16:creationId xmlns:a16="http://schemas.microsoft.com/office/drawing/2014/main" id="{FE831F86-7367-46AD-BB12-25ECD0EB0CD6}"/>
-              </a:ext>
-            </a:extLst>
-          </p:cNvPr>
-          <p:cNvSpPr/>
-          <p:nvPr/>
-        </p:nvSpPr>
-        <p:spPr>
-          <a:xfrm rot="5400000">
-            <a:off x="2523932" y="2880360"/>
-            <a:ext cx="391886" cy="896984"/>
-          </a:xfrm>
-          <a:prstGeom prst="rightBrace">
-            <a:avLst>
-              <a:gd name="adj1" fmla="val 61666"/>
-              <a:gd name="adj2" fmla="val 50000"/>
-            </a:avLst>
-          </a:prstGeom>
-          <a:ln w="28575">
-            <a:solidFill>
-              <a:srgbClr val="0070C0"/>
-            </a:solidFill>
-          </a:ln>
-        </p:spPr>
-        <p:style>
-          <a:lnRef idx="1">
-            <a:schemeClr val="accent1"/>
-          </a:lnRef>
-          <a:fillRef idx="0">
-            <a:schemeClr val="accent1"/>
-          </a:fillRef>
-          <a:effectRef idx="0">
-            <a:schemeClr val="accent1"/>
-          </a:effectRef>
-          <a:fontRef idx="minor">
-            <a:schemeClr val="tx1"/>
-          </a:fontRef>
-        </p:style>
-        <p:txBody>
-          <a:bodyPr rtlCol="0" anchor="ctr"/>
-          <a:lstStyle/>
-          <a:p>
-            <a:pPr algn="ctr"/>
-            <a:endParaRPr lang="en-US"/>
-          </a:p>
-        </p:txBody>
-      </p:sp>
-      <mc:AlternateContent xmlns:mc="http://schemas.openxmlformats.org/markup-compatibility/2006" xmlns:a14="http://schemas.microsoft.com/office/drawing/2010/main">
-        <mc:Choice Requires="a14">
-          <p:sp>
-            <p:nvSpPr>
-              <p:cNvPr id="11" name="TextBox 10">
-                <a:extLst>
-                  <a:ext uri="{FF2B5EF4-FFF2-40B4-BE49-F238E27FC236}">
-                    <a16:creationId xmlns:a16="http://schemas.microsoft.com/office/drawing/2014/main" id="{AB6EF9CE-A2BA-42BA-9DFE-1072080D50BB}"/>
-                  </a:ext>
-                </a:extLst>
-              </p:cNvPr>
-              <p:cNvSpPr txBox="1"/>
-              <p:nvPr/>
-            </p:nvSpPr>
-            <p:spPr>
-              <a:xfrm>
-                <a:off x="1534556" y="3407941"/>
-                <a:ext cx="2321789" cy="790345"/>
-              </a:xfrm>
-              <a:prstGeom prst="rect">
-                <a:avLst/>
-              </a:prstGeom>
-              <a:noFill/>
-            </p:spPr>
-            <p:txBody>
-              <a:bodyPr wrap="none" rtlCol="0">
-                <a:spAutoFit/>
-              </a:bodyPr>
-              <a:lstStyle/>
-              <a:p>
-                <a:r>
-                  <a:rPr lang="en-US" sz="2000" i="1" dirty="0">
-                    <a:solidFill>
-                      <a:srgbClr val="0070C0"/>
-                    </a:solidFill>
-                    <a:latin typeface="Arial" panose="020B0604020202020204" pitchFamily="34" charset="0"/>
-                    <a:cs typeface="Arial" panose="020B0604020202020204" pitchFamily="34" charset="0"/>
-                  </a:rPr>
-                  <a:t>Multiply </a:t>
-                </a:r>
-                <a:r>
-                  <a:rPr lang="en-US" sz="2000" i="1" u="sng" dirty="0">
-                    <a:solidFill>
-                      <a:srgbClr val="0070C0"/>
-                    </a:solidFill>
-                    <a:latin typeface="Arial" panose="020B0604020202020204" pitchFamily="34" charset="0"/>
-                    <a:cs typeface="Arial" panose="020B0604020202020204" pitchFamily="34" charset="0"/>
-                  </a:rPr>
-                  <a:t>this</a:t>
-                </a:r>
-                <a:r>
-                  <a:rPr lang="en-US" sz="2000" i="1" dirty="0">
-                    <a:solidFill>
-                      <a:srgbClr val="0070C0"/>
-                    </a:solidFill>
-                    <a:latin typeface="Arial" panose="020B0604020202020204" pitchFamily="34" charset="0"/>
-                    <a:cs typeface="Arial" panose="020B0604020202020204" pitchFamily="34" charset="0"/>
-                  </a:rPr>
-                  <a:t> with </a:t>
-                </a:r>
-                <a14:m>
-                  <m:oMath xmlns:m="http://schemas.openxmlformats.org/officeDocument/2006/math">
-                    <m:f>
-                      <m:fPr>
-                        <m:ctrlPr>
-                          <a:rPr lang="en-US" sz="3200" b="0" i="1" smtClean="0">
-                            <a:solidFill>
-                              <a:srgbClr val="0070C0"/>
-                            </a:solidFill>
-                            <a:latin typeface="Cambria Math" panose="02040503050406030204" pitchFamily="18" charset="0"/>
-                            <a:cs typeface="Arial" panose="020B0604020202020204" pitchFamily="34" charset="0"/>
-                          </a:rPr>
-                        </m:ctrlPr>
-                      </m:fPr>
-                      <m:num>
-                        <m:r>
-                          <a:rPr lang="en-US" sz="3200" b="0" i="1" smtClean="0">
-                            <a:solidFill>
-                              <a:srgbClr val="0070C0"/>
-                            </a:solidFill>
-                            <a:latin typeface="Cambria Math" panose="02040503050406030204" pitchFamily="18" charset="0"/>
-                            <a:cs typeface="Arial" panose="020B0604020202020204" pitchFamily="34" charset="0"/>
-                          </a:rPr>
-                          <m:t>1</m:t>
-                        </m:r>
-                      </m:num>
-                      <m:den>
-                        <m:r>
-                          <a:rPr lang="en-US" sz="3200" b="0" i="1" smtClean="0">
-                            <a:solidFill>
-                              <a:srgbClr val="0070C0"/>
-                            </a:solidFill>
-                            <a:latin typeface="Cambria Math" panose="02040503050406030204" pitchFamily="18" charset="0"/>
-                            <a:cs typeface="Arial" panose="020B0604020202020204" pitchFamily="34" charset="0"/>
-                          </a:rPr>
-                          <m:t>𝑛</m:t>
-                        </m:r>
-                      </m:den>
-                    </m:f>
-                  </m:oMath>
-                </a14:m>
-                <a:endParaRPr lang="en-US" sz="2000" b="1" i="1" dirty="0">
-                  <a:solidFill>
-                    <a:srgbClr val="0070C0"/>
-                  </a:solidFill>
-                  <a:latin typeface="Arial" panose="020B0604020202020204" pitchFamily="34" charset="0"/>
-                  <a:cs typeface="Arial" panose="020B0604020202020204" pitchFamily="34" charset="0"/>
-                </a:endParaRPr>
-              </a:p>
-            </p:txBody>
-          </p:sp>
-        </mc:Choice>
-        <mc:Fallback xmlns="">
-          <p:sp>
-            <p:nvSpPr>
-              <p:cNvPr id="11" name="TextBox 10">
-                <a:extLst>
-                  <a:ext uri="{FF2B5EF4-FFF2-40B4-BE49-F238E27FC236}">
-                    <a16:creationId xmlns:a16="http://schemas.microsoft.com/office/drawing/2014/main" id="{AB6EF9CE-A2BA-42BA-9DFE-1072080D50BB}"/>
-                  </a:ext>
-                </a:extLst>
-              </p:cNvPr>
-              <p:cNvSpPr txBox="1">
-                <a:spLocks noRot="1" noChangeAspect="1" noMove="1" noResize="1" noEditPoints="1" noAdjustHandles="1" noChangeArrowheads="1" noChangeShapeType="1" noTextEdit="1"/>
-              </p:cNvSpPr>
-              <p:nvPr/>
-            </p:nvSpPr>
-            <p:spPr>
-              <a:xfrm>
-                <a:off x="1534556" y="3407941"/>
-                <a:ext cx="2321789" cy="790345"/>
-              </a:xfrm>
-              <a:prstGeom prst="rect">
-                <a:avLst/>
-              </a:prstGeom>
-              <a:blipFill>
-                <a:blip r:embed="rId4"/>
-                <a:stretch>
-                  <a:fillRect l="-2887"/>
-                </a:stretch>
-              </a:blipFill>
-            </p:spPr>
-            <p:txBody>
-              <a:bodyPr/>
-              <a:lstStyle/>
-              <a:p>
-                <a:r>
-                  <a:rPr lang="en-US">
-                    <a:noFill/>
-                  </a:rPr>
-                  <a:t> </a:t>
-                </a:r>
-              </a:p>
-            </p:txBody>
-          </p:sp>
-        </mc:Fallback>
-      </mc:AlternateContent>
-      <p:sp>
-        <p:nvSpPr>
-          <p:cNvPr id="4" name="Freeform: Shape 3">
-            <a:extLst>
-              <a:ext uri="{FF2B5EF4-FFF2-40B4-BE49-F238E27FC236}">
-                <a16:creationId xmlns:a16="http://schemas.microsoft.com/office/drawing/2014/main" id="{AE6E35FE-48A1-46E7-8E9F-47F5DE05607A}"/>
-              </a:ext>
-            </a:extLst>
-          </p:cNvPr>
-          <p:cNvSpPr/>
-          <p:nvPr/>
-        </p:nvSpPr>
-        <p:spPr>
-          <a:xfrm>
-            <a:off x="2760617" y="2854590"/>
-            <a:ext cx="2238103" cy="1470327"/>
-          </a:xfrm>
-          <a:custGeom>
-            <a:avLst/>
-            <a:gdLst>
-              <a:gd name="connsiteX0" fmla="*/ 0 w 2238103"/>
-              <a:gd name="connsiteY0" fmla="*/ 1140823 h 1470327"/>
-              <a:gd name="connsiteX1" fmla="*/ 470263 w 2238103"/>
-              <a:gd name="connsiteY1" fmla="*/ 1428206 h 1470327"/>
-              <a:gd name="connsiteX2" fmla="*/ 1236617 w 2238103"/>
-              <a:gd name="connsiteY2" fmla="*/ 1428206 h 1470327"/>
-              <a:gd name="connsiteX3" fmla="*/ 1828800 w 2238103"/>
-              <a:gd name="connsiteY3" fmla="*/ 1045029 h 1470327"/>
-              <a:gd name="connsiteX4" fmla="*/ 2046514 w 2238103"/>
-              <a:gd name="connsiteY4" fmla="*/ 217714 h 1470327"/>
-              <a:gd name="connsiteX5" fmla="*/ 2238103 w 2238103"/>
-              <a:gd name="connsiteY5" fmla="*/ 0 h 1470327"/>
-            </a:gdLst>
-            <a:ahLst/>
-            <a:cxnLst>
-              <a:cxn ang="0">
-                <a:pos x="connsiteX0" y="connsiteY0"/>
-              </a:cxn>
-              <a:cxn ang="0">
-                <a:pos x="connsiteX1" y="connsiteY1"/>
-              </a:cxn>
-              <a:cxn ang="0">
-                <a:pos x="connsiteX2" y="connsiteY2"/>
-              </a:cxn>
-              <a:cxn ang="0">
-                <a:pos x="connsiteX3" y="connsiteY3"/>
-              </a:cxn>
-              <a:cxn ang="0">
-                <a:pos x="connsiteX4" y="connsiteY4"/>
-              </a:cxn>
-              <a:cxn ang="0">
-                <a:pos x="connsiteX5" y="connsiteY5"/>
-              </a:cxn>
-            </a:cxnLst>
-            <a:rect l="l" t="t" r="r" b="b"/>
-            <a:pathLst>
-              <a:path w="2238103" h="1470327">
-                <a:moveTo>
-                  <a:pt x="0" y="1140823"/>
-                </a:moveTo>
-                <a:cubicBezTo>
-                  <a:pt x="132080" y="1260566"/>
-                  <a:pt x="264160" y="1380309"/>
-                  <a:pt x="470263" y="1428206"/>
-                </a:cubicBezTo>
-                <a:cubicBezTo>
-                  <a:pt x="676366" y="1476103"/>
-                  <a:pt x="1010194" y="1492069"/>
-                  <a:pt x="1236617" y="1428206"/>
-                </a:cubicBezTo>
-                <a:cubicBezTo>
-                  <a:pt x="1463040" y="1364343"/>
-                  <a:pt x="1693817" y="1246778"/>
-                  <a:pt x="1828800" y="1045029"/>
-                </a:cubicBezTo>
-                <a:cubicBezTo>
-                  <a:pt x="1963783" y="843280"/>
-                  <a:pt x="1978297" y="391885"/>
-                  <a:pt x="2046514" y="217714"/>
-                </a:cubicBezTo>
-                <a:cubicBezTo>
-                  <a:pt x="2114731" y="43543"/>
-                  <a:pt x="2176417" y="21771"/>
-                  <a:pt x="2238103" y="0"/>
-                </a:cubicBezTo>
-              </a:path>
-            </a:pathLst>
-          </a:custGeom>
-          <a:noFill/>
-          <a:ln w="19050">
-            <a:solidFill>
-              <a:srgbClr val="0070C0"/>
-            </a:solidFill>
-            <a:headEnd type="none" w="med" len="med"/>
-            <a:tailEnd type="triangle" w="med" len="med"/>
-          </a:ln>
-        </p:spPr>
-        <p:style>
-          <a:lnRef idx="2">
-            <a:schemeClr val="accent1">
-              <a:shade val="50000"/>
-            </a:schemeClr>
-          </a:lnRef>
-          <a:fillRef idx="1">
-            <a:schemeClr val="accent1"/>
-          </a:fillRef>
-          <a:effectRef idx="0">
-            <a:schemeClr val="accent1"/>
-          </a:effectRef>
-          <a:fontRef idx="minor">
-            <a:schemeClr val="lt1"/>
-          </a:fontRef>
-        </p:style>
-        <p:txBody>
-          <a:bodyPr rtlCol="0" anchor="ctr"/>
-          <a:lstStyle/>
-          <a:p>
-            <a:pPr algn="ctr"/>
-            <a:endParaRPr lang="en-US"/>
-          </a:p>
-        </p:txBody>
-      </p:sp>
-      <p:sp>
-        <p:nvSpPr>
-          <p:cNvPr id="13" name="TextBox 12">
-            <a:extLst>
-              <a:ext uri="{FF2B5EF4-FFF2-40B4-BE49-F238E27FC236}">
-                <a16:creationId xmlns:a16="http://schemas.microsoft.com/office/drawing/2014/main" id="{4B3F0A3A-4E7D-4842-8C48-0852761FAAB3}"/>
-              </a:ext>
-            </a:extLst>
-          </p:cNvPr>
-          <p:cNvSpPr txBox="1"/>
-          <p:nvPr/>
-        </p:nvSpPr>
-        <p:spPr>
-          <a:xfrm>
-            <a:off x="5555206" y="4762486"/>
-            <a:ext cx="1754006" cy="707886"/>
-          </a:xfrm>
-          <a:prstGeom prst="rect">
-            <a:avLst/>
-          </a:prstGeom>
-          <a:noFill/>
-        </p:spPr>
-        <p:txBody>
-          <a:bodyPr wrap="none" rtlCol="0">
-            <a:spAutoFit/>
-          </a:bodyPr>
-          <a:lstStyle/>
-          <a:p>
-            <a:r>
-              <a:rPr lang="en-US" sz="4000" i="1" dirty="0">
-                <a:solidFill>
-                  <a:schemeClr val="accent4">
-                    <a:lumMod val="75000"/>
-                  </a:schemeClr>
-                </a:solidFill>
-                <a:latin typeface="Arial" panose="020B0604020202020204" pitchFamily="34" charset="0"/>
-                <a:cs typeface="Arial" panose="020B0604020202020204" pitchFamily="34" charset="0"/>
-              </a:rPr>
-              <a:t>sum(x)</a:t>
-            </a:r>
-          </a:p>
-        </p:txBody>
-      </p:sp>
-      <p:sp>
-        <p:nvSpPr>
-          <p:cNvPr id="17" name="TextBox 16">
-            <a:extLst>
-              <a:ext uri="{FF2B5EF4-FFF2-40B4-BE49-F238E27FC236}">
-                <a16:creationId xmlns:a16="http://schemas.microsoft.com/office/drawing/2014/main" id="{28A3F18D-D11B-4CD4-B9C6-6C9C9130EAC8}"/>
-              </a:ext>
-            </a:extLst>
-          </p:cNvPr>
-          <p:cNvSpPr txBox="1"/>
-          <p:nvPr/>
-        </p:nvSpPr>
-        <p:spPr>
-          <a:xfrm>
-            <a:off x="1102150" y="4762486"/>
-            <a:ext cx="2895344" cy="707886"/>
-          </a:xfrm>
-          <a:prstGeom prst="rect">
-            <a:avLst/>
-          </a:prstGeom>
-          <a:noFill/>
-        </p:spPr>
-        <p:txBody>
-          <a:bodyPr wrap="none" rtlCol="0">
-            <a:spAutoFit/>
-          </a:bodyPr>
-          <a:lstStyle/>
-          <a:p>
-            <a:r>
-              <a:rPr lang="en-US" sz="4000" i="1" dirty="0">
-                <a:solidFill>
-                  <a:srgbClr val="0070C0"/>
-                </a:solidFill>
-                <a:latin typeface="Arial" panose="020B0604020202020204" pitchFamily="34" charset="0"/>
-                <a:cs typeface="Arial" panose="020B0604020202020204" pitchFamily="34" charset="0"/>
-              </a:rPr>
-              <a:t>1 / length(x)</a:t>
-            </a:r>
-          </a:p>
-        </p:txBody>
-      </p:sp>
-      <p:sp>
-        <p:nvSpPr>
-          <p:cNvPr id="7" name="TextBox 6">
-            <a:extLst>
-              <a:ext uri="{FF2B5EF4-FFF2-40B4-BE49-F238E27FC236}">
-                <a16:creationId xmlns:a16="http://schemas.microsoft.com/office/drawing/2014/main" id="{BDC64414-7528-44B5-8721-A11BF815B8EF}"/>
-              </a:ext>
-            </a:extLst>
-          </p:cNvPr>
-          <p:cNvSpPr txBox="1"/>
-          <p:nvPr/>
-        </p:nvSpPr>
-        <p:spPr>
-          <a:xfrm>
-            <a:off x="4556578" y="4877442"/>
-            <a:ext cx="439544" cy="707886"/>
-          </a:xfrm>
-          <a:prstGeom prst="rect">
-            <a:avLst/>
-          </a:prstGeom>
-          <a:noFill/>
-        </p:spPr>
-        <p:txBody>
-          <a:bodyPr wrap="none" rtlCol="0">
-            <a:spAutoFit/>
-          </a:bodyPr>
-          <a:lstStyle/>
-          <a:p>
-            <a:r>
-              <a:rPr lang="en-US" sz="4000" dirty="0"/>
-              <a:t>*</a:t>
-            </a:r>
-          </a:p>
-        </p:txBody>
-      </p:sp>
-      <p:sp>
-        <p:nvSpPr>
-          <p:cNvPr id="15" name="TextBox 14">
-            <a:extLst>
-              <a:ext uri="{FF2B5EF4-FFF2-40B4-BE49-F238E27FC236}">
-                <a16:creationId xmlns:a16="http://schemas.microsoft.com/office/drawing/2014/main" id="{4DD21FC6-B968-4232-9529-B7D9C349E80F}"/>
-              </a:ext>
-            </a:extLst>
-          </p:cNvPr>
-          <p:cNvSpPr txBox="1"/>
-          <p:nvPr/>
-        </p:nvSpPr>
-        <p:spPr>
-          <a:xfrm>
-            <a:off x="4053722" y="1547964"/>
-            <a:ext cx="271604" cy="1107996"/>
-          </a:xfrm>
-          <a:prstGeom prst="rect">
-            <a:avLst/>
-          </a:prstGeom>
-          <a:noFill/>
-        </p:spPr>
-        <p:txBody>
-          <a:bodyPr wrap="square" rtlCol="0">
-            <a:spAutoFit/>
-          </a:bodyPr>
-          <a:lstStyle/>
-          <a:p>
-            <a:r>
-              <a:rPr lang="en-US" sz="6600" dirty="0"/>
-              <a:t>x</a:t>
-            </a:r>
-          </a:p>
-        </p:txBody>
-      </p:sp>
-      <p:sp>
-        <p:nvSpPr>
-          <p:cNvPr id="8" name="TextBox 7">
-            <a:extLst>
-              <a:ext uri="{FF2B5EF4-FFF2-40B4-BE49-F238E27FC236}">
-                <a16:creationId xmlns:a16="http://schemas.microsoft.com/office/drawing/2014/main" id="{309DB5D9-2812-44FB-AB4A-5368F39CAC0B}"/>
-              </a:ext>
-            </a:extLst>
-          </p:cNvPr>
-          <p:cNvSpPr txBox="1"/>
-          <p:nvPr/>
-        </p:nvSpPr>
-        <p:spPr>
-          <a:xfrm>
-            <a:off x="1620982" y="5711406"/>
-            <a:ext cx="2787943" cy="646331"/>
-          </a:xfrm>
-          <a:prstGeom prst="rect">
-            <a:avLst/>
-          </a:prstGeom>
-          <a:noFill/>
-        </p:spPr>
-        <p:txBody>
-          <a:bodyPr wrap="none" rtlCol="0">
-            <a:spAutoFit/>
-          </a:bodyPr>
-          <a:lstStyle/>
-          <a:p>
-            <a:r>
-              <a:rPr lang="en-US" b="1" dirty="0">
-                <a:solidFill>
-                  <a:schemeClr val="bg1">
-                    <a:lumMod val="50000"/>
-                  </a:schemeClr>
-                </a:solidFill>
-                <a:latin typeface="Arial" panose="020B0604020202020204" pitchFamily="34" charset="0"/>
-                <a:cs typeface="Arial" panose="020B0604020202020204" pitchFamily="34" charset="0"/>
-              </a:rPr>
-              <a:t>e.g., if x = c(3,2,5,6),</a:t>
-            </a:r>
-          </a:p>
-          <a:p>
-            <a:r>
-              <a:rPr lang="en-US" b="1" dirty="0">
-                <a:solidFill>
-                  <a:schemeClr val="bg1">
-                    <a:lumMod val="50000"/>
-                  </a:schemeClr>
-                </a:solidFill>
-                <a:latin typeface="Arial" panose="020B0604020202020204" pitchFamily="34" charset="0"/>
-                <a:cs typeface="Arial" panose="020B0604020202020204" pitchFamily="34" charset="0"/>
-              </a:rPr>
-              <a:t>length(x) will give you 4</a:t>
-            </a:r>
-          </a:p>
-        </p:txBody>
-      </p:sp>
-      <p:sp>
-        <p:nvSpPr>
-          <p:cNvPr id="18" name="Rectangle 17">
-            <a:extLst>
-              <a:ext uri="{FF2B5EF4-FFF2-40B4-BE49-F238E27FC236}">
-                <a16:creationId xmlns:a16="http://schemas.microsoft.com/office/drawing/2014/main" id="{ADA1A65C-45F9-4256-9F8A-76A7A43D9A24}"/>
-              </a:ext>
-            </a:extLst>
-          </p:cNvPr>
-          <p:cNvSpPr/>
-          <p:nvPr/>
-        </p:nvSpPr>
-        <p:spPr>
-          <a:xfrm>
-            <a:off x="33277" y="6581423"/>
-            <a:ext cx="2026196" cy="369332"/>
-          </a:xfrm>
-          <a:prstGeom prst="rect">
-            <a:avLst/>
-          </a:prstGeom>
-        </p:spPr>
-        <p:txBody>
-          <a:bodyPr wrap="none">
-            <a:spAutoFit/>
-          </a:bodyPr>
-          <a:lstStyle/>
-          <a:p>
-            <a:r>
-              <a:rPr lang="en-US" i="1" dirty="0"/>
-              <a:t>Credit: </a:t>
-            </a:r>
-            <a:r>
-              <a:rPr lang="en-US" i="1" dirty="0" err="1"/>
-              <a:t>Bonwoo</a:t>
-            </a:r>
-            <a:r>
-              <a:rPr lang="en-US" i="1" dirty="0"/>
-              <a:t> Koo</a:t>
-            </a:r>
-          </a:p>
-        </p:txBody>
-      </p:sp>
-    </p:spTree>
-    <p:extLst>
-      <p:ext uri="{BB962C8B-B14F-4D97-AF65-F5344CB8AC3E}">
-        <p14:creationId xmlns:p14="http://schemas.microsoft.com/office/powerpoint/2010/main" val="168540311"/>
-      </p:ext>
-    </p:extLst>
-  </p:cSld>
-  <p:clrMapOvr>
-    <a:masterClrMapping/>
-  </p:clrMapOvr>
-</p:sld>
-</file>
-
-<file path=ppt/slides/slide52.xml><?xml version="1.0" encoding="utf-8"?>
-<p:sld xmlns:a="http://schemas.openxmlformats.org/drawingml/2006/main" xmlns:r="http://schemas.openxmlformats.org/officeDocument/2006/relationships" xmlns:p="http://schemas.openxmlformats.org/presentationml/2006/main" show="0">
-  <p:cSld>
-    <p:spTree>
-      <p:nvGrpSpPr>
-        <p:cNvPr id="1" name=""/>
-        <p:cNvGrpSpPr/>
-        <p:nvPr/>
-      </p:nvGrpSpPr>
-      <p:grpSpPr>
-        <a:xfrm>
-          <a:off x="0" y="0"/>
-          <a:ext cx="0" cy="0"/>
-          <a:chOff x="0" y="0"/>
-          <a:chExt cx="0" cy="0"/>
-        </a:xfrm>
-      </p:grpSpPr>
-      <p:sp>
-        <p:nvSpPr>
-          <p:cNvPr id="6" name="TextBox 5">
-            <a:extLst>
-              <a:ext uri="{FF2B5EF4-FFF2-40B4-BE49-F238E27FC236}">
-                <a16:creationId xmlns:a16="http://schemas.microsoft.com/office/drawing/2014/main" id="{7EE7DE34-0D13-44E2-947E-804DE8A9770B}"/>
-              </a:ext>
-            </a:extLst>
-          </p:cNvPr>
-          <p:cNvSpPr txBox="1"/>
-          <p:nvPr/>
-        </p:nvSpPr>
-        <p:spPr>
-          <a:xfrm>
-            <a:off x="356770" y="222432"/>
-            <a:ext cx="6385081" cy="830997"/>
-          </a:xfrm>
-          <a:prstGeom prst="rect">
-            <a:avLst/>
-          </a:prstGeom>
-          <a:noFill/>
-        </p:spPr>
-        <p:txBody>
-          <a:bodyPr wrap="none" rtlCol="0">
-            <a:spAutoFit/>
-          </a:bodyPr>
-          <a:lstStyle/>
-          <a:p>
-            <a:r>
-              <a:rPr lang="en-US" sz="4800" b="1" dirty="0">
-                <a:solidFill>
-                  <a:schemeClr val="accent2"/>
-                </a:solidFill>
-                <a:latin typeface="Arial" panose="020B0604020202020204" pitchFamily="34" charset="0"/>
-                <a:cs typeface="Arial" panose="020B0604020202020204" pitchFamily="34" charset="0"/>
-              </a:rPr>
-              <a:t>Calculating the mean</a:t>
-            </a:r>
-            <a:endParaRPr lang="en-US" sz="6600" b="1" dirty="0">
-              <a:solidFill>
-                <a:schemeClr val="accent2"/>
-              </a:solidFill>
-              <a:latin typeface="Arial" panose="020B0604020202020204" pitchFamily="34" charset="0"/>
-              <a:cs typeface="Arial" panose="020B0604020202020204" pitchFamily="34" charset="0"/>
-            </a:endParaRPr>
-          </a:p>
-        </p:txBody>
-      </p:sp>
-      <p:sp>
-        <p:nvSpPr>
-          <p:cNvPr id="12" name="Slide Number Placeholder 11">
-            <a:extLst>
-              <a:ext uri="{FF2B5EF4-FFF2-40B4-BE49-F238E27FC236}">
-                <a16:creationId xmlns:a16="http://schemas.microsoft.com/office/drawing/2014/main" id="{92E50310-2257-4A5C-93E8-3D0F3E8916DA}"/>
-              </a:ext>
-            </a:extLst>
-          </p:cNvPr>
-          <p:cNvSpPr>
-            <a:spLocks noGrp="1"/>
-          </p:cNvSpPr>
-          <p:nvPr>
-            <p:ph type="sldNum" sz="quarter" idx="12"/>
-          </p:nvPr>
-        </p:nvSpPr>
-        <p:spPr>
-          <a:xfrm>
-            <a:off x="6475367" y="6453005"/>
-            <a:ext cx="2057400" cy="365125"/>
-          </a:xfrm>
-        </p:spPr>
-        <p:txBody>
-          <a:bodyPr/>
-          <a:lstStyle/>
-          <a:p>
-            <a:fld id="{D9CFEFDB-66D6-495C-9117-3BD2D7EF3F1B}" type="slidenum">
-              <a:rPr lang="en-US" smtClean="0"/>
-              <a:t>52</a:t>
-            </a:fld>
-            <a:endParaRPr lang="en-US"/>
-          </a:p>
-        </p:txBody>
-      </p:sp>
-      <p:sp>
-        <p:nvSpPr>
-          <p:cNvPr id="13" name="TextBox 12">
-            <a:extLst>
-              <a:ext uri="{FF2B5EF4-FFF2-40B4-BE49-F238E27FC236}">
-                <a16:creationId xmlns:a16="http://schemas.microsoft.com/office/drawing/2014/main" id="{4B3F0A3A-4E7D-4842-8C48-0852761FAAB3}"/>
-              </a:ext>
-            </a:extLst>
-          </p:cNvPr>
-          <p:cNvSpPr txBox="1"/>
-          <p:nvPr/>
-        </p:nvSpPr>
-        <p:spPr>
-          <a:xfrm>
-            <a:off x="5555206" y="4762486"/>
-            <a:ext cx="1754006" cy="707886"/>
-          </a:xfrm>
-          <a:prstGeom prst="rect">
-            <a:avLst/>
-          </a:prstGeom>
-          <a:noFill/>
-        </p:spPr>
-        <p:txBody>
-          <a:bodyPr wrap="none" rtlCol="0">
-            <a:spAutoFit/>
-          </a:bodyPr>
-          <a:lstStyle/>
-          <a:p>
-            <a:r>
-              <a:rPr lang="en-US" sz="4000" i="1" dirty="0">
-                <a:solidFill>
-                  <a:schemeClr val="accent4">
-                    <a:lumMod val="75000"/>
-                  </a:schemeClr>
-                </a:solidFill>
-                <a:latin typeface="Arial" panose="020B0604020202020204" pitchFamily="34" charset="0"/>
-                <a:cs typeface="Arial" panose="020B0604020202020204" pitchFamily="34" charset="0"/>
-              </a:rPr>
-              <a:t>sum(x)</a:t>
-            </a:r>
-          </a:p>
-        </p:txBody>
-      </p:sp>
-      <p:sp>
-        <p:nvSpPr>
-          <p:cNvPr id="17" name="TextBox 16">
-            <a:extLst>
-              <a:ext uri="{FF2B5EF4-FFF2-40B4-BE49-F238E27FC236}">
-                <a16:creationId xmlns:a16="http://schemas.microsoft.com/office/drawing/2014/main" id="{28A3F18D-D11B-4CD4-B9C6-6C9C9130EAC8}"/>
-              </a:ext>
-            </a:extLst>
-          </p:cNvPr>
-          <p:cNvSpPr txBox="1"/>
-          <p:nvPr/>
-        </p:nvSpPr>
-        <p:spPr>
-          <a:xfrm>
-            <a:off x="1102150" y="4762486"/>
-            <a:ext cx="2895344" cy="707886"/>
-          </a:xfrm>
-          <a:prstGeom prst="rect">
-            <a:avLst/>
-          </a:prstGeom>
-          <a:noFill/>
-        </p:spPr>
-        <p:txBody>
-          <a:bodyPr wrap="none" rtlCol="0">
-            <a:spAutoFit/>
-          </a:bodyPr>
-          <a:lstStyle/>
-          <a:p>
-            <a:r>
-              <a:rPr lang="en-US" sz="4000" i="1" dirty="0">
-                <a:solidFill>
-                  <a:srgbClr val="0070C0"/>
-                </a:solidFill>
-                <a:latin typeface="Arial" panose="020B0604020202020204" pitchFamily="34" charset="0"/>
-                <a:cs typeface="Arial" panose="020B0604020202020204" pitchFamily="34" charset="0"/>
-              </a:rPr>
-              <a:t>1 / length(x)</a:t>
-            </a:r>
-          </a:p>
-        </p:txBody>
-      </p:sp>
-      <p:sp>
-        <p:nvSpPr>
-          <p:cNvPr id="7" name="TextBox 6">
-            <a:extLst>
-              <a:ext uri="{FF2B5EF4-FFF2-40B4-BE49-F238E27FC236}">
-                <a16:creationId xmlns:a16="http://schemas.microsoft.com/office/drawing/2014/main" id="{BDC64414-7528-44B5-8721-A11BF815B8EF}"/>
-              </a:ext>
-            </a:extLst>
-          </p:cNvPr>
-          <p:cNvSpPr txBox="1"/>
-          <p:nvPr/>
-        </p:nvSpPr>
-        <p:spPr>
-          <a:xfrm>
-            <a:off x="4556578" y="4877442"/>
-            <a:ext cx="439544" cy="707886"/>
-          </a:xfrm>
-          <a:prstGeom prst="rect">
-            <a:avLst/>
-          </a:prstGeom>
-          <a:noFill/>
-        </p:spPr>
-        <p:txBody>
-          <a:bodyPr wrap="none" rtlCol="0">
-            <a:spAutoFit/>
-          </a:bodyPr>
-          <a:lstStyle/>
-          <a:p>
-            <a:r>
-              <a:rPr lang="en-US" sz="4000" dirty="0"/>
-              <a:t>*</a:t>
-            </a:r>
-          </a:p>
-        </p:txBody>
-      </p:sp>
-      <p:sp>
-        <p:nvSpPr>
-          <p:cNvPr id="15" name="Rectangle 14">
-            <a:extLst>
-              <a:ext uri="{FF2B5EF4-FFF2-40B4-BE49-F238E27FC236}">
-                <a16:creationId xmlns:a16="http://schemas.microsoft.com/office/drawing/2014/main" id="{E79B5E30-8E82-4299-90D9-9FF1CE195438}"/>
-              </a:ext>
-            </a:extLst>
-          </p:cNvPr>
-          <p:cNvSpPr/>
-          <p:nvPr/>
-        </p:nvSpPr>
-        <p:spPr>
-          <a:xfrm>
-            <a:off x="281071" y="1463654"/>
-            <a:ext cx="8653923" cy="1184940"/>
-          </a:xfrm>
-          <a:prstGeom prst="rect">
-            <a:avLst/>
-          </a:prstGeom>
-        </p:spPr>
-        <p:txBody>
-          <a:bodyPr wrap="square">
-            <a:spAutoFit/>
-          </a:bodyPr>
-          <a:lstStyle/>
-          <a:p>
-            <a:pPr marL="342900" indent="-342900">
-              <a:spcAft>
-                <a:spcPts val="1800"/>
-              </a:spcAft>
-              <a:buFont typeface="Wingdings" panose="05000000000000000000" pitchFamily="2" charset="2"/>
-              <a:buChar char="§"/>
-            </a:pPr>
-            <a:r>
-              <a:rPr lang="en-US" sz="2800" spc="-60" dirty="0">
-                <a:latin typeface="Arial" panose="020B0604020202020204" pitchFamily="34" charset="0"/>
-                <a:cs typeface="Arial" panose="020B0604020202020204" pitchFamily="34" charset="0"/>
-              </a:rPr>
-              <a:t>If you want to calculate the mean for </a:t>
-            </a:r>
-            <a:r>
-              <a:rPr lang="en-US" sz="2800" spc="-60" dirty="0" err="1">
-                <a:solidFill>
-                  <a:srgbClr val="00B050"/>
-                </a:solidFill>
-                <a:latin typeface="Arial" panose="020B0604020202020204" pitchFamily="34" charset="0"/>
-                <a:cs typeface="Arial" panose="020B0604020202020204" pitchFamily="34" charset="0"/>
-              </a:rPr>
-              <a:t>testdata</a:t>
-            </a:r>
-            <a:r>
-              <a:rPr lang="en-US" sz="2800" spc="-60" dirty="0" err="1">
-                <a:solidFill>
-                  <a:srgbClr val="FF0000"/>
-                </a:solidFill>
-                <a:latin typeface="Arial" panose="020B0604020202020204" pitchFamily="34" charset="0"/>
-                <a:cs typeface="Arial" panose="020B0604020202020204" pitchFamily="34" charset="0"/>
-              </a:rPr>
-              <a:t>$</a:t>
-            </a:r>
-            <a:r>
-              <a:rPr lang="en-US" sz="2800" spc="-60" dirty="0" err="1">
-                <a:solidFill>
-                  <a:srgbClr val="00B0F0"/>
-                </a:solidFill>
-                <a:latin typeface="Arial" panose="020B0604020202020204" pitchFamily="34" charset="0"/>
-                <a:cs typeface="Arial" panose="020B0604020202020204" pitchFamily="34" charset="0"/>
-              </a:rPr>
-              <a:t>hinc</a:t>
-            </a:r>
-            <a:r>
-              <a:rPr lang="en-US" sz="2800" spc="-60" dirty="0">
-                <a:solidFill>
-                  <a:srgbClr val="00B0F0"/>
-                </a:solidFill>
-                <a:latin typeface="Arial" panose="020B0604020202020204" pitchFamily="34" charset="0"/>
-                <a:cs typeface="Arial" panose="020B0604020202020204" pitchFamily="34" charset="0"/>
-              </a:rPr>
-              <a:t>,</a:t>
-            </a:r>
-          </a:p>
-          <a:p>
-            <a:pPr marL="342900" indent="-342900">
-              <a:spcAft>
-                <a:spcPts val="1800"/>
-              </a:spcAft>
-              <a:buFont typeface="Wingdings" panose="05000000000000000000" pitchFamily="2" charset="2"/>
-              <a:buChar char="§"/>
-            </a:pPr>
-            <a:r>
-              <a:rPr lang="en-US" sz="2800" spc="-60" dirty="0">
-                <a:latin typeface="Arial" panose="020B0604020202020204" pitchFamily="34" charset="0"/>
-                <a:cs typeface="Arial" panose="020B0604020202020204" pitchFamily="34" charset="0"/>
-              </a:rPr>
-              <a:t>Replace ‘x’ with </a:t>
-            </a:r>
-            <a:r>
-              <a:rPr lang="en-US" sz="2800" spc="-60" dirty="0" err="1">
-                <a:solidFill>
-                  <a:srgbClr val="00B050"/>
-                </a:solidFill>
-                <a:latin typeface="Arial" panose="020B0604020202020204" pitchFamily="34" charset="0"/>
-                <a:cs typeface="Arial" panose="020B0604020202020204" pitchFamily="34" charset="0"/>
-              </a:rPr>
-              <a:t>testdata</a:t>
-            </a:r>
-            <a:r>
-              <a:rPr lang="en-US" sz="2800" spc="-60" dirty="0" err="1">
-                <a:solidFill>
-                  <a:srgbClr val="FF0000"/>
-                </a:solidFill>
-                <a:latin typeface="Arial" panose="020B0604020202020204" pitchFamily="34" charset="0"/>
-                <a:cs typeface="Arial" panose="020B0604020202020204" pitchFamily="34" charset="0"/>
-              </a:rPr>
-              <a:t>$</a:t>
-            </a:r>
-            <a:r>
-              <a:rPr lang="en-US" sz="2800" spc="-60" dirty="0" err="1">
-                <a:solidFill>
-                  <a:srgbClr val="00B0F0"/>
-                </a:solidFill>
-                <a:latin typeface="Arial" panose="020B0604020202020204" pitchFamily="34" charset="0"/>
-                <a:cs typeface="Arial" panose="020B0604020202020204" pitchFamily="34" charset="0"/>
-              </a:rPr>
-              <a:t>hinc</a:t>
-            </a:r>
-            <a:endParaRPr lang="en-US" sz="2800" dirty="0">
-              <a:latin typeface="Arial" panose="020B0604020202020204" pitchFamily="34" charset="0"/>
-              <a:cs typeface="Arial" panose="020B0604020202020204" pitchFamily="34" charset="0"/>
-            </a:endParaRPr>
-          </a:p>
-        </p:txBody>
-      </p:sp>
-      <p:sp>
-        <p:nvSpPr>
-          <p:cNvPr id="19" name="TextBox 18">
-            <a:extLst>
-              <a:ext uri="{FF2B5EF4-FFF2-40B4-BE49-F238E27FC236}">
-                <a16:creationId xmlns:a16="http://schemas.microsoft.com/office/drawing/2014/main" id="{95E24834-1A7A-45A3-B5A4-78A05C4D8FDC}"/>
-              </a:ext>
-            </a:extLst>
-          </p:cNvPr>
-          <p:cNvSpPr txBox="1"/>
-          <p:nvPr/>
-        </p:nvSpPr>
-        <p:spPr>
-          <a:xfrm>
-            <a:off x="1276080" y="5730856"/>
-            <a:ext cx="6227987" cy="461665"/>
-          </a:xfrm>
-          <a:prstGeom prst="rect">
-            <a:avLst/>
-          </a:prstGeom>
-          <a:noFill/>
-        </p:spPr>
-        <p:txBody>
-          <a:bodyPr wrap="none" rtlCol="0">
-            <a:spAutoFit/>
-          </a:bodyPr>
-          <a:lstStyle/>
-          <a:p>
-            <a:r>
-              <a:rPr lang="en-US" sz="2400" i="1" dirty="0">
-                <a:solidFill>
-                  <a:srgbClr val="0070C0"/>
-                </a:solidFill>
-                <a:latin typeface="Arial" panose="020B0604020202020204" pitchFamily="34" charset="0"/>
-                <a:cs typeface="Arial" panose="020B0604020202020204" pitchFamily="34" charset="0"/>
-              </a:rPr>
-              <a:t>1 / length(</a:t>
-            </a:r>
-            <a:r>
-              <a:rPr lang="en-US" sz="2400" i="1" dirty="0" err="1">
-                <a:solidFill>
-                  <a:srgbClr val="0070C0"/>
-                </a:solidFill>
-                <a:latin typeface="Arial" panose="020B0604020202020204" pitchFamily="34" charset="0"/>
-                <a:cs typeface="Arial" panose="020B0604020202020204" pitchFamily="34" charset="0"/>
-              </a:rPr>
-              <a:t>testdata$hinc</a:t>
-            </a:r>
-            <a:r>
-              <a:rPr lang="en-US" sz="2400" i="1" dirty="0">
-                <a:solidFill>
-                  <a:srgbClr val="0070C0"/>
-                </a:solidFill>
-                <a:latin typeface="Arial" panose="020B0604020202020204" pitchFamily="34" charset="0"/>
-                <a:cs typeface="Arial" panose="020B0604020202020204" pitchFamily="34" charset="0"/>
-              </a:rPr>
-              <a:t>)</a:t>
-            </a:r>
-            <a:r>
-              <a:rPr lang="en-US" sz="2400" i="1" dirty="0">
-                <a:latin typeface="Arial" panose="020B0604020202020204" pitchFamily="34" charset="0"/>
-                <a:cs typeface="Arial" panose="020B0604020202020204" pitchFamily="34" charset="0"/>
-              </a:rPr>
-              <a:t>*</a:t>
-            </a:r>
-            <a:r>
-              <a:rPr lang="en-US" sz="2400" i="1" dirty="0">
-                <a:solidFill>
-                  <a:schemeClr val="accent4">
-                    <a:lumMod val="75000"/>
-                  </a:schemeClr>
-                </a:solidFill>
-                <a:latin typeface="Arial" panose="020B0604020202020204" pitchFamily="34" charset="0"/>
-                <a:cs typeface="Arial" panose="020B0604020202020204" pitchFamily="34" charset="0"/>
-              </a:rPr>
-              <a:t>sum(</a:t>
-            </a:r>
-            <a:r>
-              <a:rPr lang="en-US" sz="2400" i="1" dirty="0" err="1">
-                <a:solidFill>
-                  <a:schemeClr val="accent4">
-                    <a:lumMod val="75000"/>
-                  </a:schemeClr>
-                </a:solidFill>
-                <a:latin typeface="Arial" panose="020B0604020202020204" pitchFamily="34" charset="0"/>
-                <a:cs typeface="Arial" panose="020B0604020202020204" pitchFamily="34" charset="0"/>
-              </a:rPr>
-              <a:t>testdata$hinc</a:t>
-            </a:r>
-            <a:r>
-              <a:rPr lang="en-US" sz="2400" i="1" dirty="0">
-                <a:solidFill>
-                  <a:schemeClr val="accent4">
-                    <a:lumMod val="75000"/>
-                  </a:schemeClr>
-                </a:solidFill>
-                <a:latin typeface="Arial" panose="020B0604020202020204" pitchFamily="34" charset="0"/>
-                <a:cs typeface="Arial" panose="020B0604020202020204" pitchFamily="34" charset="0"/>
-              </a:rPr>
-              <a:t>)</a:t>
-            </a:r>
-          </a:p>
-        </p:txBody>
-      </p:sp>
-      <p:sp>
-        <p:nvSpPr>
-          <p:cNvPr id="9" name="Rectangle 8">
-            <a:extLst>
-              <a:ext uri="{FF2B5EF4-FFF2-40B4-BE49-F238E27FC236}">
-                <a16:creationId xmlns:a16="http://schemas.microsoft.com/office/drawing/2014/main" id="{261DC7CB-180E-45ED-A5D1-4AFAAA966BB8}"/>
-              </a:ext>
-            </a:extLst>
-          </p:cNvPr>
-          <p:cNvSpPr/>
-          <p:nvPr/>
-        </p:nvSpPr>
-        <p:spPr>
-          <a:xfrm>
-            <a:off x="33277" y="6581423"/>
-            <a:ext cx="2026196" cy="369332"/>
-          </a:xfrm>
-          <a:prstGeom prst="rect">
-            <a:avLst/>
-          </a:prstGeom>
-        </p:spPr>
-        <p:txBody>
-          <a:bodyPr wrap="none">
-            <a:spAutoFit/>
-          </a:bodyPr>
-          <a:lstStyle/>
-          <a:p>
-            <a:r>
-              <a:rPr lang="en-US" i="1" dirty="0"/>
-              <a:t>Credit: </a:t>
-            </a:r>
-            <a:r>
-              <a:rPr lang="en-US" i="1" dirty="0" err="1"/>
-              <a:t>Bonwoo</a:t>
-            </a:r>
-            <a:r>
-              <a:rPr lang="en-US" i="1" dirty="0"/>
-              <a:t> Koo</a:t>
-            </a:r>
-          </a:p>
-        </p:txBody>
-      </p:sp>
-    </p:spTree>
-    <p:extLst>
-      <p:ext uri="{BB962C8B-B14F-4D97-AF65-F5344CB8AC3E}">
-        <p14:creationId xmlns:p14="http://schemas.microsoft.com/office/powerpoint/2010/main" val="4092198195"/>
-      </p:ext>
-    </p:extLst>
-  </p:cSld>
-  <p:clrMapOvr>
-    <a:masterClrMapping/>
-  </p:clrMapOvr>
-</p:sld>
-</file>
-
-<file path=ppt/slides/slide53.xml><?xml version="1.0" encoding="utf-8"?>
 <p:sld xmlns:a="http://schemas.openxmlformats.org/drawingml/2006/main" xmlns:r="http://schemas.openxmlformats.org/officeDocument/2006/relationships" xmlns:p="http://schemas.openxmlformats.org/presentationml/2006/main">
   <p:cSld>
     <p:spTree>
@@ -44968,7 +39855,7 @@
           <a:p>
             <a:fld id="{D9CFEFDB-66D6-495C-9117-3BD2D7EF3F1B}" type="slidenum">
               <a:rPr lang="en-US" smtClean="0"/>
-              <a:t>53</a:t>
+              <a:t>46</a:t>
             </a:fld>
             <a:endParaRPr lang="en-US"/>
           </a:p>
@@ -45076,7 +39963,7 @@
 </p:sld>
 </file>
 
-<file path=ppt/slides/slide54.xml><?xml version="1.0" encoding="utf-8"?>
+<file path=ppt/slides/slide47.xml><?xml version="1.0" encoding="utf-8"?>
 <p:sld xmlns:a="http://schemas.openxmlformats.org/drawingml/2006/main" xmlns:r="http://schemas.openxmlformats.org/officeDocument/2006/relationships" xmlns:p="http://schemas.openxmlformats.org/presentationml/2006/main">
   <p:cSld>
     <p:spTree>
@@ -45229,7 +40116,7 @@
           <a:p>
             <a:fld id="{D9CFEFDB-66D6-495C-9117-3BD2D7EF3F1B}" type="slidenum">
               <a:rPr lang="en-US" smtClean="0"/>
-              <a:t>54</a:t>
+              <a:t>47</a:t>
             </a:fld>
             <a:endParaRPr lang="en-US"/>
           </a:p>
@@ -45715,7 +40602,7 @@
 </p:sld>
 </file>
 
-<file path=ppt/slides/slide55.xml><?xml version="1.0" encoding="utf-8"?>
+<file path=ppt/slides/slide48.xml><?xml version="1.0" encoding="utf-8"?>
 <p:sld xmlns:a="http://schemas.openxmlformats.org/drawingml/2006/main" xmlns:r="http://schemas.openxmlformats.org/officeDocument/2006/relationships" xmlns:p="http://schemas.openxmlformats.org/presentationml/2006/main">
   <p:cSld>
     <p:spTree>
@@ -45760,7 +40647,7 @@
           <a:p>
             <a:fld id="{D9CFEFDB-66D6-495C-9117-3BD2D7EF3F1B}" type="slidenum">
               <a:rPr lang="en-US" smtClean="0"/>
-              <a:t>55</a:t>
+              <a:t>48</a:t>
             </a:fld>
             <a:endParaRPr lang="en-US" dirty="0"/>
           </a:p>
@@ -46329,6 +41216,768 @@
     <p:extLst>
       <p:ext uri="{BB962C8B-B14F-4D97-AF65-F5344CB8AC3E}">
         <p14:creationId xmlns:p14="http://schemas.microsoft.com/office/powerpoint/2010/main" val="1650628957"/>
+      </p:ext>
+    </p:extLst>
+  </p:cSld>
+  <p:clrMapOvr>
+    <a:masterClrMapping/>
+  </p:clrMapOvr>
+</p:sld>
+</file>
+
+<file path=ppt/slides/slide5.xml><?xml version="1.0" encoding="utf-8"?>
+<p:sld xmlns:a="http://schemas.openxmlformats.org/drawingml/2006/main" xmlns:r="http://schemas.openxmlformats.org/officeDocument/2006/relationships" xmlns:p="http://schemas.openxmlformats.org/presentationml/2006/main">
+  <p:cSld>
+    <p:spTree>
+      <p:nvGrpSpPr>
+        <p:cNvPr id="1" name=""/>
+        <p:cNvGrpSpPr/>
+        <p:nvPr/>
+      </p:nvGrpSpPr>
+      <p:grpSpPr>
+        <a:xfrm>
+          <a:off x="0" y="0"/>
+          <a:ext cx="0" cy="0"/>
+          <a:chOff x="0" y="0"/>
+          <a:chExt cx="0" cy="0"/>
+        </a:xfrm>
+      </p:grpSpPr>
+      <p:sp>
+        <p:nvSpPr>
+          <p:cNvPr id="5" name="TextBox 4">
+            <a:extLst>
+              <a:ext uri="{FF2B5EF4-FFF2-40B4-BE49-F238E27FC236}">
+                <a16:creationId xmlns:a16="http://schemas.microsoft.com/office/drawing/2014/main" id="{F7E8FE75-80B8-4996-8E5B-7D46A9968B83}"/>
+              </a:ext>
+            </a:extLst>
+          </p:cNvPr>
+          <p:cNvSpPr txBox="1"/>
+          <p:nvPr/>
+        </p:nvSpPr>
+        <p:spPr>
+          <a:xfrm>
+            <a:off x="281072" y="1251941"/>
+            <a:ext cx="8862928" cy="6001643"/>
+          </a:xfrm>
+          <a:prstGeom prst="rect">
+            <a:avLst/>
+          </a:prstGeom>
+          <a:noFill/>
+        </p:spPr>
+        <p:txBody>
+          <a:bodyPr wrap="square" rtlCol="0">
+            <a:spAutoFit/>
+          </a:bodyPr>
+          <a:lstStyle/>
+          <a:p>
+            <a:pPr marL="342900" indent="-342900">
+              <a:spcAft>
+                <a:spcPts val="2400"/>
+              </a:spcAft>
+              <a:buFont typeface="Wingdings" panose="05000000000000000000" pitchFamily="2" charset="2"/>
+              <a:buChar char="§"/>
+            </a:pPr>
+            <a:r>
+              <a:rPr lang="en-US" sz="2400" b="1" dirty="0">
+                <a:latin typeface="Arial" panose="020B0604020202020204" pitchFamily="34" charset="0"/>
+                <a:cs typeface="Arial" panose="020B0604020202020204" pitchFamily="34" charset="0"/>
+              </a:rPr>
+              <a:t>1 Lab = 1 document</a:t>
+            </a:r>
+            <a:r>
+              <a:rPr lang="zh-CN" altLang="en-US" sz="2400" b="1" dirty="0">
+                <a:latin typeface="Arial" panose="020B0604020202020204" pitchFamily="34" charset="0"/>
+                <a:cs typeface="Arial" panose="020B0604020202020204" pitchFamily="34" charset="0"/>
+              </a:rPr>
+              <a:t> </a:t>
+            </a:r>
+            <a:r>
+              <a:rPr lang="en-US" altLang="zh-CN" sz="2400" b="1" dirty="0">
+                <a:latin typeface="Arial" panose="020B0604020202020204" pitchFamily="34" charset="0"/>
+                <a:cs typeface="Arial" panose="020B0604020202020204" pitchFamily="34" charset="0"/>
+              </a:rPr>
+              <a:t>(R</a:t>
+            </a:r>
+            <a:r>
+              <a:rPr lang="zh-CN" altLang="en-US" sz="2400" b="1" dirty="0">
+                <a:latin typeface="Arial" panose="020B0604020202020204" pitchFamily="34" charset="0"/>
+                <a:cs typeface="Arial" panose="020B0604020202020204" pitchFamily="34" charset="0"/>
+              </a:rPr>
+              <a:t> </a:t>
+            </a:r>
+            <a:r>
+              <a:rPr lang="en-US" altLang="zh-CN" sz="2400" b="1" dirty="0">
+                <a:latin typeface="Arial" panose="020B0604020202020204" pitchFamily="34" charset="0"/>
+                <a:cs typeface="Arial" panose="020B0604020202020204" pitchFamily="34" charset="0"/>
+              </a:rPr>
+              <a:t>markdown</a:t>
+            </a:r>
+            <a:r>
+              <a:rPr lang="zh-CN" altLang="en-US" sz="2400" b="1" dirty="0">
+                <a:latin typeface="Arial" panose="020B0604020202020204" pitchFamily="34" charset="0"/>
+                <a:cs typeface="Arial" panose="020B0604020202020204" pitchFamily="34" charset="0"/>
+              </a:rPr>
+              <a:t> </a:t>
+            </a:r>
+            <a:r>
+              <a:rPr lang="en-US" altLang="zh-CN" sz="2400" b="1" dirty="0">
+                <a:latin typeface="Arial" panose="020B0604020202020204" pitchFamily="34" charset="0"/>
+                <a:cs typeface="Arial" panose="020B0604020202020204" pitchFamily="34" charset="0"/>
+              </a:rPr>
+              <a:t>or</a:t>
+            </a:r>
+            <a:r>
+              <a:rPr lang="zh-CN" altLang="en-US" sz="2400" b="1" dirty="0">
+                <a:latin typeface="Arial" panose="020B0604020202020204" pitchFamily="34" charset="0"/>
+                <a:cs typeface="Arial" panose="020B0604020202020204" pitchFamily="34" charset="0"/>
+              </a:rPr>
+              <a:t> </a:t>
+            </a:r>
+            <a:r>
+              <a:rPr lang="en-US" altLang="zh-CN" sz="2400" b="1" dirty="0">
+                <a:latin typeface="Arial" panose="020B0604020202020204" pitchFamily="34" charset="0"/>
+                <a:cs typeface="Arial" panose="020B0604020202020204" pitchFamily="34" charset="0"/>
+              </a:rPr>
+              <a:t>html)</a:t>
+            </a:r>
+            <a:r>
+              <a:rPr lang="en-US" sz="2400" b="1" dirty="0">
+                <a:latin typeface="Arial" panose="020B0604020202020204" pitchFamily="34" charset="0"/>
+                <a:cs typeface="Arial" panose="020B0604020202020204" pitchFamily="34" charset="0"/>
+              </a:rPr>
+              <a:t> + 1 slide </a:t>
+            </a:r>
+          </a:p>
+          <a:p>
+            <a:pPr marL="342900" indent="-342900">
+              <a:spcAft>
+                <a:spcPts val="2400"/>
+              </a:spcAft>
+              <a:buFont typeface="Wingdings" panose="05000000000000000000" pitchFamily="2" charset="2"/>
+              <a:buChar char="§"/>
+            </a:pPr>
+            <a:r>
+              <a:rPr lang="en-US" sz="2400" dirty="0">
+                <a:solidFill>
+                  <a:srgbClr val="EE7D30"/>
+                </a:solidFill>
+                <a:latin typeface="Arial" panose="020B0604020202020204" pitchFamily="34" charset="0"/>
+                <a:cs typeface="Arial" panose="020B0604020202020204" pitchFamily="34" charset="0"/>
+              </a:rPr>
+              <a:t>Document</a:t>
+            </a:r>
+            <a:r>
+              <a:rPr lang="en-US" sz="2400" dirty="0">
+                <a:latin typeface="Arial" panose="020B0604020202020204" pitchFamily="34" charset="0"/>
+                <a:cs typeface="Arial" panose="020B0604020202020204" pitchFamily="34" charset="0"/>
+              </a:rPr>
+              <a:t> contains the complete material prepared for the lab</a:t>
+            </a:r>
+            <a:r>
+              <a:rPr lang="en-US" altLang="zh-CN" sz="2400" dirty="0">
+                <a:latin typeface="Arial" panose="020B0604020202020204" pitchFamily="34" charset="0"/>
+                <a:cs typeface="Arial" panose="020B0604020202020204" pitchFamily="34" charset="0"/>
+              </a:rPr>
+              <a:t>,</a:t>
+            </a:r>
+            <a:r>
+              <a:rPr lang="zh-CN" altLang="en-US" sz="2400" dirty="0">
+                <a:latin typeface="Arial" panose="020B0604020202020204" pitchFamily="34" charset="0"/>
+                <a:cs typeface="Arial" panose="020B0604020202020204" pitchFamily="34" charset="0"/>
+              </a:rPr>
+              <a:t> </a:t>
+            </a:r>
+            <a:r>
+              <a:rPr lang="en-US" altLang="zh-CN" sz="2400" dirty="0">
+                <a:latin typeface="Arial" panose="020B0604020202020204" pitchFamily="34" charset="0"/>
+                <a:cs typeface="Arial" panose="020B0604020202020204" pitchFamily="34" charset="0"/>
+              </a:rPr>
+              <a:t>mostly</a:t>
+            </a:r>
+            <a:r>
+              <a:rPr lang="en-US" sz="2400" dirty="0">
+                <a:latin typeface="Arial" panose="020B0604020202020204" pitchFamily="34" charset="0"/>
+                <a:cs typeface="Arial" panose="020B0604020202020204" pitchFamily="34" charset="0"/>
+              </a:rPr>
+              <a:t> by </a:t>
+            </a:r>
+            <a:r>
+              <a:rPr lang="en-US" sz="2400" dirty="0" err="1">
+                <a:latin typeface="Arial" panose="020B0604020202020204" pitchFamily="34" charset="0"/>
+                <a:cs typeface="Arial" panose="020B0604020202020204" pitchFamily="34" charset="0"/>
+              </a:rPr>
+              <a:t>Bonwoo</a:t>
+            </a:r>
+            <a:r>
+              <a:rPr lang="en-US" sz="2400" dirty="0">
+                <a:latin typeface="Arial" panose="020B0604020202020204" pitchFamily="34" charset="0"/>
+                <a:cs typeface="Arial" panose="020B0604020202020204" pitchFamily="34" charset="0"/>
+              </a:rPr>
+              <a:t> Koo.</a:t>
+            </a:r>
+          </a:p>
+          <a:p>
+            <a:pPr marL="342900" indent="-342900">
+              <a:spcAft>
+                <a:spcPts val="2400"/>
+              </a:spcAft>
+              <a:buFont typeface="Wingdings" panose="05000000000000000000" pitchFamily="2" charset="2"/>
+              <a:buChar char="§"/>
+            </a:pPr>
+            <a:r>
+              <a:rPr lang="en-US" sz="2400" dirty="0">
+                <a:solidFill>
+                  <a:srgbClr val="EE7D30"/>
+                </a:solidFill>
+                <a:latin typeface="Arial" panose="020B0604020202020204" pitchFamily="34" charset="0"/>
+                <a:cs typeface="Arial" panose="020B0604020202020204" pitchFamily="34" charset="0"/>
+              </a:rPr>
+              <a:t>Slide</a:t>
+            </a:r>
+            <a:r>
+              <a:rPr lang="en-US" sz="2400" dirty="0">
+                <a:latin typeface="Arial" panose="020B0604020202020204" pitchFamily="34" charset="0"/>
+                <a:cs typeface="Arial" panose="020B0604020202020204" pitchFamily="34" charset="0"/>
+              </a:rPr>
+              <a:t> explains parts of the document that I think are important or can be confusing.</a:t>
+            </a:r>
+          </a:p>
+          <a:p>
+            <a:pPr marL="342900" indent="-342900">
+              <a:spcAft>
+                <a:spcPts val="2400"/>
+              </a:spcAft>
+              <a:buFont typeface="Wingdings" panose="05000000000000000000" pitchFamily="2" charset="2"/>
+              <a:buChar char="§"/>
+            </a:pPr>
+            <a:r>
+              <a:rPr lang="en-US" sz="2400" dirty="0">
+                <a:solidFill>
+                  <a:srgbClr val="EE7D30"/>
+                </a:solidFill>
+                <a:latin typeface="Arial" panose="020B0604020202020204" pitchFamily="34" charset="0"/>
+                <a:cs typeface="Arial" panose="020B0604020202020204" pitchFamily="34" charset="0"/>
+              </a:rPr>
+              <a:t>I will go over the slide first. </a:t>
+            </a:r>
+            <a:r>
+              <a:rPr lang="en-US" sz="2400" dirty="0">
+                <a:latin typeface="Arial" panose="020B0604020202020204" pitchFamily="34" charset="0"/>
+                <a:cs typeface="Arial" panose="020B0604020202020204" pitchFamily="34" charset="0"/>
+              </a:rPr>
+              <a:t>Then, you will have time to read and replicate the document.</a:t>
+            </a:r>
+            <a:r>
+              <a:rPr lang="zh-CN" altLang="en-US" sz="2400" dirty="0">
+                <a:latin typeface="Arial" panose="020B0604020202020204" pitchFamily="34" charset="0"/>
+                <a:cs typeface="Arial" panose="020B0604020202020204" pitchFamily="34" charset="0"/>
+              </a:rPr>
+              <a:t> </a:t>
+            </a:r>
+            <a:r>
+              <a:rPr lang="en-US" sz="2400" dirty="0">
+                <a:latin typeface="Arial" panose="020B0604020202020204" pitchFamily="34" charset="0"/>
+                <a:cs typeface="Arial" panose="020B0604020202020204" pitchFamily="34" charset="0"/>
+              </a:rPr>
+              <a:t>Once you are done with the document, you can leave!</a:t>
+            </a:r>
+          </a:p>
+          <a:p>
+            <a:pPr marL="342900" indent="-342900">
+              <a:spcAft>
+                <a:spcPts val="2400"/>
+              </a:spcAft>
+              <a:buFont typeface="Wingdings" panose="05000000000000000000" pitchFamily="2" charset="2"/>
+              <a:buChar char="§"/>
+            </a:pPr>
+            <a:r>
+              <a:rPr lang="en-US" sz="2400" dirty="0">
+                <a:latin typeface="Arial" panose="020B0604020202020204" pitchFamily="34" charset="0"/>
+                <a:cs typeface="Arial" panose="020B0604020202020204" pitchFamily="34" charset="0"/>
+                <a:hlinkClick r:id="rId2"/>
+              </a:rPr>
+              <a:t>Google Doc</a:t>
+            </a:r>
+            <a:r>
+              <a:rPr lang="zh-CN" altLang="en-US" sz="2400" dirty="0">
+                <a:latin typeface="Arial" panose="020B0604020202020204" pitchFamily="34" charset="0"/>
+                <a:cs typeface="Arial" panose="020B0604020202020204" pitchFamily="34" charset="0"/>
+                <a:hlinkClick r:id="rId2"/>
+              </a:rPr>
+              <a:t> </a:t>
+            </a:r>
+            <a:r>
+              <a:rPr lang="en-US" altLang="zh-CN" sz="2400" dirty="0">
+                <a:latin typeface="Arial" panose="020B0604020202020204" pitchFamily="34" charset="0"/>
+                <a:cs typeface="Arial" panose="020B0604020202020204" pitchFamily="34" charset="0"/>
+                <a:hlinkClick r:id="rId2"/>
+              </a:rPr>
+              <a:t>Queue</a:t>
+            </a:r>
+            <a:r>
+              <a:rPr lang="zh-CN" altLang="en-US" sz="2400" dirty="0">
+                <a:latin typeface="Arial" panose="020B0604020202020204" pitchFamily="34" charset="0"/>
+                <a:cs typeface="Arial" panose="020B0604020202020204" pitchFamily="34" charset="0"/>
+              </a:rPr>
+              <a:t> </a:t>
+            </a:r>
+            <a:r>
+              <a:rPr lang="en-US" altLang="zh-CN" sz="2400" dirty="0">
+                <a:latin typeface="Arial" panose="020B0604020202020204" pitchFamily="34" charset="0"/>
+                <a:cs typeface="Arial" panose="020B0604020202020204" pitchFamily="34" charset="0"/>
+              </a:rPr>
+              <a:t>for</a:t>
+            </a:r>
+            <a:r>
+              <a:rPr lang="zh-CN" altLang="en-US" sz="2400" dirty="0">
+                <a:latin typeface="Arial" panose="020B0604020202020204" pitchFamily="34" charset="0"/>
+                <a:cs typeface="Arial" panose="020B0604020202020204" pitchFamily="34" charset="0"/>
+              </a:rPr>
+              <a:t> </a:t>
+            </a:r>
+            <a:r>
+              <a:rPr lang="en-US" altLang="zh-CN" sz="2400" dirty="0">
+                <a:latin typeface="Arial" panose="020B0604020202020204" pitchFamily="34" charset="0"/>
+                <a:cs typeface="Arial" panose="020B0604020202020204" pitchFamily="34" charset="0"/>
+              </a:rPr>
+              <a:t>Q</a:t>
+            </a:r>
+            <a:r>
+              <a:rPr lang="zh-CN" altLang="en-US" sz="2400" dirty="0">
+                <a:latin typeface="Arial" panose="020B0604020202020204" pitchFamily="34" charset="0"/>
+                <a:cs typeface="Arial" panose="020B0604020202020204" pitchFamily="34" charset="0"/>
+              </a:rPr>
+              <a:t> </a:t>
+            </a:r>
+            <a:r>
+              <a:rPr lang="en-US" altLang="zh-CN" sz="2400" dirty="0">
+                <a:latin typeface="Arial" panose="020B0604020202020204" pitchFamily="34" charset="0"/>
+                <a:cs typeface="Arial" panose="020B0604020202020204" pitchFamily="34" charset="0"/>
+              </a:rPr>
+              <a:t>&amp;</a:t>
+            </a:r>
+            <a:r>
+              <a:rPr lang="zh-CN" altLang="en-US" sz="2400" dirty="0">
+                <a:latin typeface="Arial" panose="020B0604020202020204" pitchFamily="34" charset="0"/>
+                <a:cs typeface="Arial" panose="020B0604020202020204" pitchFamily="34" charset="0"/>
+              </a:rPr>
+              <a:t> </a:t>
+            </a:r>
+            <a:r>
+              <a:rPr lang="en-US" altLang="zh-CN" sz="2400" dirty="0">
+                <a:latin typeface="Arial" panose="020B0604020202020204" pitchFamily="34" charset="0"/>
+                <a:cs typeface="Arial" panose="020B0604020202020204" pitchFamily="34" charset="0"/>
+              </a:rPr>
+              <a:t>A</a:t>
+            </a:r>
+            <a:r>
+              <a:rPr lang="zh-CN" altLang="en-US" sz="2400" dirty="0">
+                <a:latin typeface="Arial" panose="020B0604020202020204" pitchFamily="34" charset="0"/>
+                <a:cs typeface="Arial" panose="020B0604020202020204" pitchFamily="34" charset="0"/>
+              </a:rPr>
+              <a:t> </a:t>
+            </a:r>
+            <a:r>
+              <a:rPr lang="en-US" altLang="zh-CN" sz="2400" dirty="0">
+                <a:latin typeface="Arial" panose="020B0604020202020204" pitchFamily="34" charset="0"/>
+                <a:cs typeface="Arial" panose="020B0604020202020204" pitchFamily="34" charset="0"/>
+              </a:rPr>
+              <a:t>during</a:t>
+            </a:r>
+            <a:r>
+              <a:rPr lang="zh-CN" altLang="en-US" sz="2400" dirty="0">
+                <a:latin typeface="Arial" panose="020B0604020202020204" pitchFamily="34" charset="0"/>
+                <a:cs typeface="Arial" panose="020B0604020202020204" pitchFamily="34" charset="0"/>
+              </a:rPr>
+              <a:t> </a:t>
+            </a:r>
+            <a:r>
+              <a:rPr lang="en-US" altLang="zh-CN" sz="2400" dirty="0">
+                <a:latin typeface="Arial" panose="020B0604020202020204" pitchFamily="34" charset="0"/>
+                <a:cs typeface="Arial" panose="020B0604020202020204" pitchFamily="34" charset="0"/>
+              </a:rPr>
+              <a:t>hands-on</a:t>
+            </a:r>
+          </a:p>
+          <a:p>
+            <a:pPr marL="342900" indent="-342900">
+              <a:spcAft>
+                <a:spcPts val="2400"/>
+              </a:spcAft>
+              <a:buFont typeface="Wingdings" panose="05000000000000000000" pitchFamily="2" charset="2"/>
+              <a:buChar char="§"/>
+            </a:pPr>
+            <a:r>
+              <a:rPr lang="en-US" altLang="zh-CN" sz="2400" b="1" dirty="0">
+                <a:solidFill>
+                  <a:srgbClr val="EE7D30"/>
+                </a:solidFill>
+                <a:latin typeface="Arial" panose="020B0604020202020204" pitchFamily="34" charset="0"/>
+                <a:cs typeface="Arial" panose="020B0604020202020204" pitchFamily="34" charset="0"/>
+              </a:rPr>
+              <a:t>3:00-3:30pm</a:t>
+            </a:r>
+            <a:r>
+              <a:rPr lang="zh-CN" altLang="en-US" sz="2400" b="1" dirty="0">
+                <a:solidFill>
+                  <a:srgbClr val="EE7D30"/>
+                </a:solidFill>
+                <a:latin typeface="Arial" panose="020B0604020202020204" pitchFamily="34" charset="0"/>
+                <a:cs typeface="Arial" panose="020B0604020202020204" pitchFamily="34" charset="0"/>
+              </a:rPr>
+              <a:t> </a:t>
+            </a:r>
+            <a:r>
+              <a:rPr lang="en-US" altLang="zh-CN" sz="2400" b="1" dirty="0">
+                <a:solidFill>
+                  <a:srgbClr val="EE7D30"/>
+                </a:solidFill>
+                <a:latin typeface="Arial" panose="020B0604020202020204" pitchFamily="34" charset="0"/>
+                <a:cs typeface="Arial" panose="020B0604020202020204" pitchFamily="34" charset="0"/>
+              </a:rPr>
+              <a:t>is</a:t>
+            </a:r>
+            <a:r>
+              <a:rPr lang="zh-CN" altLang="en-US" sz="2400" b="1" dirty="0">
+                <a:solidFill>
+                  <a:srgbClr val="EE7D30"/>
+                </a:solidFill>
+                <a:latin typeface="Arial" panose="020B0604020202020204" pitchFamily="34" charset="0"/>
+                <a:cs typeface="Arial" panose="020B0604020202020204" pitchFamily="34" charset="0"/>
+              </a:rPr>
+              <a:t> </a:t>
+            </a:r>
+            <a:r>
+              <a:rPr lang="en-US" altLang="zh-CN" sz="2400" b="1" dirty="0">
+                <a:solidFill>
+                  <a:srgbClr val="EE7D30"/>
+                </a:solidFill>
+                <a:latin typeface="Arial" panose="020B0604020202020204" pitchFamily="34" charset="0"/>
+                <a:cs typeface="Arial" panose="020B0604020202020204" pitchFamily="34" charset="0"/>
+              </a:rPr>
+              <a:t>chill</a:t>
+            </a:r>
+            <a:r>
+              <a:rPr lang="zh-CN" altLang="en-US" sz="2400" b="1" dirty="0">
+                <a:solidFill>
+                  <a:srgbClr val="EE7D30"/>
+                </a:solidFill>
+                <a:latin typeface="Arial" panose="020B0604020202020204" pitchFamily="34" charset="0"/>
+                <a:cs typeface="Arial" panose="020B0604020202020204" pitchFamily="34" charset="0"/>
+              </a:rPr>
+              <a:t> </a:t>
+            </a:r>
+            <a:r>
+              <a:rPr lang="en-US" altLang="zh-CN" sz="2400" b="1" dirty="0">
+                <a:solidFill>
+                  <a:srgbClr val="EE7D30"/>
+                </a:solidFill>
+                <a:latin typeface="Arial" panose="020B0604020202020204" pitchFamily="34" charset="0"/>
+                <a:cs typeface="Arial" panose="020B0604020202020204" pitchFamily="34" charset="0"/>
+              </a:rPr>
+              <a:t>time</a:t>
+            </a:r>
+            <a:r>
+              <a:rPr lang="zh-CN" altLang="en-US" sz="2400" b="1" dirty="0">
+                <a:solidFill>
+                  <a:srgbClr val="EE7D30"/>
+                </a:solidFill>
+                <a:latin typeface="Arial" panose="020B0604020202020204" pitchFamily="34" charset="0"/>
+                <a:cs typeface="Arial" panose="020B0604020202020204" pitchFamily="34" charset="0"/>
+              </a:rPr>
+              <a:t> </a:t>
+            </a:r>
+            <a:r>
+              <a:rPr lang="en-US" altLang="zh-CN" sz="2400" b="1" dirty="0">
+                <a:solidFill>
+                  <a:srgbClr val="EE7D30"/>
+                </a:solidFill>
+                <a:latin typeface="Arial" panose="020B0604020202020204" pitchFamily="34" charset="0"/>
+                <a:cs typeface="Arial" panose="020B0604020202020204" pitchFamily="34" charset="0"/>
+              </a:rPr>
+              <a:t>–</a:t>
+            </a:r>
+            <a:r>
+              <a:rPr lang="zh-CN" altLang="en-US" sz="2400" b="1" dirty="0">
+                <a:solidFill>
+                  <a:srgbClr val="EE7D30"/>
+                </a:solidFill>
+                <a:latin typeface="Arial" panose="020B0604020202020204" pitchFamily="34" charset="0"/>
+                <a:cs typeface="Arial" panose="020B0604020202020204" pitchFamily="34" charset="0"/>
+              </a:rPr>
+              <a:t> </a:t>
+            </a:r>
+            <a:r>
+              <a:rPr lang="en-US" altLang="zh-CN" sz="2400" b="1" dirty="0">
+                <a:solidFill>
+                  <a:srgbClr val="EE7D30"/>
+                </a:solidFill>
+                <a:latin typeface="Arial" panose="020B0604020202020204" pitchFamily="34" charset="0"/>
+                <a:cs typeface="Arial" panose="020B0604020202020204" pitchFamily="34" charset="0"/>
+              </a:rPr>
+              <a:t>I</a:t>
+            </a:r>
+            <a:r>
+              <a:rPr lang="zh-CN" altLang="en-US" sz="2400" b="1" dirty="0">
+                <a:solidFill>
+                  <a:srgbClr val="EE7D30"/>
+                </a:solidFill>
+                <a:latin typeface="Arial" panose="020B0604020202020204" pitchFamily="34" charset="0"/>
+                <a:cs typeface="Arial" panose="020B0604020202020204" pitchFamily="34" charset="0"/>
+              </a:rPr>
+              <a:t> </a:t>
+            </a:r>
+            <a:r>
+              <a:rPr lang="en-US" altLang="zh-CN" sz="2400" b="1" dirty="0">
+                <a:solidFill>
+                  <a:srgbClr val="EE7D30"/>
+                </a:solidFill>
+                <a:latin typeface="Arial" panose="020B0604020202020204" pitchFamily="34" charset="0"/>
+                <a:cs typeface="Arial" panose="020B0604020202020204" pitchFamily="34" charset="0"/>
+              </a:rPr>
+              <a:t>will</a:t>
+            </a:r>
+            <a:r>
+              <a:rPr lang="zh-CN" altLang="en-US" sz="2400" b="1" dirty="0">
+                <a:solidFill>
+                  <a:srgbClr val="EE7D30"/>
+                </a:solidFill>
+                <a:latin typeface="Arial" panose="020B0604020202020204" pitchFamily="34" charset="0"/>
+                <a:cs typeface="Arial" panose="020B0604020202020204" pitchFamily="34" charset="0"/>
+              </a:rPr>
+              <a:t> </a:t>
+            </a:r>
+            <a:r>
+              <a:rPr lang="en-US" altLang="zh-CN" sz="2400" b="1" dirty="0">
+                <a:solidFill>
+                  <a:srgbClr val="EE7D30"/>
+                </a:solidFill>
+                <a:latin typeface="Arial" panose="020B0604020202020204" pitchFamily="34" charset="0"/>
+                <a:cs typeface="Arial" panose="020B0604020202020204" pitchFamily="34" charset="0"/>
+              </a:rPr>
+              <a:t>sit</a:t>
+            </a:r>
+            <a:r>
+              <a:rPr lang="zh-CN" altLang="en-US" sz="2400" b="1" dirty="0">
+                <a:solidFill>
+                  <a:srgbClr val="EE7D30"/>
+                </a:solidFill>
+                <a:latin typeface="Arial" panose="020B0604020202020204" pitchFamily="34" charset="0"/>
+                <a:cs typeface="Arial" panose="020B0604020202020204" pitchFamily="34" charset="0"/>
+              </a:rPr>
+              <a:t> </a:t>
+            </a:r>
+            <a:r>
+              <a:rPr lang="en-US" altLang="zh-CN" sz="2400" b="1" dirty="0">
+                <a:solidFill>
+                  <a:srgbClr val="EE7D30"/>
+                </a:solidFill>
+                <a:latin typeface="Arial" panose="020B0604020202020204" pitchFamily="34" charset="0"/>
+                <a:cs typeface="Arial" panose="020B0604020202020204" pitchFamily="34" charset="0"/>
+              </a:rPr>
+              <a:t>outside,</a:t>
+            </a:r>
+            <a:r>
+              <a:rPr lang="zh-CN" altLang="en-US" sz="2400" b="1" dirty="0">
+                <a:solidFill>
+                  <a:srgbClr val="EE7D30"/>
+                </a:solidFill>
+                <a:latin typeface="Arial" panose="020B0604020202020204" pitchFamily="34" charset="0"/>
+                <a:cs typeface="Arial" panose="020B0604020202020204" pitchFamily="34" charset="0"/>
+              </a:rPr>
+              <a:t> </a:t>
+            </a:r>
+            <a:r>
+              <a:rPr lang="en-US" altLang="zh-CN" sz="2400" b="1" dirty="0">
+                <a:solidFill>
+                  <a:srgbClr val="EE7D30"/>
+                </a:solidFill>
+                <a:latin typeface="Arial" panose="020B0604020202020204" pitchFamily="34" charset="0"/>
+                <a:cs typeface="Arial" panose="020B0604020202020204" pitchFamily="34" charset="0"/>
+              </a:rPr>
+              <a:t>come</a:t>
+            </a:r>
+            <a:r>
+              <a:rPr lang="zh-CN" altLang="en-US" sz="2400" b="1" dirty="0">
+                <a:solidFill>
+                  <a:srgbClr val="EE7D30"/>
+                </a:solidFill>
+                <a:latin typeface="Arial" panose="020B0604020202020204" pitchFamily="34" charset="0"/>
+                <a:cs typeface="Arial" panose="020B0604020202020204" pitchFamily="34" charset="0"/>
+              </a:rPr>
+              <a:t> </a:t>
+            </a:r>
+            <a:r>
+              <a:rPr lang="en-US" altLang="zh-CN" sz="2400" b="1" dirty="0">
+                <a:solidFill>
+                  <a:srgbClr val="EE7D30"/>
+                </a:solidFill>
+                <a:latin typeface="Arial" panose="020B0604020202020204" pitchFamily="34" charset="0"/>
+                <a:cs typeface="Arial" panose="020B0604020202020204" pitchFamily="34" charset="0"/>
+              </a:rPr>
+              <a:t>chat</a:t>
+            </a:r>
+            <a:r>
+              <a:rPr lang="zh-CN" altLang="en-US" sz="2400" b="1" dirty="0">
+                <a:solidFill>
+                  <a:srgbClr val="EE7D30"/>
+                </a:solidFill>
+                <a:latin typeface="Arial" panose="020B0604020202020204" pitchFamily="34" charset="0"/>
+                <a:cs typeface="Arial" panose="020B0604020202020204" pitchFamily="34" charset="0"/>
+              </a:rPr>
+              <a:t> </a:t>
+            </a:r>
+            <a:endParaRPr lang="en-US" altLang="zh-CN" sz="2400" b="1" dirty="0">
+              <a:solidFill>
+                <a:srgbClr val="EE7D30"/>
+              </a:solidFill>
+              <a:latin typeface="Arial" panose="020B0604020202020204" pitchFamily="34" charset="0"/>
+              <a:cs typeface="Arial" panose="020B0604020202020204" pitchFamily="34" charset="0"/>
+            </a:endParaRPr>
+          </a:p>
+          <a:p>
+            <a:pPr marL="342900" indent="-342900">
+              <a:spcAft>
+                <a:spcPts val="2400"/>
+              </a:spcAft>
+              <a:buFont typeface="Wingdings" panose="05000000000000000000" pitchFamily="2" charset="2"/>
+              <a:buChar char="§"/>
+            </a:pPr>
+            <a:endParaRPr lang="en-US" sz="2400" dirty="0">
+              <a:latin typeface="Arial" panose="020B0604020202020204" pitchFamily="34" charset="0"/>
+              <a:cs typeface="Arial" panose="020B0604020202020204" pitchFamily="34" charset="0"/>
+            </a:endParaRPr>
+          </a:p>
+        </p:txBody>
+      </p:sp>
+      <p:sp>
+        <p:nvSpPr>
+          <p:cNvPr id="6" name="TextBox 5">
+            <a:extLst>
+              <a:ext uri="{FF2B5EF4-FFF2-40B4-BE49-F238E27FC236}">
+                <a16:creationId xmlns:a16="http://schemas.microsoft.com/office/drawing/2014/main" id="{7EE7DE34-0D13-44E2-947E-804DE8A9770B}"/>
+              </a:ext>
+            </a:extLst>
+          </p:cNvPr>
+          <p:cNvSpPr txBox="1"/>
+          <p:nvPr/>
+        </p:nvSpPr>
+        <p:spPr>
+          <a:xfrm>
+            <a:off x="356770" y="222432"/>
+            <a:ext cx="3083023" cy="830997"/>
+          </a:xfrm>
+          <a:prstGeom prst="rect">
+            <a:avLst/>
+          </a:prstGeom>
+          <a:noFill/>
+        </p:spPr>
+        <p:txBody>
+          <a:bodyPr wrap="none" rtlCol="0">
+            <a:spAutoFit/>
+          </a:bodyPr>
+          <a:lstStyle/>
+          <a:p>
+            <a:r>
+              <a:rPr lang="en-US" sz="4800" b="1" dirty="0">
+                <a:solidFill>
+                  <a:schemeClr val="accent2"/>
+                </a:solidFill>
+                <a:latin typeface="Arial" panose="020B0604020202020204" pitchFamily="34" charset="0"/>
+                <a:cs typeface="Arial" panose="020B0604020202020204" pitchFamily="34" charset="0"/>
+              </a:rPr>
+              <a:t>Welcome!</a:t>
+            </a:r>
+            <a:endParaRPr lang="en-US" sz="6600" b="1" dirty="0">
+              <a:solidFill>
+                <a:schemeClr val="accent2"/>
+              </a:solidFill>
+              <a:latin typeface="Arial" panose="020B0604020202020204" pitchFamily="34" charset="0"/>
+              <a:cs typeface="Arial" panose="020B0604020202020204" pitchFamily="34" charset="0"/>
+            </a:endParaRPr>
+          </a:p>
+        </p:txBody>
+      </p:sp>
+      <p:sp>
+        <p:nvSpPr>
+          <p:cNvPr id="10" name="Slide Number Placeholder 9">
+            <a:extLst>
+              <a:ext uri="{FF2B5EF4-FFF2-40B4-BE49-F238E27FC236}">
+                <a16:creationId xmlns:a16="http://schemas.microsoft.com/office/drawing/2014/main" id="{86DE51FC-CEE9-4460-A866-C6BDEE9CAC7E}"/>
+              </a:ext>
+            </a:extLst>
+          </p:cNvPr>
+          <p:cNvSpPr>
+            <a:spLocks noGrp="1"/>
+          </p:cNvSpPr>
+          <p:nvPr>
+            <p:ph type="sldNum" sz="quarter" idx="12"/>
+          </p:nvPr>
+        </p:nvSpPr>
+        <p:spPr>
+          <a:xfrm>
+            <a:off x="6457950" y="6440260"/>
+            <a:ext cx="2057400" cy="365125"/>
+          </a:xfrm>
+        </p:spPr>
+        <p:txBody>
+          <a:bodyPr/>
+          <a:lstStyle/>
+          <a:p>
+            <a:fld id="{D9CFEFDB-66D6-495C-9117-3BD2D7EF3F1B}" type="slidenum">
+              <a:rPr lang="en-US" smtClean="0"/>
+              <a:t>5</a:t>
+            </a:fld>
+            <a:endParaRPr lang="en-US"/>
+          </a:p>
+        </p:txBody>
+      </p:sp>
+      <p:sp>
+        <p:nvSpPr>
+          <p:cNvPr id="2" name="Rectangle 1">
+            <a:extLst>
+              <a:ext uri="{FF2B5EF4-FFF2-40B4-BE49-F238E27FC236}">
+                <a16:creationId xmlns:a16="http://schemas.microsoft.com/office/drawing/2014/main" id="{4A761016-44B6-4731-BD11-BE8863AE01AC}"/>
+              </a:ext>
+            </a:extLst>
+          </p:cNvPr>
+          <p:cNvSpPr/>
+          <p:nvPr/>
+        </p:nvSpPr>
+        <p:spPr>
+          <a:xfrm>
+            <a:off x="-1" y="6567283"/>
+            <a:ext cx="2436829" cy="369332"/>
+          </a:xfrm>
+          <a:prstGeom prst="rect">
+            <a:avLst/>
+          </a:prstGeom>
+        </p:spPr>
+        <p:txBody>
+          <a:bodyPr wrap="square">
+            <a:spAutoFit/>
+          </a:bodyPr>
+          <a:lstStyle/>
+          <a:p>
+            <a:r>
+              <a:rPr lang="en-US" i="1" dirty="0"/>
+              <a:t>Credit: </a:t>
+            </a:r>
+            <a:r>
+              <a:rPr lang="en-US" i="1" dirty="0" err="1"/>
+              <a:t>Bonwoo</a:t>
+            </a:r>
+            <a:r>
+              <a:rPr lang="en-US" i="1" dirty="0"/>
+              <a:t> Koo</a:t>
+            </a:r>
+          </a:p>
+        </p:txBody>
+      </p:sp>
+    </p:spTree>
+    <p:extLst>
+      <p:ext uri="{BB962C8B-B14F-4D97-AF65-F5344CB8AC3E}">
+        <p14:creationId xmlns:p14="http://schemas.microsoft.com/office/powerpoint/2010/main" val="2223856174"/>
       </p:ext>
     </p:extLst>
   </p:cSld>
